--- a/documents/presentations/sprint_3_presentation.pptx
+++ b/documents/presentations/sprint_3_presentation.pptx
@@ -5,7 +5,7 @@
     <p:sldMasterId id="2147483678" r:id="rId1"/>
   </p:sldMasterIdLst>
   <p:notesMasterIdLst>
-    <p:notesMasterId r:id="rId11"/>
+    <p:notesMasterId r:id="rId13"/>
   </p:notesMasterIdLst>
   <p:sldIdLst>
     <p:sldId id="256" r:id="rId2"/>
@@ -16,24 +16,26 @@
     <p:sldId id="273" r:id="rId7"/>
     <p:sldId id="269" r:id="rId8"/>
     <p:sldId id="267" r:id="rId9"/>
-    <p:sldId id="270" r:id="rId10"/>
+    <p:sldId id="274" r:id="rId10"/>
+    <p:sldId id="275" r:id="rId11"/>
+    <p:sldId id="270" r:id="rId12"/>
   </p:sldIdLst>
   <p:sldSz cx="9144000" cy="5143500" type="screen16x9"/>
   <p:notesSz cx="6858000" cy="9144000"/>
   <p:embeddedFontLst>
     <p:embeddedFont>
       <p:font typeface="Exo" panose="020B0604020202020204" charset="0"/>
-      <p:regular r:id="rId12"/>
-      <p:bold r:id="rId13"/>
-      <p:italic r:id="rId14"/>
-      <p:boldItalic r:id="rId15"/>
+      <p:regular r:id="rId14"/>
+      <p:bold r:id="rId15"/>
+      <p:italic r:id="rId16"/>
+      <p:boldItalic r:id="rId17"/>
     </p:embeddedFont>
     <p:embeddedFont>
       <p:font typeface="PT Sans" panose="020B0503020203020204" pitchFamily="34" charset="0"/>
-      <p:regular r:id="rId16"/>
-      <p:bold r:id="rId17"/>
-      <p:italic r:id="rId18"/>
-      <p:boldItalic r:id="rId19"/>
+      <p:regular r:id="rId18"/>
+      <p:bold r:id="rId19"/>
+      <p:italic r:id="rId20"/>
+      <p:boldItalic r:id="rId21"/>
     </p:embeddedFont>
   </p:embeddedFontLst>
   <p:defaultTextStyle>
@@ -811,6 +813,215 @@
         </p:txBody>
       </p:sp>
     </p:spTree>
+  </p:cSld>
+  <p:clrMapOvr>
+    <a:masterClrMapping/>
+  </p:clrMapOvr>
+</p:notes>
+</file>
+
+<file path=ppt/notesSlides/notesSlide10.xml><?xml version="1.0" encoding="utf-8"?>
+<p:notes xmlns:a="http://schemas.openxmlformats.org/drawingml/2006/main" xmlns:r="http://schemas.openxmlformats.org/officeDocument/2006/relationships" xmlns:p="http://schemas.openxmlformats.org/presentationml/2006/main">
+  <p:cSld>
+    <p:spTree>
+      <p:nvGrpSpPr>
+        <p:cNvPr id="1" name=""/>
+        <p:cNvGrpSpPr/>
+        <p:nvPr/>
+      </p:nvGrpSpPr>
+      <p:grpSpPr>
+        <a:xfrm>
+          <a:off x="0" y="0"/>
+          <a:ext cx="0" cy="0"/>
+          <a:chOff x="0" y="0"/>
+          <a:chExt cx="0" cy="0"/>
+        </a:xfrm>
+      </p:grpSpPr>
+      <p:sp>
+        <p:nvSpPr>
+          <p:cNvPr id="2" name="Slide Image Placeholder 1"/>
+          <p:cNvSpPr>
+            <a:spLocks noGrp="1" noRot="1" noChangeAspect="1"/>
+          </p:cNvSpPr>
+          <p:nvPr>
+            <p:ph type="sldImg"/>
+          </p:nvPr>
+        </p:nvSpPr>
+        <p:spPr>
+          <a:xfrm>
+            <a:off x="381000" y="685800"/>
+            <a:ext cx="6096000" cy="3429000"/>
+          </a:xfrm>
+        </p:spPr>
+      </p:sp>
+      <p:sp>
+        <p:nvSpPr>
+          <p:cNvPr id="3" name="Notes Placeholder 2"/>
+          <p:cNvSpPr>
+            <a:spLocks noGrp="1"/>
+          </p:cNvSpPr>
+          <p:nvPr>
+            <p:ph type="body" idx="1"/>
+          </p:nvPr>
+        </p:nvSpPr>
+        <p:spPr/>
+        <p:txBody>
+          <a:bodyPr/>
+          <a:lstStyle/>
+          <a:p>
+            <a:pPr marL="457200" marR="0" lvl="0" indent="-298450" algn="l" defTabSz="914400" rtl="0" eaLnBrk="1" fontAlgn="auto" latinLnBrk="0" hangingPunct="1">
+              <a:lnSpc>
+                <a:spcPct val="100000"/>
+              </a:lnSpc>
+              <a:spcBef>
+                <a:spcPts val="0"/>
+              </a:spcBef>
+              <a:spcAft>
+                <a:spcPts val="0"/>
+              </a:spcAft>
+              <a:buClr>
+                <a:srgbClr val="000000"/>
+              </a:buClr>
+              <a:buSzPts val="1100"/>
+              <a:buFont typeface="Arial"/>
+              <a:buChar char="●"/>
+              <a:tabLst/>
+              <a:defRPr/>
+            </a:pPr>
+            <a:r>
+              <a:rPr lang="en-GB" b="0" i="0" dirty="0">
+                <a:solidFill>
+                  <a:schemeClr val="bg1"/>
+                </a:solidFill>
+                <a:effectLst/>
+                <a:latin typeface="-apple-system"/>
+              </a:rPr>
+              <a:t>Providing proof of progress.</a:t>
+            </a:r>
+          </a:p>
+          <a:p>
+            <a:r>
+              <a:rPr lang="en-GB" dirty="0"/>
+              <a:t>We have finished all reports with just minor adjustments left</a:t>
+            </a:r>
+          </a:p>
+        </p:txBody>
+      </p:sp>
+    </p:spTree>
+    <p:extLst>
+      <p:ext uri="{BB962C8B-B14F-4D97-AF65-F5344CB8AC3E}">
+        <p14:creationId xmlns:p14="http://schemas.microsoft.com/office/powerpoint/2010/main" val="617463364"/>
+      </p:ext>
+    </p:extLst>
+  </p:cSld>
+  <p:clrMapOvr>
+    <a:masterClrMapping/>
+  </p:clrMapOvr>
+</p:notes>
+</file>
+
+<file path=ppt/notesSlides/notesSlide11.xml><?xml version="1.0" encoding="utf-8"?>
+<p:notes xmlns:a="http://schemas.openxmlformats.org/drawingml/2006/main" xmlns:r="http://schemas.openxmlformats.org/officeDocument/2006/relationships" xmlns:p="http://schemas.openxmlformats.org/presentationml/2006/main" showMasterSp="0" showMasterPhAnim="0">
+  <p:cSld>
+    <p:spTree>
+      <p:nvGrpSpPr>
+        <p:cNvPr id="1" name="Shape 3154"/>
+        <p:cNvGrpSpPr/>
+        <p:nvPr/>
+      </p:nvGrpSpPr>
+      <p:grpSpPr>
+        <a:xfrm>
+          <a:off x="0" y="0"/>
+          <a:ext cx="0" cy="0"/>
+          <a:chOff x="0" y="0"/>
+          <a:chExt cx="0" cy="0"/>
+        </a:xfrm>
+      </p:grpSpPr>
+      <p:sp>
+        <p:nvSpPr>
+          <p:cNvPr id="3155" name="Google Shape;3155;gedfa3e31c0_2_19636:notes"/>
+          <p:cNvSpPr>
+            <a:spLocks noGrp="1" noRot="1" noChangeAspect="1"/>
+          </p:cNvSpPr>
+          <p:nvPr>
+            <p:ph type="sldImg" idx="2"/>
+          </p:nvPr>
+        </p:nvSpPr>
+        <p:spPr>
+          <a:xfrm>
+            <a:off x="381000" y="685800"/>
+            <a:ext cx="6096000" cy="3429000"/>
+          </a:xfrm>
+          <a:custGeom>
+            <a:avLst/>
+            <a:gdLst/>
+            <a:ahLst/>
+            <a:cxnLst/>
+            <a:rect l="l" t="t" r="r" b="b"/>
+            <a:pathLst>
+              <a:path w="120000" h="120000" extrusionOk="0">
+                <a:moveTo>
+                  <a:pt x="0" y="0"/>
+                </a:moveTo>
+                <a:lnTo>
+                  <a:pt x="120000" y="0"/>
+                </a:lnTo>
+                <a:lnTo>
+                  <a:pt x="120000" y="120000"/>
+                </a:lnTo>
+                <a:lnTo>
+                  <a:pt x="0" y="120000"/>
+                </a:lnTo>
+                <a:close/>
+              </a:path>
+            </a:pathLst>
+          </a:custGeom>
+        </p:spPr>
+      </p:sp>
+      <p:sp>
+        <p:nvSpPr>
+          <p:cNvPr id="3156" name="Google Shape;3156;gedfa3e31c0_2_19636:notes"/>
+          <p:cNvSpPr txBox="1">
+            <a:spLocks noGrp="1"/>
+          </p:cNvSpPr>
+          <p:nvPr>
+            <p:ph type="body" idx="1"/>
+          </p:nvPr>
+        </p:nvSpPr>
+        <p:spPr>
+          <a:xfrm>
+            <a:off x="685800" y="4343400"/>
+            <a:ext cx="5486400" cy="4114800"/>
+          </a:xfrm>
+          <a:prstGeom prst="rect">
+            <a:avLst/>
+          </a:prstGeom>
+        </p:spPr>
+        <p:txBody>
+          <a:bodyPr spcFirstLastPara="1" wrap="square" lIns="91425" tIns="91425" rIns="91425" bIns="91425" anchor="t" anchorCtr="0">
+            <a:noAutofit/>
+          </a:bodyPr>
+          <a:lstStyle/>
+          <a:p>
+            <a:pPr marL="0" lvl="0" indent="0" algn="l" rtl="0">
+              <a:spcBef>
+                <a:spcPts val="0"/>
+              </a:spcBef>
+              <a:spcAft>
+                <a:spcPts val="0"/>
+              </a:spcAft>
+              <a:buNone/>
+            </a:pPr>
+            <a:endParaRPr dirty="0"/>
+          </a:p>
+        </p:txBody>
+      </p:sp>
+    </p:spTree>
+    <p:extLst>
+      <p:ext uri="{BB962C8B-B14F-4D97-AF65-F5344CB8AC3E}">
+        <p14:creationId xmlns:p14="http://schemas.microsoft.com/office/powerpoint/2010/main" val="3737977730"/>
+      </p:ext>
+    </p:extLst>
   </p:cSld>
   <p:clrMapOvr>
     <a:masterClrMapping/>
@@ -1636,11 +1847,11 @@
 </file>
 
 <file path=ppt/notesSlides/notesSlide9.xml><?xml version="1.0" encoding="utf-8"?>
-<p:notes xmlns:a="http://schemas.openxmlformats.org/drawingml/2006/main" xmlns:r="http://schemas.openxmlformats.org/officeDocument/2006/relationships" xmlns:p="http://schemas.openxmlformats.org/presentationml/2006/main" showMasterSp="0" showMasterPhAnim="0">
+<p:notes xmlns:a="http://schemas.openxmlformats.org/drawingml/2006/main" xmlns:r="http://schemas.openxmlformats.org/officeDocument/2006/relationships" xmlns:p="http://schemas.openxmlformats.org/presentationml/2006/main">
   <p:cSld>
     <p:spTree>
       <p:nvGrpSpPr>
-        <p:cNvPr id="1" name="Shape 3154"/>
+        <p:cNvPr id="1" name=""/>
         <p:cNvGrpSpPr/>
         <p:nvPr/>
       </p:nvGrpSpPr>
@@ -1654,12 +1865,12 @@
       </p:grpSpPr>
       <p:sp>
         <p:nvSpPr>
-          <p:cNvPr id="3155" name="Google Shape;3155;gedfa3e31c0_2_19636:notes"/>
+          <p:cNvPr id="2" name="Slide Image Placeholder 1"/>
           <p:cNvSpPr>
             <a:spLocks noGrp="1" noRot="1" noChangeAspect="1"/>
           </p:cNvSpPr>
           <p:nvPr>
-            <p:ph type="sldImg" idx="2"/>
+            <p:ph type="sldImg"/>
           </p:nvPr>
         </p:nvSpPr>
         <p:spPr>
@@ -1667,74 +1878,62 @@
             <a:off x="381000" y="685800"/>
             <a:ext cx="6096000" cy="3429000"/>
           </a:xfrm>
-          <a:custGeom>
-            <a:avLst/>
-            <a:gdLst/>
-            <a:ahLst/>
-            <a:cxnLst/>
-            <a:rect l="l" t="t" r="r" b="b"/>
-            <a:pathLst>
-              <a:path w="120000" h="120000" extrusionOk="0">
-                <a:moveTo>
-                  <a:pt x="0" y="0"/>
-                </a:moveTo>
-                <a:lnTo>
-                  <a:pt x="120000" y="0"/>
-                </a:lnTo>
-                <a:lnTo>
-                  <a:pt x="120000" y="120000"/>
-                </a:lnTo>
-                <a:lnTo>
-                  <a:pt x="0" y="120000"/>
-                </a:lnTo>
-                <a:close/>
-              </a:path>
-            </a:pathLst>
-          </a:custGeom>
         </p:spPr>
       </p:sp>
       <p:sp>
         <p:nvSpPr>
-          <p:cNvPr id="3156" name="Google Shape;3156;gedfa3e31c0_2_19636:notes"/>
-          <p:cNvSpPr txBox="1">
+          <p:cNvPr id="3" name="Notes Placeholder 2"/>
+          <p:cNvSpPr>
             <a:spLocks noGrp="1"/>
           </p:cNvSpPr>
           <p:nvPr>
             <p:ph type="body" idx="1"/>
           </p:nvPr>
         </p:nvSpPr>
-        <p:spPr>
-          <a:xfrm>
-            <a:off x="685800" y="4343400"/>
-            <a:ext cx="5486400" cy="4114800"/>
-          </a:xfrm>
-          <a:prstGeom prst="rect">
-            <a:avLst/>
-          </a:prstGeom>
-        </p:spPr>
+        <p:spPr/>
         <p:txBody>
-          <a:bodyPr spcFirstLastPara="1" wrap="square" lIns="91425" tIns="91425" rIns="91425" bIns="91425" anchor="t" anchorCtr="0">
-            <a:noAutofit/>
-          </a:bodyPr>
+          <a:bodyPr/>
           <a:lstStyle/>
           <a:p>
-            <a:pPr marL="0" lvl="0" indent="0" algn="l" rtl="0">
-              <a:spcBef>
-                <a:spcPts val="0"/>
-              </a:spcBef>
-              <a:spcAft>
-                <a:spcPts val="0"/>
-              </a:spcAft>
-              <a:buNone/>
-            </a:pPr>
-            <a:endParaRPr dirty="0"/>
+            <a:r>
+              <a:rPr lang="en-GB" dirty="0"/>
+              <a:t>Implementation progress towards final version of application: </a:t>
+            </a:r>
+            <a:br>
+              <a:rPr lang="en-GB" dirty="0"/>
+            </a:br>
+            <a:r>
+              <a:rPr lang="en-GB" dirty="0"/>
+              <a:t>o Database design </a:t>
+            </a:r>
+            <a:br>
+              <a:rPr lang="en-GB" dirty="0"/>
+            </a:br>
+            <a:r>
+              <a:rPr lang="en-GB" dirty="0"/>
+              <a:t>o Database implementation with pre-filled data </a:t>
+            </a:r>
+            <a:br>
+              <a:rPr lang="en-GB" dirty="0"/>
+            </a:br>
+            <a:r>
+              <a:rPr lang="en-GB" dirty="0"/>
+              <a:t>o HTML pages available generated from PUG, perhaps with some static content </a:t>
+            </a:r>
+            <a:br>
+              <a:rPr lang="en-GB" dirty="0"/>
+            </a:br>
+            <a:r>
+              <a:rPr lang="en-GB" dirty="0"/>
+              <a:t>o At least some dynamic content being pulled from your database to your templates via Pug - concentrate on views of your data</a:t>
+            </a:r>
           </a:p>
         </p:txBody>
       </p:sp>
     </p:spTree>
     <p:extLst>
       <p:ext uri="{BB962C8B-B14F-4D97-AF65-F5344CB8AC3E}">
-        <p14:creationId xmlns:p14="http://schemas.microsoft.com/office/powerpoint/2010/main" val="3737977730"/>
+        <p14:creationId xmlns:p14="http://schemas.microsoft.com/office/powerpoint/2010/main" val="3134842194"/>
       </p:ext>
     </p:extLst>
   </p:cSld>
@@ -40029,6 +40228,4451 @@
 </p:sld>
 </file>
 
+<file path=ppt/slides/slide10.xml><?xml version="1.0" encoding="utf-8"?>
+<p:sld xmlns:a="http://schemas.openxmlformats.org/drawingml/2006/main" xmlns:r="http://schemas.openxmlformats.org/officeDocument/2006/relationships" xmlns:p="http://schemas.openxmlformats.org/presentationml/2006/main">
+  <p:cSld>
+    <p:spTree>
+      <p:nvGrpSpPr>
+        <p:cNvPr id="1" name=""/>
+        <p:cNvGrpSpPr/>
+        <p:nvPr/>
+      </p:nvGrpSpPr>
+      <p:grpSpPr>
+        <a:xfrm>
+          <a:off x="0" y="0"/>
+          <a:ext cx="0" cy="0"/>
+          <a:chOff x="0" y="0"/>
+          <a:chExt cx="0" cy="0"/>
+        </a:xfrm>
+      </p:grpSpPr>
+      <p:sp>
+        <p:nvSpPr>
+          <p:cNvPr id="2" name="Title 1">
+            <a:extLst>
+              <a:ext uri="{FF2B5EF4-FFF2-40B4-BE49-F238E27FC236}">
+                <a16:creationId xmlns:a16="http://schemas.microsoft.com/office/drawing/2014/main" id="{EE1F9E8C-24E7-48E2-A539-AF1B7599C609}"/>
+              </a:ext>
+            </a:extLst>
+          </p:cNvPr>
+          <p:cNvSpPr>
+            <a:spLocks noGrp="1"/>
+          </p:cNvSpPr>
+          <p:nvPr>
+            <p:ph type="title"/>
+          </p:nvPr>
+        </p:nvSpPr>
+        <p:spPr>
+          <a:xfrm>
+            <a:off x="788850" y="96108"/>
+            <a:ext cx="7566300" cy="841800"/>
+          </a:xfrm>
+        </p:spPr>
+        <p:txBody>
+          <a:bodyPr/>
+          <a:lstStyle/>
+          <a:p>
+            <a:pPr algn="ctr"/>
+            <a:r>
+              <a:rPr lang="en-GB" sz="3200" dirty="0"/>
+              <a:t>Backend and Reports</a:t>
+            </a:r>
+          </a:p>
+        </p:txBody>
+      </p:sp>
+      <p:sp>
+        <p:nvSpPr>
+          <p:cNvPr id="5" name="Google Shape;3237;p45">
+            <a:extLst>
+              <a:ext uri="{FF2B5EF4-FFF2-40B4-BE49-F238E27FC236}">
+                <a16:creationId xmlns:a16="http://schemas.microsoft.com/office/drawing/2014/main" id="{E2A83D04-B603-4D67-B752-20F4C0716763}"/>
+              </a:ext>
+            </a:extLst>
+          </p:cNvPr>
+          <p:cNvSpPr txBox="1">
+            <a:spLocks/>
+          </p:cNvSpPr>
+          <p:nvPr/>
+        </p:nvSpPr>
+        <p:spPr>
+          <a:xfrm>
+            <a:off x="5698417" y="652409"/>
+            <a:ext cx="3249476" cy="2249656"/>
+          </a:xfrm>
+          <a:prstGeom prst="rect">
+            <a:avLst/>
+          </a:prstGeom>
+          <a:noFill/>
+          <a:ln>
+            <a:noFill/>
+          </a:ln>
+          <a:effectLst>
+            <a:outerShdw blurRad="142875" algn="bl" rotWithShape="0">
+              <a:schemeClr val="accent2">
+                <a:alpha val="40000"/>
+              </a:schemeClr>
+            </a:outerShdw>
+          </a:effectLst>
+        </p:spPr>
+        <p:txBody>
+          <a:bodyPr spcFirstLastPara="1" wrap="square" lIns="91425" tIns="91425" rIns="91425" bIns="91425" anchor="ctr" anchorCtr="0">
+            <a:noAutofit/>
+          </a:bodyPr>
+          <a:lstStyle>
+            <a:defPPr marR="0" lvl="0" algn="l" rtl="0">
+              <a:lnSpc>
+                <a:spcPct val="100000"/>
+              </a:lnSpc>
+              <a:spcBef>
+                <a:spcPts val="0"/>
+              </a:spcBef>
+              <a:spcAft>
+                <a:spcPts val="0"/>
+              </a:spcAft>
+            </a:defPPr>
+            <a:lvl1pPr marR="0" lvl="0" algn="ctr" rtl="0">
+              <a:lnSpc>
+                <a:spcPct val="100000"/>
+              </a:lnSpc>
+              <a:spcBef>
+                <a:spcPts val="0"/>
+              </a:spcBef>
+              <a:spcAft>
+                <a:spcPts val="0"/>
+              </a:spcAft>
+              <a:buClr>
+                <a:schemeClr val="lt1"/>
+              </a:buClr>
+              <a:buSzPts val="3200"/>
+              <a:buFont typeface="Exo"/>
+              <a:buNone/>
+              <a:defRPr sz="3200" b="1" i="0" u="none" strike="noStrike" cap="none">
+                <a:solidFill>
+                  <a:schemeClr val="lt1"/>
+                </a:solidFill>
+                <a:latin typeface="Exo"/>
+                <a:ea typeface="Exo"/>
+                <a:cs typeface="Exo"/>
+                <a:sym typeface="Exo"/>
+              </a:defRPr>
+            </a:lvl1pPr>
+            <a:lvl2pPr marR="0" lvl="1" algn="l" rtl="0">
+              <a:lnSpc>
+                <a:spcPct val="100000"/>
+              </a:lnSpc>
+              <a:spcBef>
+                <a:spcPts val="0"/>
+              </a:spcBef>
+              <a:spcAft>
+                <a:spcPts val="0"/>
+              </a:spcAft>
+              <a:buClr>
+                <a:schemeClr val="lt1"/>
+              </a:buClr>
+              <a:buSzPts val="3200"/>
+              <a:buFont typeface="Exo"/>
+              <a:buNone/>
+              <a:defRPr sz="3200" b="0" i="0" u="none" strike="noStrike" cap="none">
+                <a:solidFill>
+                  <a:schemeClr val="lt1"/>
+                </a:solidFill>
+                <a:latin typeface="Exo"/>
+                <a:ea typeface="Exo"/>
+                <a:cs typeface="Exo"/>
+                <a:sym typeface="Exo"/>
+              </a:defRPr>
+            </a:lvl2pPr>
+            <a:lvl3pPr marR="0" lvl="2" algn="l" rtl="0">
+              <a:lnSpc>
+                <a:spcPct val="100000"/>
+              </a:lnSpc>
+              <a:spcBef>
+                <a:spcPts val="0"/>
+              </a:spcBef>
+              <a:spcAft>
+                <a:spcPts val="0"/>
+              </a:spcAft>
+              <a:buClr>
+                <a:schemeClr val="lt1"/>
+              </a:buClr>
+              <a:buSzPts val="3200"/>
+              <a:buFont typeface="Exo"/>
+              <a:buNone/>
+              <a:defRPr sz="3200" b="0" i="0" u="none" strike="noStrike" cap="none">
+                <a:solidFill>
+                  <a:schemeClr val="lt1"/>
+                </a:solidFill>
+                <a:latin typeface="Exo"/>
+                <a:ea typeface="Exo"/>
+                <a:cs typeface="Exo"/>
+                <a:sym typeface="Exo"/>
+              </a:defRPr>
+            </a:lvl3pPr>
+            <a:lvl4pPr marR="0" lvl="3" algn="l" rtl="0">
+              <a:lnSpc>
+                <a:spcPct val="100000"/>
+              </a:lnSpc>
+              <a:spcBef>
+                <a:spcPts val="0"/>
+              </a:spcBef>
+              <a:spcAft>
+                <a:spcPts val="0"/>
+              </a:spcAft>
+              <a:buClr>
+                <a:schemeClr val="lt1"/>
+              </a:buClr>
+              <a:buSzPts val="3200"/>
+              <a:buFont typeface="Exo"/>
+              <a:buNone/>
+              <a:defRPr sz="3200" b="0" i="0" u="none" strike="noStrike" cap="none">
+                <a:solidFill>
+                  <a:schemeClr val="lt1"/>
+                </a:solidFill>
+                <a:latin typeface="Exo"/>
+                <a:ea typeface="Exo"/>
+                <a:cs typeface="Exo"/>
+                <a:sym typeface="Exo"/>
+              </a:defRPr>
+            </a:lvl4pPr>
+            <a:lvl5pPr marR="0" lvl="4" algn="l" rtl="0">
+              <a:lnSpc>
+                <a:spcPct val="100000"/>
+              </a:lnSpc>
+              <a:spcBef>
+                <a:spcPts val="0"/>
+              </a:spcBef>
+              <a:spcAft>
+                <a:spcPts val="0"/>
+              </a:spcAft>
+              <a:buClr>
+                <a:schemeClr val="lt1"/>
+              </a:buClr>
+              <a:buSzPts val="3200"/>
+              <a:buFont typeface="Exo"/>
+              <a:buNone/>
+              <a:defRPr sz="3200" b="0" i="0" u="none" strike="noStrike" cap="none">
+                <a:solidFill>
+                  <a:schemeClr val="lt1"/>
+                </a:solidFill>
+                <a:latin typeface="Exo"/>
+                <a:ea typeface="Exo"/>
+                <a:cs typeface="Exo"/>
+                <a:sym typeface="Exo"/>
+              </a:defRPr>
+            </a:lvl5pPr>
+            <a:lvl6pPr marR="0" lvl="5" algn="l" rtl="0">
+              <a:lnSpc>
+                <a:spcPct val="100000"/>
+              </a:lnSpc>
+              <a:spcBef>
+                <a:spcPts val="0"/>
+              </a:spcBef>
+              <a:spcAft>
+                <a:spcPts val="0"/>
+              </a:spcAft>
+              <a:buClr>
+                <a:schemeClr val="lt1"/>
+              </a:buClr>
+              <a:buSzPts val="3200"/>
+              <a:buFont typeface="Exo"/>
+              <a:buNone/>
+              <a:defRPr sz="3200" b="0" i="0" u="none" strike="noStrike" cap="none">
+                <a:solidFill>
+                  <a:schemeClr val="lt1"/>
+                </a:solidFill>
+                <a:latin typeface="Exo"/>
+                <a:ea typeface="Exo"/>
+                <a:cs typeface="Exo"/>
+                <a:sym typeface="Exo"/>
+              </a:defRPr>
+            </a:lvl6pPr>
+            <a:lvl7pPr marR="0" lvl="6" algn="l" rtl="0">
+              <a:lnSpc>
+                <a:spcPct val="100000"/>
+              </a:lnSpc>
+              <a:spcBef>
+                <a:spcPts val="0"/>
+              </a:spcBef>
+              <a:spcAft>
+                <a:spcPts val="0"/>
+              </a:spcAft>
+              <a:buClr>
+                <a:schemeClr val="lt1"/>
+              </a:buClr>
+              <a:buSzPts val="3200"/>
+              <a:buFont typeface="Exo"/>
+              <a:buNone/>
+              <a:defRPr sz="3200" b="0" i="0" u="none" strike="noStrike" cap="none">
+                <a:solidFill>
+                  <a:schemeClr val="lt1"/>
+                </a:solidFill>
+                <a:latin typeface="Exo"/>
+                <a:ea typeface="Exo"/>
+                <a:cs typeface="Exo"/>
+                <a:sym typeface="Exo"/>
+              </a:defRPr>
+            </a:lvl7pPr>
+            <a:lvl8pPr marR="0" lvl="7" algn="l" rtl="0">
+              <a:lnSpc>
+                <a:spcPct val="100000"/>
+              </a:lnSpc>
+              <a:spcBef>
+                <a:spcPts val="0"/>
+              </a:spcBef>
+              <a:spcAft>
+                <a:spcPts val="0"/>
+              </a:spcAft>
+              <a:buClr>
+                <a:schemeClr val="lt1"/>
+              </a:buClr>
+              <a:buSzPts val="3200"/>
+              <a:buFont typeface="Exo"/>
+              <a:buNone/>
+              <a:defRPr sz="3200" b="0" i="0" u="none" strike="noStrike" cap="none">
+                <a:solidFill>
+                  <a:schemeClr val="lt1"/>
+                </a:solidFill>
+                <a:latin typeface="Exo"/>
+                <a:ea typeface="Exo"/>
+                <a:cs typeface="Exo"/>
+                <a:sym typeface="Exo"/>
+              </a:defRPr>
+            </a:lvl8pPr>
+            <a:lvl9pPr marR="0" lvl="8" algn="l" rtl="0">
+              <a:lnSpc>
+                <a:spcPct val="100000"/>
+              </a:lnSpc>
+              <a:spcBef>
+                <a:spcPts val="0"/>
+              </a:spcBef>
+              <a:spcAft>
+                <a:spcPts val="0"/>
+              </a:spcAft>
+              <a:buClr>
+                <a:schemeClr val="lt1"/>
+              </a:buClr>
+              <a:buSzPts val="3200"/>
+              <a:buFont typeface="Exo"/>
+              <a:buNone/>
+              <a:defRPr sz="3200" b="0" i="0" u="none" strike="noStrike" cap="none">
+                <a:solidFill>
+                  <a:schemeClr val="lt1"/>
+                </a:solidFill>
+                <a:latin typeface="Exo"/>
+                <a:ea typeface="Exo"/>
+                <a:cs typeface="Exo"/>
+                <a:sym typeface="Exo"/>
+              </a:defRPr>
+            </a:lvl9pPr>
+          </a:lstStyle>
+          <a:p>
+            <a:pPr algn="l"/>
+            <a:r>
+              <a:rPr lang="en-GB" b="0" i="0" dirty="0">
+                <a:solidFill>
+                  <a:schemeClr val="bg1"/>
+                </a:solidFill>
+                <a:effectLst/>
+                <a:latin typeface="-apple-system"/>
+              </a:rPr>
+              <a:t>Providing proof of progress.</a:t>
+            </a:r>
+          </a:p>
+        </p:txBody>
+      </p:sp>
+      <p:pic>
+        <p:nvPicPr>
+          <p:cNvPr id="8" name="Picture 7">
+            <a:extLst>
+              <a:ext uri="{FF2B5EF4-FFF2-40B4-BE49-F238E27FC236}">
+                <a16:creationId xmlns:a16="http://schemas.microsoft.com/office/drawing/2014/main" id="{68EE2F00-E166-4608-BEF2-AF2C69875F40}"/>
+              </a:ext>
+            </a:extLst>
+          </p:cNvPr>
+          <p:cNvPicPr>
+            <a:picLocks noChangeAspect="1"/>
+          </p:cNvPicPr>
+          <p:nvPr/>
+        </p:nvPicPr>
+        <p:blipFill>
+          <a:blip r:embed="rId3"/>
+          <a:stretch>
+            <a:fillRect/>
+          </a:stretch>
+        </p:blipFill>
+        <p:spPr>
+          <a:xfrm>
+            <a:off x="6778751" y="545668"/>
+            <a:ext cx="2054165" cy="465268"/>
+          </a:xfrm>
+          <a:prstGeom prst="rect">
+            <a:avLst/>
+          </a:prstGeom>
+        </p:spPr>
+      </p:pic>
+      <p:sp>
+        <p:nvSpPr>
+          <p:cNvPr id="9" name="Google Shape;3257;p45">
+            <a:extLst>
+              <a:ext uri="{FF2B5EF4-FFF2-40B4-BE49-F238E27FC236}">
+                <a16:creationId xmlns:a16="http://schemas.microsoft.com/office/drawing/2014/main" id="{6BB31838-7434-45A0-B0BC-2E893B4772B8}"/>
+              </a:ext>
+            </a:extLst>
+          </p:cNvPr>
+          <p:cNvSpPr/>
+          <p:nvPr/>
+        </p:nvSpPr>
+        <p:spPr>
+          <a:xfrm>
+            <a:off x="5401559" y="1100458"/>
+            <a:ext cx="3594943" cy="1353558"/>
+          </a:xfrm>
+          <a:prstGeom prst="roundRect">
+            <a:avLst>
+              <a:gd name="adj" fmla="val 18419"/>
+            </a:avLst>
+          </a:prstGeom>
+          <a:noFill/>
+          <a:ln w="19050" cap="flat" cmpd="sng">
+            <a:solidFill>
+              <a:schemeClr val="accent2"/>
+            </a:solidFill>
+            <a:prstDash val="solid"/>
+            <a:round/>
+            <a:headEnd type="none" w="sm" len="sm"/>
+            <a:tailEnd type="none" w="sm" len="sm"/>
+          </a:ln>
+        </p:spPr>
+        <p:txBody>
+          <a:bodyPr spcFirstLastPara="1" wrap="square" lIns="91425" tIns="91425" rIns="91425" bIns="91425" anchor="ctr" anchorCtr="0">
+            <a:noAutofit/>
+          </a:bodyPr>
+          <a:lstStyle/>
+          <a:p>
+            <a:pPr marL="0" lvl="0" indent="0" algn="l" rtl="0">
+              <a:spcBef>
+                <a:spcPts val="0"/>
+              </a:spcBef>
+              <a:spcAft>
+                <a:spcPts val="0"/>
+              </a:spcAft>
+              <a:buNone/>
+            </a:pPr>
+            <a:endParaRPr/>
+          </a:p>
+        </p:txBody>
+      </p:sp>
+      <p:pic>
+        <p:nvPicPr>
+          <p:cNvPr id="11" name="Picture 10">
+            <a:extLst>
+              <a:ext uri="{FF2B5EF4-FFF2-40B4-BE49-F238E27FC236}">
+                <a16:creationId xmlns:a16="http://schemas.microsoft.com/office/drawing/2014/main" id="{B692B18E-9969-42AC-9FA4-DDD0597069C1}"/>
+              </a:ext>
+            </a:extLst>
+          </p:cNvPr>
+          <p:cNvPicPr>
+            <a:picLocks noChangeAspect="1"/>
+          </p:cNvPicPr>
+          <p:nvPr/>
+        </p:nvPicPr>
+        <p:blipFill rotWithShape="1">
+          <a:blip r:embed="rId4"/>
+          <a:srcRect l="15156" t="23390" r="47814" b="31312"/>
+          <a:stretch/>
+        </p:blipFill>
+        <p:spPr>
+          <a:xfrm>
+            <a:off x="4848243" y="2689484"/>
+            <a:ext cx="3385942" cy="2243579"/>
+          </a:xfrm>
+          <a:prstGeom prst="rect">
+            <a:avLst/>
+          </a:prstGeom>
+        </p:spPr>
+      </p:pic>
+      <p:pic>
+        <p:nvPicPr>
+          <p:cNvPr id="12" name="Picture 11">
+            <a:extLst>
+              <a:ext uri="{FF2B5EF4-FFF2-40B4-BE49-F238E27FC236}">
+                <a16:creationId xmlns:a16="http://schemas.microsoft.com/office/drawing/2014/main" id="{B5B814FB-5AE2-4BD8-9301-FB4B341CB605}"/>
+              </a:ext>
+            </a:extLst>
+          </p:cNvPr>
+          <p:cNvPicPr>
+            <a:picLocks noChangeAspect="1"/>
+          </p:cNvPicPr>
+          <p:nvPr/>
+        </p:nvPicPr>
+        <p:blipFill>
+          <a:blip r:embed="rId5"/>
+          <a:stretch>
+            <a:fillRect/>
+          </a:stretch>
+        </p:blipFill>
+        <p:spPr>
+          <a:xfrm>
+            <a:off x="1414702" y="714713"/>
+            <a:ext cx="3433541" cy="4218350"/>
+          </a:xfrm>
+          <a:prstGeom prst="rect">
+            <a:avLst/>
+          </a:prstGeom>
+        </p:spPr>
+      </p:pic>
+    </p:spTree>
+    <p:extLst>
+      <p:ext uri="{BB962C8B-B14F-4D97-AF65-F5344CB8AC3E}">
+        <p14:creationId xmlns:p14="http://schemas.microsoft.com/office/powerpoint/2010/main" val="2211404776"/>
+      </p:ext>
+    </p:extLst>
+  </p:cSld>
+  <p:clrMapOvr>
+    <a:masterClrMapping/>
+  </p:clrMapOvr>
+</p:sld>
+</file>
+
+<file path=ppt/slides/slide11.xml><?xml version="1.0" encoding="utf-8"?>
+<p:sld xmlns:a="http://schemas.openxmlformats.org/drawingml/2006/main" xmlns:r="http://schemas.openxmlformats.org/officeDocument/2006/relationships" xmlns:p="http://schemas.openxmlformats.org/presentationml/2006/main">
+  <p:cSld>
+    <p:spTree>
+      <p:nvGrpSpPr>
+        <p:cNvPr id="1" name="Shape 3157"/>
+        <p:cNvGrpSpPr/>
+        <p:nvPr/>
+      </p:nvGrpSpPr>
+      <p:grpSpPr>
+        <a:xfrm>
+          <a:off x="0" y="0"/>
+          <a:ext cx="0" cy="0"/>
+          <a:chOff x="0" y="0"/>
+          <a:chExt cx="0" cy="0"/>
+        </a:xfrm>
+      </p:grpSpPr>
+      <p:sp>
+        <p:nvSpPr>
+          <p:cNvPr id="3159" name="Google Shape;3159;p44"/>
+          <p:cNvSpPr txBox="1">
+            <a:spLocks noGrp="1"/>
+          </p:cNvSpPr>
+          <p:nvPr>
+            <p:ph type="title"/>
+          </p:nvPr>
+        </p:nvSpPr>
+        <p:spPr>
+          <a:xfrm>
+            <a:off x="836951" y="2498219"/>
+            <a:ext cx="7566300" cy="841800"/>
+          </a:xfrm>
+          <a:prstGeom prst="rect">
+            <a:avLst/>
+          </a:prstGeom>
+        </p:spPr>
+        <p:txBody>
+          <a:bodyPr spcFirstLastPara="1" wrap="square" lIns="91425" tIns="91425" rIns="91425" bIns="91425" anchor="ctr" anchorCtr="0">
+            <a:noAutofit/>
+          </a:bodyPr>
+          <a:lstStyle/>
+          <a:p>
+            <a:pPr marL="0" lvl="0" indent="0" algn="ctr" rtl="0">
+              <a:spcBef>
+                <a:spcPts val="0"/>
+              </a:spcBef>
+              <a:spcAft>
+                <a:spcPts val="0"/>
+              </a:spcAft>
+              <a:buNone/>
+            </a:pPr>
+            <a:r>
+              <a:rPr lang="en-GB" dirty="0"/>
+              <a:t>Project Owner</a:t>
+            </a:r>
+          </a:p>
+        </p:txBody>
+      </p:sp>
+      <p:sp>
+        <p:nvSpPr>
+          <p:cNvPr id="3160" name="Google Shape;3160;p44"/>
+          <p:cNvSpPr txBox="1">
+            <a:spLocks noGrp="1"/>
+          </p:cNvSpPr>
+          <p:nvPr>
+            <p:ph type="subTitle" idx="1"/>
+          </p:nvPr>
+        </p:nvSpPr>
+        <p:spPr>
+          <a:xfrm>
+            <a:off x="2250000" y="3340019"/>
+            <a:ext cx="4644000" cy="344400"/>
+          </a:xfrm>
+          <a:prstGeom prst="rect">
+            <a:avLst/>
+          </a:prstGeom>
+        </p:spPr>
+        <p:txBody>
+          <a:bodyPr spcFirstLastPara="1" wrap="square" lIns="91425" tIns="91425" rIns="91425" bIns="91425" anchor="ctr" anchorCtr="0">
+            <a:noAutofit/>
+          </a:bodyPr>
+          <a:lstStyle/>
+          <a:p>
+            <a:pPr marL="0" lvl="0" indent="0" algn="ctr" rtl="0">
+              <a:spcBef>
+                <a:spcPts val="0"/>
+              </a:spcBef>
+              <a:spcAft>
+                <a:spcPts val="0"/>
+              </a:spcAft>
+              <a:buNone/>
+            </a:pPr>
+            <a:r>
+              <a:rPr lang="en-GB" dirty="0"/>
+              <a:t>Mohamed </a:t>
+            </a:r>
+            <a:r>
+              <a:rPr lang="en-GB" dirty="0" err="1"/>
+              <a:t>Kaizra</a:t>
+            </a:r>
+            <a:endParaRPr dirty="0"/>
+          </a:p>
+        </p:txBody>
+      </p:sp>
+      <p:sp>
+        <p:nvSpPr>
+          <p:cNvPr id="3161" name="Google Shape;3161;p44"/>
+          <p:cNvSpPr txBox="1">
+            <a:spLocks noGrp="1"/>
+          </p:cNvSpPr>
+          <p:nvPr>
+            <p:ph type="title" idx="2"/>
+          </p:nvPr>
+        </p:nvSpPr>
+        <p:spPr>
+          <a:xfrm>
+            <a:off x="864525" y="1484975"/>
+            <a:ext cx="2130300" cy="920700"/>
+          </a:xfrm>
+          <a:prstGeom prst="rect">
+            <a:avLst/>
+          </a:prstGeom>
+        </p:spPr>
+        <p:txBody>
+          <a:bodyPr spcFirstLastPara="1" wrap="square" lIns="91425" tIns="91425" rIns="91425" bIns="91425" anchor="ctr" anchorCtr="0">
+            <a:noAutofit/>
+          </a:bodyPr>
+          <a:lstStyle/>
+          <a:p>
+            <a:pPr marL="0" lvl="0" indent="0" algn="l" rtl="0">
+              <a:spcBef>
+                <a:spcPts val="0"/>
+              </a:spcBef>
+              <a:spcAft>
+                <a:spcPts val="0"/>
+              </a:spcAft>
+              <a:buNone/>
+            </a:pPr>
+            <a:r>
+              <a:rPr lang="en" dirty="0"/>
+              <a:t>04</a:t>
+            </a:r>
+            <a:endParaRPr dirty="0"/>
+          </a:p>
+        </p:txBody>
+      </p:sp>
+      <p:grpSp>
+        <p:nvGrpSpPr>
+          <p:cNvPr id="3162" name="Google Shape;3162;p44"/>
+          <p:cNvGrpSpPr/>
+          <p:nvPr/>
+        </p:nvGrpSpPr>
+        <p:grpSpPr>
+          <a:xfrm flipH="1">
+            <a:off x="7672202" y="3605178"/>
+            <a:ext cx="883262" cy="242091"/>
+            <a:chOff x="2300350" y="2601250"/>
+            <a:chExt cx="2275275" cy="623625"/>
+          </a:xfrm>
+        </p:grpSpPr>
+        <p:sp>
+          <p:nvSpPr>
+            <p:cNvPr id="3163" name="Google Shape;3163;p44"/>
+            <p:cNvSpPr/>
+            <p:nvPr/>
+          </p:nvSpPr>
+          <p:spPr>
+            <a:xfrm>
+              <a:off x="2300350" y="2601250"/>
+              <a:ext cx="392100" cy="623625"/>
+            </a:xfrm>
+            <a:custGeom>
+              <a:avLst/>
+              <a:gdLst/>
+              <a:ahLst/>
+              <a:cxnLst/>
+              <a:rect l="l" t="t" r="r" b="b"/>
+              <a:pathLst>
+                <a:path w="15684" h="24945" extrusionOk="0">
+                  <a:moveTo>
+                    <a:pt x="12720" y="0"/>
+                  </a:moveTo>
+                  <a:cubicBezTo>
+                    <a:pt x="13337" y="0"/>
+                    <a:pt x="14078" y="247"/>
+                    <a:pt x="14572" y="741"/>
+                  </a:cubicBezTo>
+                  <a:cubicBezTo>
+                    <a:pt x="15684" y="1852"/>
+                    <a:pt x="15684" y="3581"/>
+                    <a:pt x="14572" y="4569"/>
+                  </a:cubicBezTo>
+                  <a:lnTo>
+                    <a:pt x="6792" y="12349"/>
+                  </a:lnTo>
+                  <a:lnTo>
+                    <a:pt x="14572" y="20128"/>
+                  </a:lnTo>
+                  <a:cubicBezTo>
+                    <a:pt x="15684" y="21240"/>
+                    <a:pt x="15684" y="22845"/>
+                    <a:pt x="14572" y="23957"/>
+                  </a:cubicBezTo>
+                  <a:cubicBezTo>
+                    <a:pt x="13584" y="24944"/>
+                    <a:pt x="11855" y="24944"/>
+                    <a:pt x="10744" y="23957"/>
+                  </a:cubicBezTo>
+                  <a:lnTo>
+                    <a:pt x="1112" y="14325"/>
+                  </a:lnTo>
+                  <a:cubicBezTo>
+                    <a:pt x="1" y="13213"/>
+                    <a:pt x="1" y="11484"/>
+                    <a:pt x="1112" y="10496"/>
+                  </a:cubicBezTo>
+                  <a:lnTo>
+                    <a:pt x="10744" y="741"/>
+                  </a:lnTo>
+                  <a:cubicBezTo>
+                    <a:pt x="11361" y="247"/>
+                    <a:pt x="11979" y="0"/>
+                    <a:pt x="12720" y="0"/>
+                  </a:cubicBezTo>
+                  <a:close/>
+                </a:path>
+              </a:pathLst>
+            </a:custGeom>
+            <a:solidFill>
+              <a:schemeClr val="accent2"/>
+            </a:solidFill>
+            <a:ln>
+              <a:noFill/>
+            </a:ln>
+          </p:spPr>
+          <p:txBody>
+            <a:bodyPr spcFirstLastPara="1" wrap="square" lIns="91425" tIns="91425" rIns="91425" bIns="91425" anchor="ctr" anchorCtr="0">
+              <a:noAutofit/>
+            </a:bodyPr>
+            <a:lstStyle/>
+            <a:p>
+              <a:pPr marL="0" lvl="0" indent="0" algn="l" rtl="0">
+                <a:spcBef>
+                  <a:spcPts val="0"/>
+                </a:spcBef>
+                <a:spcAft>
+                  <a:spcPts val="0"/>
+                </a:spcAft>
+                <a:buNone/>
+              </a:pPr>
+              <a:endParaRPr/>
+            </a:p>
+          </p:txBody>
+        </p:sp>
+        <p:sp>
+          <p:nvSpPr>
+            <p:cNvPr id="3164" name="Google Shape;3164;p44"/>
+            <p:cNvSpPr/>
+            <p:nvPr/>
+          </p:nvSpPr>
+          <p:spPr>
+            <a:xfrm>
+              <a:off x="2680075" y="2601250"/>
+              <a:ext cx="389025" cy="623625"/>
+            </a:xfrm>
+            <a:custGeom>
+              <a:avLst/>
+              <a:gdLst/>
+              <a:ahLst/>
+              <a:cxnLst/>
+              <a:rect l="l" t="t" r="r" b="b"/>
+              <a:pathLst>
+                <a:path w="15561" h="24945" extrusionOk="0">
+                  <a:moveTo>
+                    <a:pt x="12596" y="0"/>
+                  </a:moveTo>
+                  <a:cubicBezTo>
+                    <a:pt x="13337" y="0"/>
+                    <a:pt x="13955" y="247"/>
+                    <a:pt x="14449" y="741"/>
+                  </a:cubicBezTo>
+                  <a:cubicBezTo>
+                    <a:pt x="15560" y="1852"/>
+                    <a:pt x="15560" y="3581"/>
+                    <a:pt x="14449" y="4569"/>
+                  </a:cubicBezTo>
+                  <a:lnTo>
+                    <a:pt x="6669" y="12349"/>
+                  </a:lnTo>
+                  <a:lnTo>
+                    <a:pt x="14449" y="20128"/>
+                  </a:lnTo>
+                  <a:cubicBezTo>
+                    <a:pt x="15560" y="21240"/>
+                    <a:pt x="15560" y="22845"/>
+                    <a:pt x="14449" y="23957"/>
+                  </a:cubicBezTo>
+                  <a:cubicBezTo>
+                    <a:pt x="13461" y="24944"/>
+                    <a:pt x="11732" y="24944"/>
+                    <a:pt x="10621" y="23957"/>
+                  </a:cubicBezTo>
+                  <a:lnTo>
+                    <a:pt x="988" y="14325"/>
+                  </a:lnTo>
+                  <a:cubicBezTo>
+                    <a:pt x="1" y="13213"/>
+                    <a:pt x="1" y="11484"/>
+                    <a:pt x="988" y="10496"/>
+                  </a:cubicBezTo>
+                  <a:lnTo>
+                    <a:pt x="10621" y="741"/>
+                  </a:lnTo>
+                  <a:cubicBezTo>
+                    <a:pt x="11238" y="247"/>
+                    <a:pt x="11855" y="0"/>
+                    <a:pt x="12596" y="0"/>
+                  </a:cubicBezTo>
+                  <a:close/>
+                </a:path>
+              </a:pathLst>
+            </a:custGeom>
+            <a:solidFill>
+              <a:schemeClr val="accent2"/>
+            </a:solidFill>
+            <a:ln>
+              <a:noFill/>
+            </a:ln>
+          </p:spPr>
+          <p:txBody>
+            <a:bodyPr spcFirstLastPara="1" wrap="square" lIns="91425" tIns="91425" rIns="91425" bIns="91425" anchor="ctr" anchorCtr="0">
+              <a:noAutofit/>
+            </a:bodyPr>
+            <a:lstStyle/>
+            <a:p>
+              <a:pPr marL="0" lvl="0" indent="0" algn="l" rtl="0">
+                <a:spcBef>
+                  <a:spcPts val="0"/>
+                </a:spcBef>
+                <a:spcAft>
+                  <a:spcPts val="0"/>
+                </a:spcAft>
+                <a:buNone/>
+              </a:pPr>
+              <a:endParaRPr/>
+            </a:p>
+          </p:txBody>
+        </p:sp>
+        <p:sp>
+          <p:nvSpPr>
+            <p:cNvPr id="3165" name="Google Shape;3165;p44"/>
+            <p:cNvSpPr/>
+            <p:nvPr/>
+          </p:nvSpPr>
+          <p:spPr>
+            <a:xfrm>
+              <a:off x="3056725" y="2601250"/>
+              <a:ext cx="389000" cy="623625"/>
+            </a:xfrm>
+            <a:custGeom>
+              <a:avLst/>
+              <a:gdLst/>
+              <a:ahLst/>
+              <a:cxnLst/>
+              <a:rect l="l" t="t" r="r" b="b"/>
+              <a:pathLst>
+                <a:path w="15560" h="24945" extrusionOk="0">
+                  <a:moveTo>
+                    <a:pt x="12596" y="0"/>
+                  </a:moveTo>
+                  <a:cubicBezTo>
+                    <a:pt x="13337" y="0"/>
+                    <a:pt x="13954" y="247"/>
+                    <a:pt x="14448" y="741"/>
+                  </a:cubicBezTo>
+                  <a:cubicBezTo>
+                    <a:pt x="15559" y="1852"/>
+                    <a:pt x="15559" y="3581"/>
+                    <a:pt x="14448" y="4569"/>
+                  </a:cubicBezTo>
+                  <a:lnTo>
+                    <a:pt x="6792" y="12349"/>
+                  </a:lnTo>
+                  <a:lnTo>
+                    <a:pt x="14448" y="20128"/>
+                  </a:lnTo>
+                  <a:cubicBezTo>
+                    <a:pt x="15559" y="21240"/>
+                    <a:pt x="15559" y="22845"/>
+                    <a:pt x="14448" y="23957"/>
+                  </a:cubicBezTo>
+                  <a:cubicBezTo>
+                    <a:pt x="13460" y="24944"/>
+                    <a:pt x="11731" y="24944"/>
+                    <a:pt x="10743" y="23957"/>
+                  </a:cubicBezTo>
+                  <a:lnTo>
+                    <a:pt x="988" y="14325"/>
+                  </a:lnTo>
+                  <a:cubicBezTo>
+                    <a:pt x="0" y="13213"/>
+                    <a:pt x="0" y="11484"/>
+                    <a:pt x="988" y="10496"/>
+                  </a:cubicBezTo>
+                  <a:lnTo>
+                    <a:pt x="10743" y="741"/>
+                  </a:lnTo>
+                  <a:cubicBezTo>
+                    <a:pt x="11237" y="247"/>
+                    <a:pt x="11855" y="0"/>
+                    <a:pt x="12596" y="0"/>
+                  </a:cubicBezTo>
+                  <a:close/>
+                </a:path>
+              </a:pathLst>
+            </a:custGeom>
+            <a:solidFill>
+              <a:schemeClr val="accent2"/>
+            </a:solidFill>
+            <a:ln>
+              <a:noFill/>
+            </a:ln>
+          </p:spPr>
+          <p:txBody>
+            <a:bodyPr spcFirstLastPara="1" wrap="square" lIns="91425" tIns="91425" rIns="91425" bIns="91425" anchor="ctr" anchorCtr="0">
+              <a:noAutofit/>
+            </a:bodyPr>
+            <a:lstStyle/>
+            <a:p>
+              <a:pPr marL="0" lvl="0" indent="0" algn="l" rtl="0">
+                <a:spcBef>
+                  <a:spcPts val="0"/>
+                </a:spcBef>
+                <a:spcAft>
+                  <a:spcPts val="0"/>
+                </a:spcAft>
+                <a:buNone/>
+              </a:pPr>
+              <a:endParaRPr/>
+            </a:p>
+          </p:txBody>
+        </p:sp>
+        <p:sp>
+          <p:nvSpPr>
+            <p:cNvPr id="3166" name="Google Shape;3166;p44"/>
+            <p:cNvSpPr/>
+            <p:nvPr/>
+          </p:nvSpPr>
+          <p:spPr>
+            <a:xfrm>
+              <a:off x="3433350" y="2601250"/>
+              <a:ext cx="389000" cy="623625"/>
+            </a:xfrm>
+            <a:custGeom>
+              <a:avLst/>
+              <a:gdLst/>
+              <a:ahLst/>
+              <a:cxnLst/>
+              <a:rect l="l" t="t" r="r" b="b"/>
+              <a:pathLst>
+                <a:path w="15560" h="24945" extrusionOk="0">
+                  <a:moveTo>
+                    <a:pt x="12596" y="0"/>
+                  </a:moveTo>
+                  <a:cubicBezTo>
+                    <a:pt x="13337" y="0"/>
+                    <a:pt x="13955" y="247"/>
+                    <a:pt x="14572" y="741"/>
+                  </a:cubicBezTo>
+                  <a:cubicBezTo>
+                    <a:pt x="15560" y="1852"/>
+                    <a:pt x="15560" y="3581"/>
+                    <a:pt x="14572" y="4569"/>
+                  </a:cubicBezTo>
+                  <a:lnTo>
+                    <a:pt x="6792" y="12349"/>
+                  </a:lnTo>
+                  <a:lnTo>
+                    <a:pt x="14572" y="20128"/>
+                  </a:lnTo>
+                  <a:cubicBezTo>
+                    <a:pt x="15560" y="21240"/>
+                    <a:pt x="15560" y="22845"/>
+                    <a:pt x="14572" y="23957"/>
+                  </a:cubicBezTo>
+                  <a:cubicBezTo>
+                    <a:pt x="13461" y="24944"/>
+                    <a:pt x="11732" y="24944"/>
+                    <a:pt x="10744" y="23957"/>
+                  </a:cubicBezTo>
+                  <a:lnTo>
+                    <a:pt x="988" y="14325"/>
+                  </a:lnTo>
+                  <a:cubicBezTo>
+                    <a:pt x="1" y="13213"/>
+                    <a:pt x="1" y="11484"/>
+                    <a:pt x="988" y="10496"/>
+                  </a:cubicBezTo>
+                  <a:lnTo>
+                    <a:pt x="10744" y="741"/>
+                  </a:lnTo>
+                  <a:cubicBezTo>
+                    <a:pt x="11238" y="247"/>
+                    <a:pt x="11979" y="0"/>
+                    <a:pt x="12596" y="0"/>
+                  </a:cubicBezTo>
+                  <a:close/>
+                </a:path>
+              </a:pathLst>
+            </a:custGeom>
+            <a:solidFill>
+              <a:schemeClr val="accent2"/>
+            </a:solidFill>
+            <a:ln>
+              <a:noFill/>
+            </a:ln>
+          </p:spPr>
+          <p:txBody>
+            <a:bodyPr spcFirstLastPara="1" wrap="square" lIns="91425" tIns="91425" rIns="91425" bIns="91425" anchor="ctr" anchorCtr="0">
+              <a:noAutofit/>
+            </a:bodyPr>
+            <a:lstStyle/>
+            <a:p>
+              <a:pPr marL="0" lvl="0" indent="0" algn="l" rtl="0">
+                <a:spcBef>
+                  <a:spcPts val="0"/>
+                </a:spcBef>
+                <a:spcAft>
+                  <a:spcPts val="0"/>
+                </a:spcAft>
+                <a:buNone/>
+              </a:pPr>
+              <a:endParaRPr/>
+            </a:p>
+          </p:txBody>
+        </p:sp>
+        <p:sp>
+          <p:nvSpPr>
+            <p:cNvPr id="3167" name="Google Shape;3167;p44"/>
+            <p:cNvSpPr/>
+            <p:nvPr/>
+          </p:nvSpPr>
+          <p:spPr>
+            <a:xfrm>
+              <a:off x="3810000" y="2601250"/>
+              <a:ext cx="389000" cy="623625"/>
+            </a:xfrm>
+            <a:custGeom>
+              <a:avLst/>
+              <a:gdLst/>
+              <a:ahLst/>
+              <a:cxnLst/>
+              <a:rect l="l" t="t" r="r" b="b"/>
+              <a:pathLst>
+                <a:path w="15560" h="24945" extrusionOk="0">
+                  <a:moveTo>
+                    <a:pt x="12596" y="0"/>
+                  </a:moveTo>
+                  <a:cubicBezTo>
+                    <a:pt x="13337" y="0"/>
+                    <a:pt x="13954" y="247"/>
+                    <a:pt x="14572" y="741"/>
+                  </a:cubicBezTo>
+                  <a:cubicBezTo>
+                    <a:pt x="15559" y="1852"/>
+                    <a:pt x="15559" y="3581"/>
+                    <a:pt x="14572" y="4569"/>
+                  </a:cubicBezTo>
+                  <a:lnTo>
+                    <a:pt x="6792" y="12349"/>
+                  </a:lnTo>
+                  <a:lnTo>
+                    <a:pt x="14572" y="20128"/>
+                  </a:lnTo>
+                  <a:cubicBezTo>
+                    <a:pt x="15559" y="21240"/>
+                    <a:pt x="15559" y="22845"/>
+                    <a:pt x="14572" y="23957"/>
+                  </a:cubicBezTo>
+                  <a:cubicBezTo>
+                    <a:pt x="13460" y="24944"/>
+                    <a:pt x="11731" y="24944"/>
+                    <a:pt x="10743" y="23957"/>
+                  </a:cubicBezTo>
+                  <a:lnTo>
+                    <a:pt x="988" y="14325"/>
+                  </a:lnTo>
+                  <a:cubicBezTo>
+                    <a:pt x="0" y="13213"/>
+                    <a:pt x="0" y="11484"/>
+                    <a:pt x="988" y="10496"/>
+                  </a:cubicBezTo>
+                  <a:lnTo>
+                    <a:pt x="10743" y="741"/>
+                  </a:lnTo>
+                  <a:cubicBezTo>
+                    <a:pt x="11237" y="247"/>
+                    <a:pt x="11978" y="0"/>
+                    <a:pt x="12596" y="0"/>
+                  </a:cubicBezTo>
+                  <a:close/>
+                </a:path>
+              </a:pathLst>
+            </a:custGeom>
+            <a:solidFill>
+              <a:schemeClr val="accent2"/>
+            </a:solidFill>
+            <a:ln>
+              <a:noFill/>
+            </a:ln>
+          </p:spPr>
+          <p:txBody>
+            <a:bodyPr spcFirstLastPara="1" wrap="square" lIns="91425" tIns="91425" rIns="91425" bIns="91425" anchor="ctr" anchorCtr="0">
+              <a:noAutofit/>
+            </a:bodyPr>
+            <a:lstStyle/>
+            <a:p>
+              <a:pPr marL="0" lvl="0" indent="0" algn="l" rtl="0">
+                <a:spcBef>
+                  <a:spcPts val="0"/>
+                </a:spcBef>
+                <a:spcAft>
+                  <a:spcPts val="0"/>
+                </a:spcAft>
+                <a:buNone/>
+              </a:pPr>
+              <a:endParaRPr/>
+            </a:p>
+          </p:txBody>
+        </p:sp>
+        <p:sp>
+          <p:nvSpPr>
+            <p:cNvPr id="3168" name="Google Shape;3168;p44"/>
+            <p:cNvSpPr/>
+            <p:nvPr/>
+          </p:nvSpPr>
+          <p:spPr>
+            <a:xfrm>
+              <a:off x="4186625" y="2601250"/>
+              <a:ext cx="389000" cy="623625"/>
+            </a:xfrm>
+            <a:custGeom>
+              <a:avLst/>
+              <a:gdLst/>
+              <a:ahLst/>
+              <a:cxnLst/>
+              <a:rect l="l" t="t" r="r" b="b"/>
+              <a:pathLst>
+                <a:path w="15560" h="24945" extrusionOk="0">
+                  <a:moveTo>
+                    <a:pt x="12596" y="0"/>
+                  </a:moveTo>
+                  <a:cubicBezTo>
+                    <a:pt x="13337" y="0"/>
+                    <a:pt x="13955" y="247"/>
+                    <a:pt x="14572" y="741"/>
+                  </a:cubicBezTo>
+                  <a:cubicBezTo>
+                    <a:pt x="15560" y="1852"/>
+                    <a:pt x="15560" y="3581"/>
+                    <a:pt x="14572" y="4569"/>
+                  </a:cubicBezTo>
+                  <a:lnTo>
+                    <a:pt x="6792" y="12349"/>
+                  </a:lnTo>
+                  <a:lnTo>
+                    <a:pt x="14572" y="20128"/>
+                  </a:lnTo>
+                  <a:cubicBezTo>
+                    <a:pt x="15560" y="21240"/>
+                    <a:pt x="15560" y="22845"/>
+                    <a:pt x="14572" y="23957"/>
+                  </a:cubicBezTo>
+                  <a:cubicBezTo>
+                    <a:pt x="13461" y="24944"/>
+                    <a:pt x="11732" y="24944"/>
+                    <a:pt x="10744" y="23957"/>
+                  </a:cubicBezTo>
+                  <a:lnTo>
+                    <a:pt x="988" y="14325"/>
+                  </a:lnTo>
+                  <a:cubicBezTo>
+                    <a:pt x="0" y="13213"/>
+                    <a:pt x="0" y="11484"/>
+                    <a:pt x="988" y="10496"/>
+                  </a:cubicBezTo>
+                  <a:lnTo>
+                    <a:pt x="10744" y="741"/>
+                  </a:lnTo>
+                  <a:cubicBezTo>
+                    <a:pt x="11238" y="247"/>
+                    <a:pt x="11979" y="0"/>
+                    <a:pt x="12596" y="0"/>
+                  </a:cubicBezTo>
+                  <a:close/>
+                </a:path>
+              </a:pathLst>
+            </a:custGeom>
+            <a:solidFill>
+              <a:schemeClr val="accent2"/>
+            </a:solidFill>
+            <a:ln>
+              <a:noFill/>
+            </a:ln>
+          </p:spPr>
+          <p:txBody>
+            <a:bodyPr spcFirstLastPara="1" wrap="square" lIns="91425" tIns="91425" rIns="91425" bIns="91425" anchor="ctr" anchorCtr="0">
+              <a:noAutofit/>
+            </a:bodyPr>
+            <a:lstStyle/>
+            <a:p>
+              <a:pPr marL="0" lvl="0" indent="0" algn="l" rtl="0">
+                <a:spcBef>
+                  <a:spcPts val="0"/>
+                </a:spcBef>
+                <a:spcAft>
+                  <a:spcPts val="0"/>
+                </a:spcAft>
+                <a:buNone/>
+              </a:pPr>
+              <a:endParaRPr/>
+            </a:p>
+          </p:txBody>
+        </p:sp>
+      </p:grpSp>
+      <p:grpSp>
+        <p:nvGrpSpPr>
+          <p:cNvPr id="3169" name="Google Shape;3169;p44"/>
+          <p:cNvGrpSpPr/>
+          <p:nvPr/>
+        </p:nvGrpSpPr>
+        <p:grpSpPr>
+          <a:xfrm rot="5400000">
+            <a:off x="2935200" y="4005125"/>
+            <a:ext cx="98902" cy="553090"/>
+            <a:chOff x="4898850" y="4820550"/>
+            <a:chExt cx="98902" cy="553090"/>
+          </a:xfrm>
+        </p:grpSpPr>
+        <p:sp>
+          <p:nvSpPr>
+            <p:cNvPr id="3170" name="Google Shape;3170;p44"/>
+            <p:cNvSpPr/>
+            <p:nvPr/>
+          </p:nvSpPr>
+          <p:spPr>
+            <a:xfrm>
+              <a:off x="4898850" y="4820550"/>
+              <a:ext cx="98902" cy="98902"/>
+            </a:xfrm>
+            <a:custGeom>
+              <a:avLst/>
+              <a:gdLst/>
+              <a:ahLst/>
+              <a:cxnLst/>
+              <a:rect l="l" t="t" r="r" b="b"/>
+              <a:pathLst>
+                <a:path w="3174" h="3174" fill="none" extrusionOk="0">
+                  <a:moveTo>
+                    <a:pt x="1810" y="124"/>
+                  </a:moveTo>
+                  <a:cubicBezTo>
+                    <a:pt x="2603" y="248"/>
+                    <a:pt x="3173" y="1017"/>
+                    <a:pt x="3024" y="1810"/>
+                  </a:cubicBezTo>
+                  <a:cubicBezTo>
+                    <a:pt x="2900" y="2603"/>
+                    <a:pt x="2157" y="3173"/>
+                    <a:pt x="1339" y="3025"/>
+                  </a:cubicBezTo>
+                  <a:cubicBezTo>
+                    <a:pt x="545" y="2901"/>
+                    <a:pt x="0" y="2157"/>
+                    <a:pt x="124" y="1339"/>
+                  </a:cubicBezTo>
+                  <a:cubicBezTo>
+                    <a:pt x="248" y="546"/>
+                    <a:pt x="992" y="0"/>
+                    <a:pt x="1810" y="124"/>
+                  </a:cubicBezTo>
+                  <a:close/>
+                </a:path>
+              </a:pathLst>
+            </a:custGeom>
+            <a:noFill/>
+            <a:ln w="19050" cap="rnd" cmpd="sng">
+              <a:solidFill>
+                <a:schemeClr val="accent3"/>
+              </a:solidFill>
+              <a:prstDash val="solid"/>
+              <a:round/>
+              <a:headEnd type="none" w="sm" len="sm"/>
+              <a:tailEnd type="none" w="sm" len="sm"/>
+            </a:ln>
+          </p:spPr>
+          <p:txBody>
+            <a:bodyPr spcFirstLastPara="1" wrap="square" lIns="91425" tIns="91425" rIns="91425" bIns="91425" anchor="ctr" anchorCtr="0">
+              <a:noAutofit/>
+            </a:bodyPr>
+            <a:lstStyle/>
+            <a:p>
+              <a:pPr marL="0" lvl="0" indent="0" algn="l" rtl="0">
+                <a:spcBef>
+                  <a:spcPts val="0"/>
+                </a:spcBef>
+                <a:spcAft>
+                  <a:spcPts val="0"/>
+                </a:spcAft>
+                <a:buNone/>
+              </a:pPr>
+              <a:endParaRPr/>
+            </a:p>
+          </p:txBody>
+        </p:sp>
+        <p:sp>
+          <p:nvSpPr>
+            <p:cNvPr id="3171" name="Google Shape;3171;p44"/>
+            <p:cNvSpPr/>
+            <p:nvPr/>
+          </p:nvSpPr>
+          <p:spPr>
+            <a:xfrm>
+              <a:off x="4924339" y="4847971"/>
+              <a:ext cx="46366" cy="43094"/>
+            </a:xfrm>
+            <a:custGeom>
+              <a:avLst/>
+              <a:gdLst/>
+              <a:ahLst/>
+              <a:cxnLst/>
+              <a:rect l="l" t="t" r="r" b="b"/>
+              <a:pathLst>
+                <a:path w="1488" h="1383" extrusionOk="0">
+                  <a:moveTo>
+                    <a:pt x="744" y="1"/>
+                  </a:moveTo>
+                  <a:cubicBezTo>
+                    <a:pt x="417" y="1"/>
+                    <a:pt x="119" y="253"/>
+                    <a:pt x="74" y="583"/>
+                  </a:cubicBezTo>
+                  <a:cubicBezTo>
+                    <a:pt x="0" y="955"/>
+                    <a:pt x="273" y="1327"/>
+                    <a:pt x="645" y="1376"/>
+                  </a:cubicBezTo>
+                  <a:cubicBezTo>
+                    <a:pt x="676" y="1380"/>
+                    <a:pt x="708" y="1383"/>
+                    <a:pt x="739" y="1383"/>
+                  </a:cubicBezTo>
+                  <a:cubicBezTo>
+                    <a:pt x="1074" y="1383"/>
+                    <a:pt x="1370" y="1146"/>
+                    <a:pt x="1438" y="806"/>
+                  </a:cubicBezTo>
+                  <a:cubicBezTo>
+                    <a:pt x="1487" y="434"/>
+                    <a:pt x="1240" y="62"/>
+                    <a:pt x="868" y="13"/>
+                  </a:cubicBezTo>
+                  <a:cubicBezTo>
+                    <a:pt x="826" y="4"/>
+                    <a:pt x="785" y="1"/>
+                    <a:pt x="744" y="1"/>
+                  </a:cubicBezTo>
+                  <a:close/>
+                </a:path>
+              </a:pathLst>
+            </a:custGeom>
+            <a:solidFill>
+              <a:schemeClr val="accent3"/>
+            </a:solidFill>
+            <a:ln>
+              <a:noFill/>
+            </a:ln>
+          </p:spPr>
+          <p:txBody>
+            <a:bodyPr spcFirstLastPara="1" wrap="square" lIns="91425" tIns="91425" rIns="91425" bIns="91425" anchor="ctr" anchorCtr="0">
+              <a:noAutofit/>
+            </a:bodyPr>
+            <a:lstStyle/>
+            <a:p>
+              <a:pPr marL="0" lvl="0" indent="0" algn="l" rtl="0">
+                <a:spcBef>
+                  <a:spcPts val="0"/>
+                </a:spcBef>
+                <a:spcAft>
+                  <a:spcPts val="0"/>
+                </a:spcAft>
+                <a:buNone/>
+              </a:pPr>
+              <a:endParaRPr/>
+            </a:p>
+          </p:txBody>
+        </p:sp>
+        <p:sp>
+          <p:nvSpPr>
+            <p:cNvPr id="3172" name="Google Shape;3172;p44"/>
+            <p:cNvSpPr/>
+            <p:nvPr/>
+          </p:nvSpPr>
+          <p:spPr>
+            <a:xfrm>
+              <a:off x="4901935" y="5281687"/>
+              <a:ext cx="91953" cy="91953"/>
+            </a:xfrm>
+            <a:custGeom>
+              <a:avLst/>
+              <a:gdLst/>
+              <a:ahLst/>
+              <a:cxnLst/>
+              <a:rect l="l" t="t" r="r" b="b"/>
+              <a:pathLst>
+                <a:path w="2951" h="2951" fill="none" extrusionOk="0">
+                  <a:moveTo>
+                    <a:pt x="1463" y="2951"/>
+                  </a:moveTo>
+                  <a:cubicBezTo>
+                    <a:pt x="645" y="2951"/>
+                    <a:pt x="0" y="2306"/>
+                    <a:pt x="0" y="1488"/>
+                  </a:cubicBezTo>
+                  <a:cubicBezTo>
+                    <a:pt x="0" y="670"/>
+                    <a:pt x="645" y="1"/>
+                    <a:pt x="1463" y="1"/>
+                  </a:cubicBezTo>
+                  <a:cubicBezTo>
+                    <a:pt x="2281" y="1"/>
+                    <a:pt x="2950" y="670"/>
+                    <a:pt x="2950" y="1488"/>
+                  </a:cubicBezTo>
+                  <a:cubicBezTo>
+                    <a:pt x="2950" y="2306"/>
+                    <a:pt x="2281" y="2951"/>
+                    <a:pt x="1463" y="2951"/>
+                  </a:cubicBezTo>
+                  <a:close/>
+                </a:path>
+              </a:pathLst>
+            </a:custGeom>
+            <a:noFill/>
+            <a:ln w="19050" cap="rnd" cmpd="sng">
+              <a:solidFill>
+                <a:schemeClr val="accent3"/>
+              </a:solidFill>
+              <a:prstDash val="solid"/>
+              <a:round/>
+              <a:headEnd type="none" w="sm" len="sm"/>
+              <a:tailEnd type="none" w="sm" len="sm"/>
+            </a:ln>
+          </p:spPr>
+          <p:txBody>
+            <a:bodyPr spcFirstLastPara="1" wrap="square" lIns="91425" tIns="91425" rIns="91425" bIns="91425" anchor="ctr" anchorCtr="0">
+              <a:noAutofit/>
+            </a:bodyPr>
+            <a:lstStyle/>
+            <a:p>
+              <a:pPr marL="0" lvl="0" indent="0" algn="l" rtl="0">
+                <a:spcBef>
+                  <a:spcPts val="0"/>
+                </a:spcBef>
+                <a:spcAft>
+                  <a:spcPts val="0"/>
+                </a:spcAft>
+                <a:buNone/>
+              </a:pPr>
+              <a:endParaRPr/>
+            </a:p>
+          </p:txBody>
+        </p:sp>
+        <p:sp>
+          <p:nvSpPr>
+            <p:cNvPr id="3173" name="Google Shape;3173;p44"/>
+            <p:cNvSpPr/>
+            <p:nvPr/>
+          </p:nvSpPr>
+          <p:spPr>
+            <a:xfrm>
+              <a:off x="4925866" y="5306428"/>
+              <a:ext cx="43281" cy="43281"/>
+            </a:xfrm>
+            <a:custGeom>
+              <a:avLst/>
+              <a:gdLst/>
+              <a:ahLst/>
+              <a:cxnLst/>
+              <a:rect l="l" t="t" r="r" b="b"/>
+              <a:pathLst>
+                <a:path w="1389" h="1389" extrusionOk="0">
+                  <a:moveTo>
+                    <a:pt x="695" y="0"/>
+                  </a:moveTo>
+                  <a:cubicBezTo>
+                    <a:pt x="323" y="0"/>
+                    <a:pt x="1" y="297"/>
+                    <a:pt x="1" y="694"/>
+                  </a:cubicBezTo>
+                  <a:cubicBezTo>
+                    <a:pt x="1" y="1066"/>
+                    <a:pt x="323" y="1388"/>
+                    <a:pt x="695" y="1388"/>
+                  </a:cubicBezTo>
+                  <a:cubicBezTo>
+                    <a:pt x="1091" y="1388"/>
+                    <a:pt x="1389" y="1066"/>
+                    <a:pt x="1389" y="694"/>
+                  </a:cubicBezTo>
+                  <a:cubicBezTo>
+                    <a:pt x="1389" y="297"/>
+                    <a:pt x="1091" y="0"/>
+                    <a:pt x="695" y="0"/>
+                  </a:cubicBezTo>
+                  <a:close/>
+                </a:path>
+              </a:pathLst>
+            </a:custGeom>
+            <a:solidFill>
+              <a:schemeClr val="accent3"/>
+            </a:solidFill>
+            <a:ln>
+              <a:noFill/>
+            </a:ln>
+          </p:spPr>
+          <p:txBody>
+            <a:bodyPr spcFirstLastPara="1" wrap="square" lIns="91425" tIns="91425" rIns="91425" bIns="91425" anchor="ctr" anchorCtr="0">
+              <a:noAutofit/>
+            </a:bodyPr>
+            <a:lstStyle/>
+            <a:p>
+              <a:pPr marL="0" lvl="0" indent="0" algn="l" rtl="0">
+                <a:spcBef>
+                  <a:spcPts val="0"/>
+                </a:spcBef>
+                <a:spcAft>
+                  <a:spcPts val="0"/>
+                </a:spcAft>
+                <a:buNone/>
+              </a:pPr>
+              <a:endParaRPr/>
+            </a:p>
+          </p:txBody>
+        </p:sp>
+        <p:sp>
+          <p:nvSpPr>
+            <p:cNvPr id="3174" name="Google Shape;3174;p44"/>
+            <p:cNvSpPr/>
+            <p:nvPr/>
+          </p:nvSpPr>
+          <p:spPr>
+            <a:xfrm>
+              <a:off x="4942100" y="4917862"/>
+              <a:ext cx="31" cy="358465"/>
+            </a:xfrm>
+            <a:custGeom>
+              <a:avLst/>
+              <a:gdLst/>
+              <a:ahLst/>
+              <a:cxnLst/>
+              <a:rect l="l" t="t" r="r" b="b"/>
+              <a:pathLst>
+                <a:path w="1" h="11504" fill="none" extrusionOk="0">
+                  <a:moveTo>
+                    <a:pt x="0" y="11503"/>
+                  </a:moveTo>
+                  <a:lnTo>
+                    <a:pt x="0" y="1"/>
+                  </a:lnTo>
+                </a:path>
+              </a:pathLst>
+            </a:custGeom>
+            <a:noFill/>
+            <a:ln w="19050" cap="rnd" cmpd="sng">
+              <a:solidFill>
+                <a:schemeClr val="accent3"/>
+              </a:solidFill>
+              <a:prstDash val="solid"/>
+              <a:round/>
+              <a:headEnd type="none" w="sm" len="sm"/>
+              <a:tailEnd type="none" w="sm" len="sm"/>
+            </a:ln>
+          </p:spPr>
+          <p:txBody>
+            <a:bodyPr spcFirstLastPara="1" wrap="square" lIns="91425" tIns="91425" rIns="91425" bIns="91425" anchor="ctr" anchorCtr="0">
+              <a:noAutofit/>
+            </a:bodyPr>
+            <a:lstStyle/>
+            <a:p>
+              <a:pPr marL="0" lvl="0" indent="0" algn="l" rtl="0">
+                <a:spcBef>
+                  <a:spcPts val="0"/>
+                </a:spcBef>
+                <a:spcAft>
+                  <a:spcPts val="0"/>
+                </a:spcAft>
+                <a:buNone/>
+              </a:pPr>
+              <a:endParaRPr/>
+            </a:p>
+          </p:txBody>
+        </p:sp>
+      </p:grpSp>
+      <p:grpSp>
+        <p:nvGrpSpPr>
+          <p:cNvPr id="3175" name="Google Shape;3175;p44"/>
+          <p:cNvGrpSpPr/>
+          <p:nvPr/>
+        </p:nvGrpSpPr>
+        <p:grpSpPr>
+          <a:xfrm>
+            <a:off x="5776817" y="1332566"/>
+            <a:ext cx="1105976" cy="133969"/>
+            <a:chOff x="8183182" y="663852"/>
+            <a:chExt cx="1475028" cy="178673"/>
+          </a:xfrm>
+        </p:grpSpPr>
+        <p:grpSp>
+          <p:nvGrpSpPr>
+            <p:cNvPr id="3176" name="Google Shape;3176;p44"/>
+            <p:cNvGrpSpPr/>
+            <p:nvPr/>
+          </p:nvGrpSpPr>
+          <p:grpSpPr>
+            <a:xfrm>
+              <a:off x="8183182" y="774425"/>
+              <a:ext cx="1178025" cy="68100"/>
+              <a:chOff x="2024450" y="204150"/>
+              <a:chExt cx="1178025" cy="68100"/>
+            </a:xfrm>
+          </p:grpSpPr>
+          <p:sp>
+            <p:nvSpPr>
+              <p:cNvPr id="3177" name="Google Shape;3177;p44"/>
+              <p:cNvSpPr/>
+              <p:nvPr/>
+            </p:nvSpPr>
+            <p:spPr>
+              <a:xfrm>
+                <a:off x="2024450" y="204150"/>
+                <a:ext cx="68100" cy="68100"/>
+              </a:xfrm>
+              <a:prstGeom prst="ellipse">
+                <a:avLst/>
+              </a:prstGeom>
+              <a:solidFill>
+                <a:schemeClr val="accent2"/>
+              </a:solidFill>
+              <a:ln>
+                <a:noFill/>
+              </a:ln>
+            </p:spPr>
+            <p:txBody>
+              <a:bodyPr spcFirstLastPara="1" wrap="square" lIns="91425" tIns="91425" rIns="91425" bIns="91425" anchor="ctr" anchorCtr="0">
+                <a:noAutofit/>
+              </a:bodyPr>
+              <a:lstStyle/>
+              <a:p>
+                <a:pPr marL="0" lvl="0" indent="0" algn="l" rtl="0">
+                  <a:spcBef>
+                    <a:spcPts val="0"/>
+                  </a:spcBef>
+                  <a:spcAft>
+                    <a:spcPts val="0"/>
+                  </a:spcAft>
+                  <a:buNone/>
+                </a:pPr>
+                <a:endParaRPr/>
+              </a:p>
+            </p:txBody>
+          </p:sp>
+          <p:sp>
+            <p:nvSpPr>
+              <p:cNvPr id="3178" name="Google Shape;3178;p44"/>
+              <p:cNvSpPr/>
+              <p:nvPr/>
+            </p:nvSpPr>
+            <p:spPr>
+              <a:xfrm>
+                <a:off x="2147775" y="204150"/>
+                <a:ext cx="68100" cy="68100"/>
+              </a:xfrm>
+              <a:prstGeom prst="ellipse">
+                <a:avLst/>
+              </a:prstGeom>
+              <a:solidFill>
+                <a:schemeClr val="accent2"/>
+              </a:solidFill>
+              <a:ln>
+                <a:noFill/>
+              </a:ln>
+            </p:spPr>
+            <p:txBody>
+              <a:bodyPr spcFirstLastPara="1" wrap="square" lIns="91425" tIns="91425" rIns="91425" bIns="91425" anchor="ctr" anchorCtr="0">
+                <a:noAutofit/>
+              </a:bodyPr>
+              <a:lstStyle/>
+              <a:p>
+                <a:pPr marL="0" lvl="0" indent="0" algn="l" rtl="0">
+                  <a:spcBef>
+                    <a:spcPts val="0"/>
+                  </a:spcBef>
+                  <a:spcAft>
+                    <a:spcPts val="0"/>
+                  </a:spcAft>
+                  <a:buNone/>
+                </a:pPr>
+                <a:endParaRPr/>
+              </a:p>
+            </p:txBody>
+          </p:sp>
+          <p:sp>
+            <p:nvSpPr>
+              <p:cNvPr id="3179" name="Google Shape;3179;p44"/>
+              <p:cNvSpPr/>
+              <p:nvPr/>
+            </p:nvSpPr>
+            <p:spPr>
+              <a:xfrm>
+                <a:off x="2271100" y="204150"/>
+                <a:ext cx="68100" cy="68100"/>
+              </a:xfrm>
+              <a:prstGeom prst="ellipse">
+                <a:avLst/>
+              </a:prstGeom>
+              <a:solidFill>
+                <a:schemeClr val="accent2"/>
+              </a:solidFill>
+              <a:ln>
+                <a:noFill/>
+              </a:ln>
+            </p:spPr>
+            <p:txBody>
+              <a:bodyPr spcFirstLastPara="1" wrap="square" lIns="91425" tIns="91425" rIns="91425" bIns="91425" anchor="ctr" anchorCtr="0">
+                <a:noAutofit/>
+              </a:bodyPr>
+              <a:lstStyle/>
+              <a:p>
+                <a:pPr marL="0" lvl="0" indent="0" algn="l" rtl="0">
+                  <a:spcBef>
+                    <a:spcPts val="0"/>
+                  </a:spcBef>
+                  <a:spcAft>
+                    <a:spcPts val="0"/>
+                  </a:spcAft>
+                  <a:buNone/>
+                </a:pPr>
+                <a:endParaRPr/>
+              </a:p>
+            </p:txBody>
+          </p:sp>
+          <p:sp>
+            <p:nvSpPr>
+              <p:cNvPr id="3180" name="Google Shape;3180;p44"/>
+              <p:cNvSpPr/>
+              <p:nvPr/>
+            </p:nvSpPr>
+            <p:spPr>
+              <a:xfrm>
+                <a:off x="2394425" y="204150"/>
+                <a:ext cx="68100" cy="68100"/>
+              </a:xfrm>
+              <a:prstGeom prst="ellipse">
+                <a:avLst/>
+              </a:prstGeom>
+              <a:solidFill>
+                <a:schemeClr val="accent2"/>
+              </a:solidFill>
+              <a:ln>
+                <a:noFill/>
+              </a:ln>
+            </p:spPr>
+            <p:txBody>
+              <a:bodyPr spcFirstLastPara="1" wrap="square" lIns="91425" tIns="91425" rIns="91425" bIns="91425" anchor="ctr" anchorCtr="0">
+                <a:noAutofit/>
+              </a:bodyPr>
+              <a:lstStyle/>
+              <a:p>
+                <a:pPr marL="0" lvl="0" indent="0" algn="l" rtl="0">
+                  <a:spcBef>
+                    <a:spcPts val="0"/>
+                  </a:spcBef>
+                  <a:spcAft>
+                    <a:spcPts val="0"/>
+                  </a:spcAft>
+                  <a:buNone/>
+                </a:pPr>
+                <a:endParaRPr/>
+              </a:p>
+            </p:txBody>
+          </p:sp>
+          <p:sp>
+            <p:nvSpPr>
+              <p:cNvPr id="3181" name="Google Shape;3181;p44"/>
+              <p:cNvSpPr/>
+              <p:nvPr/>
+            </p:nvSpPr>
+            <p:spPr>
+              <a:xfrm>
+                <a:off x="2517750" y="204150"/>
+                <a:ext cx="68100" cy="68100"/>
+              </a:xfrm>
+              <a:prstGeom prst="ellipse">
+                <a:avLst/>
+              </a:prstGeom>
+              <a:solidFill>
+                <a:schemeClr val="accent2"/>
+              </a:solidFill>
+              <a:ln>
+                <a:noFill/>
+              </a:ln>
+            </p:spPr>
+            <p:txBody>
+              <a:bodyPr spcFirstLastPara="1" wrap="square" lIns="91425" tIns="91425" rIns="91425" bIns="91425" anchor="ctr" anchorCtr="0">
+                <a:noAutofit/>
+              </a:bodyPr>
+              <a:lstStyle/>
+              <a:p>
+                <a:pPr marL="0" lvl="0" indent="0" algn="l" rtl="0">
+                  <a:spcBef>
+                    <a:spcPts val="0"/>
+                  </a:spcBef>
+                  <a:spcAft>
+                    <a:spcPts val="0"/>
+                  </a:spcAft>
+                  <a:buNone/>
+                </a:pPr>
+                <a:endParaRPr/>
+              </a:p>
+            </p:txBody>
+          </p:sp>
+          <p:sp>
+            <p:nvSpPr>
+              <p:cNvPr id="3182" name="Google Shape;3182;p44"/>
+              <p:cNvSpPr/>
+              <p:nvPr/>
+            </p:nvSpPr>
+            <p:spPr>
+              <a:xfrm>
+                <a:off x="2641075" y="204150"/>
+                <a:ext cx="68100" cy="68100"/>
+              </a:xfrm>
+              <a:prstGeom prst="ellipse">
+                <a:avLst/>
+              </a:prstGeom>
+              <a:solidFill>
+                <a:schemeClr val="accent2"/>
+              </a:solidFill>
+              <a:ln>
+                <a:noFill/>
+              </a:ln>
+            </p:spPr>
+            <p:txBody>
+              <a:bodyPr spcFirstLastPara="1" wrap="square" lIns="91425" tIns="91425" rIns="91425" bIns="91425" anchor="ctr" anchorCtr="0">
+                <a:noAutofit/>
+              </a:bodyPr>
+              <a:lstStyle/>
+              <a:p>
+                <a:pPr marL="0" lvl="0" indent="0" algn="l" rtl="0">
+                  <a:spcBef>
+                    <a:spcPts val="0"/>
+                  </a:spcBef>
+                  <a:spcAft>
+                    <a:spcPts val="0"/>
+                  </a:spcAft>
+                  <a:buNone/>
+                </a:pPr>
+                <a:endParaRPr/>
+              </a:p>
+            </p:txBody>
+          </p:sp>
+          <p:sp>
+            <p:nvSpPr>
+              <p:cNvPr id="3183" name="Google Shape;3183;p44"/>
+              <p:cNvSpPr/>
+              <p:nvPr/>
+            </p:nvSpPr>
+            <p:spPr>
+              <a:xfrm>
+                <a:off x="2764400" y="204150"/>
+                <a:ext cx="68100" cy="68100"/>
+              </a:xfrm>
+              <a:prstGeom prst="ellipse">
+                <a:avLst/>
+              </a:prstGeom>
+              <a:solidFill>
+                <a:schemeClr val="accent2"/>
+              </a:solidFill>
+              <a:ln>
+                <a:noFill/>
+              </a:ln>
+            </p:spPr>
+            <p:txBody>
+              <a:bodyPr spcFirstLastPara="1" wrap="square" lIns="91425" tIns="91425" rIns="91425" bIns="91425" anchor="ctr" anchorCtr="0">
+                <a:noAutofit/>
+              </a:bodyPr>
+              <a:lstStyle/>
+              <a:p>
+                <a:pPr marL="0" lvl="0" indent="0" algn="l" rtl="0">
+                  <a:spcBef>
+                    <a:spcPts val="0"/>
+                  </a:spcBef>
+                  <a:spcAft>
+                    <a:spcPts val="0"/>
+                  </a:spcAft>
+                  <a:buNone/>
+                </a:pPr>
+                <a:endParaRPr/>
+              </a:p>
+            </p:txBody>
+          </p:sp>
+          <p:sp>
+            <p:nvSpPr>
+              <p:cNvPr id="3184" name="Google Shape;3184;p44"/>
+              <p:cNvSpPr/>
+              <p:nvPr/>
+            </p:nvSpPr>
+            <p:spPr>
+              <a:xfrm>
+                <a:off x="2887725" y="204150"/>
+                <a:ext cx="68100" cy="68100"/>
+              </a:xfrm>
+              <a:prstGeom prst="ellipse">
+                <a:avLst/>
+              </a:prstGeom>
+              <a:solidFill>
+                <a:schemeClr val="accent2"/>
+              </a:solidFill>
+              <a:ln>
+                <a:noFill/>
+              </a:ln>
+            </p:spPr>
+            <p:txBody>
+              <a:bodyPr spcFirstLastPara="1" wrap="square" lIns="91425" tIns="91425" rIns="91425" bIns="91425" anchor="ctr" anchorCtr="0">
+                <a:noAutofit/>
+              </a:bodyPr>
+              <a:lstStyle/>
+              <a:p>
+                <a:pPr marL="0" lvl="0" indent="0" algn="l" rtl="0">
+                  <a:spcBef>
+                    <a:spcPts val="0"/>
+                  </a:spcBef>
+                  <a:spcAft>
+                    <a:spcPts val="0"/>
+                  </a:spcAft>
+                  <a:buNone/>
+                </a:pPr>
+                <a:endParaRPr/>
+              </a:p>
+            </p:txBody>
+          </p:sp>
+          <p:sp>
+            <p:nvSpPr>
+              <p:cNvPr id="3185" name="Google Shape;3185;p44"/>
+              <p:cNvSpPr/>
+              <p:nvPr/>
+            </p:nvSpPr>
+            <p:spPr>
+              <a:xfrm>
+                <a:off x="3011050" y="204150"/>
+                <a:ext cx="68100" cy="68100"/>
+              </a:xfrm>
+              <a:prstGeom prst="ellipse">
+                <a:avLst/>
+              </a:prstGeom>
+              <a:solidFill>
+                <a:schemeClr val="accent2"/>
+              </a:solidFill>
+              <a:ln>
+                <a:noFill/>
+              </a:ln>
+            </p:spPr>
+            <p:txBody>
+              <a:bodyPr spcFirstLastPara="1" wrap="square" lIns="91425" tIns="91425" rIns="91425" bIns="91425" anchor="ctr" anchorCtr="0">
+                <a:noAutofit/>
+              </a:bodyPr>
+              <a:lstStyle/>
+              <a:p>
+                <a:pPr marL="0" lvl="0" indent="0" algn="l" rtl="0">
+                  <a:spcBef>
+                    <a:spcPts val="0"/>
+                  </a:spcBef>
+                  <a:spcAft>
+                    <a:spcPts val="0"/>
+                  </a:spcAft>
+                  <a:buNone/>
+                </a:pPr>
+                <a:endParaRPr/>
+              </a:p>
+            </p:txBody>
+          </p:sp>
+          <p:sp>
+            <p:nvSpPr>
+              <p:cNvPr id="3186" name="Google Shape;3186;p44"/>
+              <p:cNvSpPr/>
+              <p:nvPr/>
+            </p:nvSpPr>
+            <p:spPr>
+              <a:xfrm>
+                <a:off x="3134375" y="204150"/>
+                <a:ext cx="68100" cy="68100"/>
+              </a:xfrm>
+              <a:prstGeom prst="ellipse">
+                <a:avLst/>
+              </a:prstGeom>
+              <a:solidFill>
+                <a:schemeClr val="accent2"/>
+              </a:solidFill>
+              <a:ln>
+                <a:noFill/>
+              </a:ln>
+            </p:spPr>
+            <p:txBody>
+              <a:bodyPr spcFirstLastPara="1" wrap="square" lIns="91425" tIns="91425" rIns="91425" bIns="91425" anchor="ctr" anchorCtr="0">
+                <a:noAutofit/>
+              </a:bodyPr>
+              <a:lstStyle/>
+              <a:p>
+                <a:pPr marL="0" lvl="0" indent="0" algn="l" rtl="0">
+                  <a:spcBef>
+                    <a:spcPts val="0"/>
+                  </a:spcBef>
+                  <a:spcAft>
+                    <a:spcPts val="0"/>
+                  </a:spcAft>
+                  <a:buNone/>
+                </a:pPr>
+                <a:endParaRPr/>
+              </a:p>
+            </p:txBody>
+          </p:sp>
+        </p:grpSp>
+        <p:grpSp>
+          <p:nvGrpSpPr>
+            <p:cNvPr id="3187" name="Google Shape;3187;p44"/>
+            <p:cNvGrpSpPr/>
+            <p:nvPr/>
+          </p:nvGrpSpPr>
+          <p:grpSpPr>
+            <a:xfrm>
+              <a:off x="8480185" y="663852"/>
+              <a:ext cx="1178025" cy="68100"/>
+              <a:chOff x="2024450" y="204150"/>
+              <a:chExt cx="1178025" cy="68100"/>
+            </a:xfrm>
+          </p:grpSpPr>
+          <p:sp>
+            <p:nvSpPr>
+              <p:cNvPr id="3188" name="Google Shape;3188;p44"/>
+              <p:cNvSpPr/>
+              <p:nvPr/>
+            </p:nvSpPr>
+            <p:spPr>
+              <a:xfrm>
+                <a:off x="2024450" y="204150"/>
+                <a:ext cx="68100" cy="68100"/>
+              </a:xfrm>
+              <a:prstGeom prst="ellipse">
+                <a:avLst/>
+              </a:prstGeom>
+              <a:solidFill>
+                <a:schemeClr val="accent2"/>
+              </a:solidFill>
+              <a:ln>
+                <a:noFill/>
+              </a:ln>
+            </p:spPr>
+            <p:txBody>
+              <a:bodyPr spcFirstLastPara="1" wrap="square" lIns="91425" tIns="91425" rIns="91425" bIns="91425" anchor="ctr" anchorCtr="0">
+                <a:noAutofit/>
+              </a:bodyPr>
+              <a:lstStyle/>
+              <a:p>
+                <a:pPr marL="0" lvl="0" indent="0" algn="l" rtl="0">
+                  <a:spcBef>
+                    <a:spcPts val="0"/>
+                  </a:spcBef>
+                  <a:spcAft>
+                    <a:spcPts val="0"/>
+                  </a:spcAft>
+                  <a:buNone/>
+                </a:pPr>
+                <a:endParaRPr/>
+              </a:p>
+            </p:txBody>
+          </p:sp>
+          <p:sp>
+            <p:nvSpPr>
+              <p:cNvPr id="3189" name="Google Shape;3189;p44"/>
+              <p:cNvSpPr/>
+              <p:nvPr/>
+            </p:nvSpPr>
+            <p:spPr>
+              <a:xfrm>
+                <a:off x="2147775" y="204150"/>
+                <a:ext cx="68100" cy="68100"/>
+              </a:xfrm>
+              <a:prstGeom prst="ellipse">
+                <a:avLst/>
+              </a:prstGeom>
+              <a:solidFill>
+                <a:schemeClr val="accent2"/>
+              </a:solidFill>
+              <a:ln>
+                <a:noFill/>
+              </a:ln>
+            </p:spPr>
+            <p:txBody>
+              <a:bodyPr spcFirstLastPara="1" wrap="square" lIns="91425" tIns="91425" rIns="91425" bIns="91425" anchor="ctr" anchorCtr="0">
+                <a:noAutofit/>
+              </a:bodyPr>
+              <a:lstStyle/>
+              <a:p>
+                <a:pPr marL="0" lvl="0" indent="0" algn="l" rtl="0">
+                  <a:spcBef>
+                    <a:spcPts val="0"/>
+                  </a:spcBef>
+                  <a:spcAft>
+                    <a:spcPts val="0"/>
+                  </a:spcAft>
+                  <a:buNone/>
+                </a:pPr>
+                <a:endParaRPr/>
+              </a:p>
+            </p:txBody>
+          </p:sp>
+          <p:sp>
+            <p:nvSpPr>
+              <p:cNvPr id="3190" name="Google Shape;3190;p44"/>
+              <p:cNvSpPr/>
+              <p:nvPr/>
+            </p:nvSpPr>
+            <p:spPr>
+              <a:xfrm>
+                <a:off x="2271100" y="204150"/>
+                <a:ext cx="68100" cy="68100"/>
+              </a:xfrm>
+              <a:prstGeom prst="ellipse">
+                <a:avLst/>
+              </a:prstGeom>
+              <a:solidFill>
+                <a:schemeClr val="accent2"/>
+              </a:solidFill>
+              <a:ln>
+                <a:noFill/>
+              </a:ln>
+            </p:spPr>
+            <p:txBody>
+              <a:bodyPr spcFirstLastPara="1" wrap="square" lIns="91425" tIns="91425" rIns="91425" bIns="91425" anchor="ctr" anchorCtr="0">
+                <a:noAutofit/>
+              </a:bodyPr>
+              <a:lstStyle/>
+              <a:p>
+                <a:pPr marL="0" lvl="0" indent="0" algn="l" rtl="0">
+                  <a:spcBef>
+                    <a:spcPts val="0"/>
+                  </a:spcBef>
+                  <a:spcAft>
+                    <a:spcPts val="0"/>
+                  </a:spcAft>
+                  <a:buNone/>
+                </a:pPr>
+                <a:endParaRPr/>
+              </a:p>
+            </p:txBody>
+          </p:sp>
+          <p:sp>
+            <p:nvSpPr>
+              <p:cNvPr id="3191" name="Google Shape;3191;p44"/>
+              <p:cNvSpPr/>
+              <p:nvPr/>
+            </p:nvSpPr>
+            <p:spPr>
+              <a:xfrm>
+                <a:off x="2394425" y="204150"/>
+                <a:ext cx="68100" cy="68100"/>
+              </a:xfrm>
+              <a:prstGeom prst="ellipse">
+                <a:avLst/>
+              </a:prstGeom>
+              <a:solidFill>
+                <a:schemeClr val="accent2"/>
+              </a:solidFill>
+              <a:ln>
+                <a:noFill/>
+              </a:ln>
+            </p:spPr>
+            <p:txBody>
+              <a:bodyPr spcFirstLastPara="1" wrap="square" lIns="91425" tIns="91425" rIns="91425" bIns="91425" anchor="ctr" anchorCtr="0">
+                <a:noAutofit/>
+              </a:bodyPr>
+              <a:lstStyle/>
+              <a:p>
+                <a:pPr marL="0" lvl="0" indent="0" algn="l" rtl="0">
+                  <a:spcBef>
+                    <a:spcPts val="0"/>
+                  </a:spcBef>
+                  <a:spcAft>
+                    <a:spcPts val="0"/>
+                  </a:spcAft>
+                  <a:buNone/>
+                </a:pPr>
+                <a:endParaRPr/>
+              </a:p>
+            </p:txBody>
+          </p:sp>
+          <p:sp>
+            <p:nvSpPr>
+              <p:cNvPr id="3192" name="Google Shape;3192;p44"/>
+              <p:cNvSpPr/>
+              <p:nvPr/>
+            </p:nvSpPr>
+            <p:spPr>
+              <a:xfrm>
+                <a:off x="2517750" y="204150"/>
+                <a:ext cx="68100" cy="68100"/>
+              </a:xfrm>
+              <a:prstGeom prst="ellipse">
+                <a:avLst/>
+              </a:prstGeom>
+              <a:solidFill>
+                <a:schemeClr val="accent2"/>
+              </a:solidFill>
+              <a:ln>
+                <a:noFill/>
+              </a:ln>
+            </p:spPr>
+            <p:txBody>
+              <a:bodyPr spcFirstLastPara="1" wrap="square" lIns="91425" tIns="91425" rIns="91425" bIns="91425" anchor="ctr" anchorCtr="0">
+                <a:noAutofit/>
+              </a:bodyPr>
+              <a:lstStyle/>
+              <a:p>
+                <a:pPr marL="0" lvl="0" indent="0" algn="l" rtl="0">
+                  <a:spcBef>
+                    <a:spcPts val="0"/>
+                  </a:spcBef>
+                  <a:spcAft>
+                    <a:spcPts val="0"/>
+                  </a:spcAft>
+                  <a:buNone/>
+                </a:pPr>
+                <a:endParaRPr/>
+              </a:p>
+            </p:txBody>
+          </p:sp>
+          <p:sp>
+            <p:nvSpPr>
+              <p:cNvPr id="3193" name="Google Shape;3193;p44"/>
+              <p:cNvSpPr/>
+              <p:nvPr/>
+            </p:nvSpPr>
+            <p:spPr>
+              <a:xfrm>
+                <a:off x="2641075" y="204150"/>
+                <a:ext cx="68100" cy="68100"/>
+              </a:xfrm>
+              <a:prstGeom prst="ellipse">
+                <a:avLst/>
+              </a:prstGeom>
+              <a:solidFill>
+                <a:schemeClr val="accent2"/>
+              </a:solidFill>
+              <a:ln>
+                <a:noFill/>
+              </a:ln>
+            </p:spPr>
+            <p:txBody>
+              <a:bodyPr spcFirstLastPara="1" wrap="square" lIns="91425" tIns="91425" rIns="91425" bIns="91425" anchor="ctr" anchorCtr="0">
+                <a:noAutofit/>
+              </a:bodyPr>
+              <a:lstStyle/>
+              <a:p>
+                <a:pPr marL="0" lvl="0" indent="0" algn="l" rtl="0">
+                  <a:spcBef>
+                    <a:spcPts val="0"/>
+                  </a:spcBef>
+                  <a:spcAft>
+                    <a:spcPts val="0"/>
+                  </a:spcAft>
+                  <a:buNone/>
+                </a:pPr>
+                <a:endParaRPr/>
+              </a:p>
+            </p:txBody>
+          </p:sp>
+          <p:sp>
+            <p:nvSpPr>
+              <p:cNvPr id="3194" name="Google Shape;3194;p44"/>
+              <p:cNvSpPr/>
+              <p:nvPr/>
+            </p:nvSpPr>
+            <p:spPr>
+              <a:xfrm>
+                <a:off x="2764400" y="204150"/>
+                <a:ext cx="68100" cy="68100"/>
+              </a:xfrm>
+              <a:prstGeom prst="ellipse">
+                <a:avLst/>
+              </a:prstGeom>
+              <a:solidFill>
+                <a:schemeClr val="accent2"/>
+              </a:solidFill>
+              <a:ln>
+                <a:noFill/>
+              </a:ln>
+            </p:spPr>
+            <p:txBody>
+              <a:bodyPr spcFirstLastPara="1" wrap="square" lIns="91425" tIns="91425" rIns="91425" bIns="91425" anchor="ctr" anchorCtr="0">
+                <a:noAutofit/>
+              </a:bodyPr>
+              <a:lstStyle/>
+              <a:p>
+                <a:pPr marL="0" lvl="0" indent="0" algn="l" rtl="0">
+                  <a:spcBef>
+                    <a:spcPts val="0"/>
+                  </a:spcBef>
+                  <a:spcAft>
+                    <a:spcPts val="0"/>
+                  </a:spcAft>
+                  <a:buNone/>
+                </a:pPr>
+                <a:endParaRPr/>
+              </a:p>
+            </p:txBody>
+          </p:sp>
+          <p:sp>
+            <p:nvSpPr>
+              <p:cNvPr id="3195" name="Google Shape;3195;p44"/>
+              <p:cNvSpPr/>
+              <p:nvPr/>
+            </p:nvSpPr>
+            <p:spPr>
+              <a:xfrm>
+                <a:off x="2887725" y="204150"/>
+                <a:ext cx="68100" cy="68100"/>
+              </a:xfrm>
+              <a:prstGeom prst="ellipse">
+                <a:avLst/>
+              </a:prstGeom>
+              <a:solidFill>
+                <a:schemeClr val="accent2"/>
+              </a:solidFill>
+              <a:ln>
+                <a:noFill/>
+              </a:ln>
+            </p:spPr>
+            <p:txBody>
+              <a:bodyPr spcFirstLastPara="1" wrap="square" lIns="91425" tIns="91425" rIns="91425" bIns="91425" anchor="ctr" anchorCtr="0">
+                <a:noAutofit/>
+              </a:bodyPr>
+              <a:lstStyle/>
+              <a:p>
+                <a:pPr marL="0" lvl="0" indent="0" algn="l" rtl="0">
+                  <a:spcBef>
+                    <a:spcPts val="0"/>
+                  </a:spcBef>
+                  <a:spcAft>
+                    <a:spcPts val="0"/>
+                  </a:spcAft>
+                  <a:buNone/>
+                </a:pPr>
+                <a:endParaRPr/>
+              </a:p>
+            </p:txBody>
+          </p:sp>
+          <p:sp>
+            <p:nvSpPr>
+              <p:cNvPr id="3196" name="Google Shape;3196;p44"/>
+              <p:cNvSpPr/>
+              <p:nvPr/>
+            </p:nvSpPr>
+            <p:spPr>
+              <a:xfrm>
+                <a:off x="3011050" y="204150"/>
+                <a:ext cx="68100" cy="68100"/>
+              </a:xfrm>
+              <a:prstGeom prst="ellipse">
+                <a:avLst/>
+              </a:prstGeom>
+              <a:solidFill>
+                <a:schemeClr val="accent2"/>
+              </a:solidFill>
+              <a:ln>
+                <a:noFill/>
+              </a:ln>
+            </p:spPr>
+            <p:txBody>
+              <a:bodyPr spcFirstLastPara="1" wrap="square" lIns="91425" tIns="91425" rIns="91425" bIns="91425" anchor="ctr" anchorCtr="0">
+                <a:noAutofit/>
+              </a:bodyPr>
+              <a:lstStyle/>
+              <a:p>
+                <a:pPr marL="0" lvl="0" indent="0" algn="l" rtl="0">
+                  <a:spcBef>
+                    <a:spcPts val="0"/>
+                  </a:spcBef>
+                  <a:spcAft>
+                    <a:spcPts val="0"/>
+                  </a:spcAft>
+                  <a:buNone/>
+                </a:pPr>
+                <a:endParaRPr/>
+              </a:p>
+            </p:txBody>
+          </p:sp>
+          <p:sp>
+            <p:nvSpPr>
+              <p:cNvPr id="3197" name="Google Shape;3197;p44"/>
+              <p:cNvSpPr/>
+              <p:nvPr/>
+            </p:nvSpPr>
+            <p:spPr>
+              <a:xfrm>
+                <a:off x="3134375" y="204150"/>
+                <a:ext cx="68100" cy="68100"/>
+              </a:xfrm>
+              <a:prstGeom prst="ellipse">
+                <a:avLst/>
+              </a:prstGeom>
+              <a:solidFill>
+                <a:schemeClr val="accent2"/>
+              </a:solidFill>
+              <a:ln>
+                <a:noFill/>
+              </a:ln>
+            </p:spPr>
+            <p:txBody>
+              <a:bodyPr spcFirstLastPara="1" wrap="square" lIns="91425" tIns="91425" rIns="91425" bIns="91425" anchor="ctr" anchorCtr="0">
+                <a:noAutofit/>
+              </a:bodyPr>
+              <a:lstStyle/>
+              <a:p>
+                <a:pPr marL="0" lvl="0" indent="0" algn="l" rtl="0">
+                  <a:spcBef>
+                    <a:spcPts val="0"/>
+                  </a:spcBef>
+                  <a:spcAft>
+                    <a:spcPts val="0"/>
+                  </a:spcAft>
+                  <a:buNone/>
+                </a:pPr>
+                <a:endParaRPr/>
+              </a:p>
+            </p:txBody>
+          </p:sp>
+        </p:grpSp>
+      </p:grpSp>
+      <p:grpSp>
+        <p:nvGrpSpPr>
+          <p:cNvPr id="3198" name="Google Shape;3198;p44"/>
+          <p:cNvGrpSpPr/>
+          <p:nvPr/>
+        </p:nvGrpSpPr>
+        <p:grpSpPr>
+          <a:xfrm>
+            <a:off x="5294901" y="4383719"/>
+            <a:ext cx="1252897" cy="51000"/>
+            <a:chOff x="2915381" y="4104819"/>
+            <a:chExt cx="1252897" cy="51000"/>
+          </a:xfrm>
+        </p:grpSpPr>
+        <p:sp>
+          <p:nvSpPr>
+            <p:cNvPr id="3199" name="Google Shape;3199;p44"/>
+            <p:cNvSpPr/>
+            <p:nvPr/>
+          </p:nvSpPr>
+          <p:spPr>
+            <a:xfrm>
+              <a:off x="2915381" y="4104819"/>
+              <a:ext cx="51000" cy="51000"/>
+            </a:xfrm>
+            <a:prstGeom prst="ellipse">
+              <a:avLst/>
+            </a:prstGeom>
+            <a:solidFill>
+              <a:schemeClr val="accent2"/>
+            </a:solidFill>
+            <a:ln>
+              <a:noFill/>
+            </a:ln>
+          </p:spPr>
+          <p:txBody>
+            <a:bodyPr spcFirstLastPara="1" wrap="square" lIns="91425" tIns="91425" rIns="91425" bIns="91425" anchor="ctr" anchorCtr="0">
+              <a:noAutofit/>
+            </a:bodyPr>
+            <a:lstStyle/>
+            <a:p>
+              <a:pPr marL="0" lvl="0" indent="0" algn="l" rtl="0">
+                <a:spcBef>
+                  <a:spcPts val="0"/>
+                </a:spcBef>
+                <a:spcAft>
+                  <a:spcPts val="0"/>
+                </a:spcAft>
+                <a:buNone/>
+              </a:pPr>
+              <a:endParaRPr/>
+            </a:p>
+          </p:txBody>
+        </p:sp>
+        <p:sp>
+          <p:nvSpPr>
+            <p:cNvPr id="3200" name="Google Shape;3200;p44"/>
+            <p:cNvSpPr/>
+            <p:nvPr/>
+          </p:nvSpPr>
+          <p:spPr>
+            <a:xfrm>
+              <a:off x="3007850" y="4104819"/>
+              <a:ext cx="51000" cy="51000"/>
+            </a:xfrm>
+            <a:prstGeom prst="ellipse">
+              <a:avLst/>
+            </a:prstGeom>
+            <a:solidFill>
+              <a:schemeClr val="accent2"/>
+            </a:solidFill>
+            <a:ln>
+              <a:noFill/>
+            </a:ln>
+          </p:spPr>
+          <p:txBody>
+            <a:bodyPr spcFirstLastPara="1" wrap="square" lIns="91425" tIns="91425" rIns="91425" bIns="91425" anchor="ctr" anchorCtr="0">
+              <a:noAutofit/>
+            </a:bodyPr>
+            <a:lstStyle/>
+            <a:p>
+              <a:pPr marL="0" lvl="0" indent="0" algn="l" rtl="0">
+                <a:spcBef>
+                  <a:spcPts val="0"/>
+                </a:spcBef>
+                <a:spcAft>
+                  <a:spcPts val="0"/>
+                </a:spcAft>
+                <a:buNone/>
+              </a:pPr>
+              <a:endParaRPr/>
+            </a:p>
+          </p:txBody>
+        </p:sp>
+        <p:sp>
+          <p:nvSpPr>
+            <p:cNvPr id="3201" name="Google Shape;3201;p44"/>
+            <p:cNvSpPr/>
+            <p:nvPr/>
+          </p:nvSpPr>
+          <p:spPr>
+            <a:xfrm>
+              <a:off x="3100319" y="4104819"/>
+              <a:ext cx="51000" cy="51000"/>
+            </a:xfrm>
+            <a:prstGeom prst="ellipse">
+              <a:avLst/>
+            </a:prstGeom>
+            <a:solidFill>
+              <a:schemeClr val="accent2"/>
+            </a:solidFill>
+            <a:ln>
+              <a:noFill/>
+            </a:ln>
+          </p:spPr>
+          <p:txBody>
+            <a:bodyPr spcFirstLastPara="1" wrap="square" lIns="91425" tIns="91425" rIns="91425" bIns="91425" anchor="ctr" anchorCtr="0">
+              <a:noAutofit/>
+            </a:bodyPr>
+            <a:lstStyle/>
+            <a:p>
+              <a:pPr marL="0" lvl="0" indent="0" algn="l" rtl="0">
+                <a:spcBef>
+                  <a:spcPts val="0"/>
+                </a:spcBef>
+                <a:spcAft>
+                  <a:spcPts val="0"/>
+                </a:spcAft>
+                <a:buNone/>
+              </a:pPr>
+              <a:endParaRPr/>
+            </a:p>
+          </p:txBody>
+        </p:sp>
+        <p:sp>
+          <p:nvSpPr>
+            <p:cNvPr id="3202" name="Google Shape;3202;p44"/>
+            <p:cNvSpPr/>
+            <p:nvPr/>
+          </p:nvSpPr>
+          <p:spPr>
+            <a:xfrm>
+              <a:off x="3192788" y="4104819"/>
+              <a:ext cx="51000" cy="51000"/>
+            </a:xfrm>
+            <a:prstGeom prst="ellipse">
+              <a:avLst/>
+            </a:prstGeom>
+            <a:solidFill>
+              <a:schemeClr val="accent2"/>
+            </a:solidFill>
+            <a:ln>
+              <a:noFill/>
+            </a:ln>
+          </p:spPr>
+          <p:txBody>
+            <a:bodyPr spcFirstLastPara="1" wrap="square" lIns="91425" tIns="91425" rIns="91425" bIns="91425" anchor="ctr" anchorCtr="0">
+              <a:noAutofit/>
+            </a:bodyPr>
+            <a:lstStyle/>
+            <a:p>
+              <a:pPr marL="0" lvl="0" indent="0" algn="l" rtl="0">
+                <a:spcBef>
+                  <a:spcPts val="0"/>
+                </a:spcBef>
+                <a:spcAft>
+                  <a:spcPts val="0"/>
+                </a:spcAft>
+                <a:buNone/>
+              </a:pPr>
+              <a:endParaRPr/>
+            </a:p>
+          </p:txBody>
+        </p:sp>
+        <p:sp>
+          <p:nvSpPr>
+            <p:cNvPr id="3203" name="Google Shape;3203;p44"/>
+            <p:cNvSpPr/>
+            <p:nvPr/>
+          </p:nvSpPr>
+          <p:spPr>
+            <a:xfrm>
+              <a:off x="3285257" y="4104819"/>
+              <a:ext cx="51000" cy="51000"/>
+            </a:xfrm>
+            <a:prstGeom prst="ellipse">
+              <a:avLst/>
+            </a:prstGeom>
+            <a:solidFill>
+              <a:schemeClr val="accent2"/>
+            </a:solidFill>
+            <a:ln>
+              <a:noFill/>
+            </a:ln>
+          </p:spPr>
+          <p:txBody>
+            <a:bodyPr spcFirstLastPara="1" wrap="square" lIns="91425" tIns="91425" rIns="91425" bIns="91425" anchor="ctr" anchorCtr="0">
+              <a:noAutofit/>
+            </a:bodyPr>
+            <a:lstStyle/>
+            <a:p>
+              <a:pPr marL="0" lvl="0" indent="0" algn="l" rtl="0">
+                <a:spcBef>
+                  <a:spcPts val="0"/>
+                </a:spcBef>
+                <a:spcAft>
+                  <a:spcPts val="0"/>
+                </a:spcAft>
+                <a:buNone/>
+              </a:pPr>
+              <a:endParaRPr/>
+            </a:p>
+          </p:txBody>
+        </p:sp>
+        <p:sp>
+          <p:nvSpPr>
+            <p:cNvPr id="3204" name="Google Shape;3204;p44"/>
+            <p:cNvSpPr/>
+            <p:nvPr/>
+          </p:nvSpPr>
+          <p:spPr>
+            <a:xfrm>
+              <a:off x="3377726" y="4104819"/>
+              <a:ext cx="51000" cy="51000"/>
+            </a:xfrm>
+            <a:prstGeom prst="ellipse">
+              <a:avLst/>
+            </a:prstGeom>
+            <a:solidFill>
+              <a:schemeClr val="accent2"/>
+            </a:solidFill>
+            <a:ln>
+              <a:noFill/>
+            </a:ln>
+          </p:spPr>
+          <p:txBody>
+            <a:bodyPr spcFirstLastPara="1" wrap="square" lIns="91425" tIns="91425" rIns="91425" bIns="91425" anchor="ctr" anchorCtr="0">
+              <a:noAutofit/>
+            </a:bodyPr>
+            <a:lstStyle/>
+            <a:p>
+              <a:pPr marL="0" lvl="0" indent="0" algn="l" rtl="0">
+                <a:spcBef>
+                  <a:spcPts val="0"/>
+                </a:spcBef>
+                <a:spcAft>
+                  <a:spcPts val="0"/>
+                </a:spcAft>
+                <a:buNone/>
+              </a:pPr>
+              <a:endParaRPr/>
+            </a:p>
+          </p:txBody>
+        </p:sp>
+        <p:sp>
+          <p:nvSpPr>
+            <p:cNvPr id="3205" name="Google Shape;3205;p44"/>
+            <p:cNvSpPr/>
+            <p:nvPr/>
+          </p:nvSpPr>
+          <p:spPr>
+            <a:xfrm>
+              <a:off x="3470195" y="4104819"/>
+              <a:ext cx="51000" cy="51000"/>
+            </a:xfrm>
+            <a:prstGeom prst="ellipse">
+              <a:avLst/>
+            </a:prstGeom>
+            <a:solidFill>
+              <a:schemeClr val="accent2"/>
+            </a:solidFill>
+            <a:ln>
+              <a:noFill/>
+            </a:ln>
+          </p:spPr>
+          <p:txBody>
+            <a:bodyPr spcFirstLastPara="1" wrap="square" lIns="91425" tIns="91425" rIns="91425" bIns="91425" anchor="ctr" anchorCtr="0">
+              <a:noAutofit/>
+            </a:bodyPr>
+            <a:lstStyle/>
+            <a:p>
+              <a:pPr marL="0" lvl="0" indent="0" algn="l" rtl="0">
+                <a:spcBef>
+                  <a:spcPts val="0"/>
+                </a:spcBef>
+                <a:spcAft>
+                  <a:spcPts val="0"/>
+                </a:spcAft>
+                <a:buNone/>
+              </a:pPr>
+              <a:endParaRPr/>
+            </a:p>
+          </p:txBody>
+        </p:sp>
+        <p:sp>
+          <p:nvSpPr>
+            <p:cNvPr id="3206" name="Google Shape;3206;p44"/>
+            <p:cNvSpPr/>
+            <p:nvPr/>
+          </p:nvSpPr>
+          <p:spPr>
+            <a:xfrm>
+              <a:off x="3562664" y="4104819"/>
+              <a:ext cx="51000" cy="51000"/>
+            </a:xfrm>
+            <a:prstGeom prst="ellipse">
+              <a:avLst/>
+            </a:prstGeom>
+            <a:solidFill>
+              <a:schemeClr val="accent2"/>
+            </a:solidFill>
+            <a:ln>
+              <a:noFill/>
+            </a:ln>
+          </p:spPr>
+          <p:txBody>
+            <a:bodyPr spcFirstLastPara="1" wrap="square" lIns="91425" tIns="91425" rIns="91425" bIns="91425" anchor="ctr" anchorCtr="0">
+              <a:noAutofit/>
+            </a:bodyPr>
+            <a:lstStyle/>
+            <a:p>
+              <a:pPr marL="0" lvl="0" indent="0" algn="l" rtl="0">
+                <a:spcBef>
+                  <a:spcPts val="0"/>
+                </a:spcBef>
+                <a:spcAft>
+                  <a:spcPts val="0"/>
+                </a:spcAft>
+                <a:buNone/>
+              </a:pPr>
+              <a:endParaRPr/>
+            </a:p>
+          </p:txBody>
+        </p:sp>
+        <p:sp>
+          <p:nvSpPr>
+            <p:cNvPr id="3207" name="Google Shape;3207;p44"/>
+            <p:cNvSpPr/>
+            <p:nvPr/>
+          </p:nvSpPr>
+          <p:spPr>
+            <a:xfrm>
+              <a:off x="3655133" y="4104819"/>
+              <a:ext cx="51000" cy="51000"/>
+            </a:xfrm>
+            <a:prstGeom prst="ellipse">
+              <a:avLst/>
+            </a:prstGeom>
+            <a:solidFill>
+              <a:schemeClr val="accent2"/>
+            </a:solidFill>
+            <a:ln>
+              <a:noFill/>
+            </a:ln>
+          </p:spPr>
+          <p:txBody>
+            <a:bodyPr spcFirstLastPara="1" wrap="square" lIns="91425" tIns="91425" rIns="91425" bIns="91425" anchor="ctr" anchorCtr="0">
+              <a:noAutofit/>
+            </a:bodyPr>
+            <a:lstStyle/>
+            <a:p>
+              <a:pPr marL="0" lvl="0" indent="0" algn="l" rtl="0">
+                <a:spcBef>
+                  <a:spcPts val="0"/>
+                </a:spcBef>
+                <a:spcAft>
+                  <a:spcPts val="0"/>
+                </a:spcAft>
+                <a:buNone/>
+              </a:pPr>
+              <a:endParaRPr/>
+            </a:p>
+          </p:txBody>
+        </p:sp>
+        <p:sp>
+          <p:nvSpPr>
+            <p:cNvPr id="3208" name="Google Shape;3208;p44"/>
+            <p:cNvSpPr/>
+            <p:nvPr/>
+          </p:nvSpPr>
+          <p:spPr>
+            <a:xfrm>
+              <a:off x="3747602" y="4104819"/>
+              <a:ext cx="51000" cy="51000"/>
+            </a:xfrm>
+            <a:prstGeom prst="ellipse">
+              <a:avLst/>
+            </a:prstGeom>
+            <a:solidFill>
+              <a:schemeClr val="accent2"/>
+            </a:solidFill>
+            <a:ln>
+              <a:noFill/>
+            </a:ln>
+          </p:spPr>
+          <p:txBody>
+            <a:bodyPr spcFirstLastPara="1" wrap="square" lIns="91425" tIns="91425" rIns="91425" bIns="91425" anchor="ctr" anchorCtr="0">
+              <a:noAutofit/>
+            </a:bodyPr>
+            <a:lstStyle/>
+            <a:p>
+              <a:pPr marL="0" lvl="0" indent="0" algn="l" rtl="0">
+                <a:spcBef>
+                  <a:spcPts val="0"/>
+                </a:spcBef>
+                <a:spcAft>
+                  <a:spcPts val="0"/>
+                </a:spcAft>
+                <a:buNone/>
+              </a:pPr>
+              <a:endParaRPr/>
+            </a:p>
+          </p:txBody>
+        </p:sp>
+        <p:sp>
+          <p:nvSpPr>
+            <p:cNvPr id="3209" name="Google Shape;3209;p44"/>
+            <p:cNvSpPr/>
+            <p:nvPr/>
+          </p:nvSpPr>
+          <p:spPr>
+            <a:xfrm>
+              <a:off x="3840077" y="4104819"/>
+              <a:ext cx="51000" cy="51000"/>
+            </a:xfrm>
+            <a:prstGeom prst="ellipse">
+              <a:avLst/>
+            </a:prstGeom>
+            <a:solidFill>
+              <a:schemeClr val="accent2"/>
+            </a:solidFill>
+            <a:ln>
+              <a:noFill/>
+            </a:ln>
+          </p:spPr>
+          <p:txBody>
+            <a:bodyPr spcFirstLastPara="1" wrap="square" lIns="91425" tIns="91425" rIns="91425" bIns="91425" anchor="ctr" anchorCtr="0">
+              <a:noAutofit/>
+            </a:bodyPr>
+            <a:lstStyle/>
+            <a:p>
+              <a:pPr marL="0" lvl="0" indent="0" algn="l" rtl="0">
+                <a:spcBef>
+                  <a:spcPts val="0"/>
+                </a:spcBef>
+                <a:spcAft>
+                  <a:spcPts val="0"/>
+                </a:spcAft>
+                <a:buNone/>
+              </a:pPr>
+              <a:endParaRPr/>
+            </a:p>
+          </p:txBody>
+        </p:sp>
+        <p:sp>
+          <p:nvSpPr>
+            <p:cNvPr id="3210" name="Google Shape;3210;p44"/>
+            <p:cNvSpPr/>
+            <p:nvPr/>
+          </p:nvSpPr>
+          <p:spPr>
+            <a:xfrm>
+              <a:off x="3932477" y="4104819"/>
+              <a:ext cx="51000" cy="51000"/>
+            </a:xfrm>
+            <a:prstGeom prst="ellipse">
+              <a:avLst/>
+            </a:prstGeom>
+            <a:solidFill>
+              <a:schemeClr val="accent2"/>
+            </a:solidFill>
+            <a:ln>
+              <a:noFill/>
+            </a:ln>
+          </p:spPr>
+          <p:txBody>
+            <a:bodyPr spcFirstLastPara="1" wrap="square" lIns="91425" tIns="91425" rIns="91425" bIns="91425" anchor="ctr" anchorCtr="0">
+              <a:noAutofit/>
+            </a:bodyPr>
+            <a:lstStyle/>
+            <a:p>
+              <a:pPr marL="0" lvl="0" indent="0" algn="l" rtl="0">
+                <a:spcBef>
+                  <a:spcPts val="0"/>
+                </a:spcBef>
+                <a:spcAft>
+                  <a:spcPts val="0"/>
+                </a:spcAft>
+                <a:buNone/>
+              </a:pPr>
+              <a:endParaRPr/>
+            </a:p>
+          </p:txBody>
+        </p:sp>
+        <p:sp>
+          <p:nvSpPr>
+            <p:cNvPr id="3211" name="Google Shape;3211;p44"/>
+            <p:cNvSpPr/>
+            <p:nvPr/>
+          </p:nvSpPr>
+          <p:spPr>
+            <a:xfrm>
+              <a:off x="4024877" y="4104819"/>
+              <a:ext cx="51000" cy="51000"/>
+            </a:xfrm>
+            <a:prstGeom prst="ellipse">
+              <a:avLst/>
+            </a:prstGeom>
+            <a:solidFill>
+              <a:schemeClr val="accent2"/>
+            </a:solidFill>
+            <a:ln>
+              <a:noFill/>
+            </a:ln>
+          </p:spPr>
+          <p:txBody>
+            <a:bodyPr spcFirstLastPara="1" wrap="square" lIns="91425" tIns="91425" rIns="91425" bIns="91425" anchor="ctr" anchorCtr="0">
+              <a:noAutofit/>
+            </a:bodyPr>
+            <a:lstStyle/>
+            <a:p>
+              <a:pPr marL="0" lvl="0" indent="0" algn="l" rtl="0">
+                <a:spcBef>
+                  <a:spcPts val="0"/>
+                </a:spcBef>
+                <a:spcAft>
+                  <a:spcPts val="0"/>
+                </a:spcAft>
+                <a:buNone/>
+              </a:pPr>
+              <a:endParaRPr/>
+            </a:p>
+          </p:txBody>
+        </p:sp>
+        <p:sp>
+          <p:nvSpPr>
+            <p:cNvPr id="3212" name="Google Shape;3212;p44"/>
+            <p:cNvSpPr/>
+            <p:nvPr/>
+          </p:nvSpPr>
+          <p:spPr>
+            <a:xfrm>
+              <a:off x="4117277" y="4104819"/>
+              <a:ext cx="51000" cy="51000"/>
+            </a:xfrm>
+            <a:prstGeom prst="ellipse">
+              <a:avLst/>
+            </a:prstGeom>
+            <a:solidFill>
+              <a:schemeClr val="accent2"/>
+            </a:solidFill>
+            <a:ln>
+              <a:noFill/>
+            </a:ln>
+          </p:spPr>
+          <p:txBody>
+            <a:bodyPr spcFirstLastPara="1" wrap="square" lIns="91425" tIns="91425" rIns="91425" bIns="91425" anchor="ctr" anchorCtr="0">
+              <a:noAutofit/>
+            </a:bodyPr>
+            <a:lstStyle/>
+            <a:p>
+              <a:pPr marL="0" lvl="0" indent="0" algn="l" rtl="0">
+                <a:spcBef>
+                  <a:spcPts val="0"/>
+                </a:spcBef>
+                <a:spcAft>
+                  <a:spcPts val="0"/>
+                </a:spcAft>
+                <a:buNone/>
+              </a:pPr>
+              <a:endParaRPr/>
+            </a:p>
+          </p:txBody>
+        </p:sp>
+      </p:grpSp>
+      <p:grpSp>
+        <p:nvGrpSpPr>
+          <p:cNvPr id="3213" name="Google Shape;3213;p44"/>
+          <p:cNvGrpSpPr/>
+          <p:nvPr/>
+        </p:nvGrpSpPr>
+        <p:grpSpPr>
+          <a:xfrm>
+            <a:off x="2621939" y="674428"/>
+            <a:ext cx="883262" cy="242091"/>
+            <a:chOff x="2300350" y="2601250"/>
+            <a:chExt cx="2275275" cy="623625"/>
+          </a:xfrm>
+        </p:grpSpPr>
+        <p:sp>
+          <p:nvSpPr>
+            <p:cNvPr id="3214" name="Google Shape;3214;p44"/>
+            <p:cNvSpPr/>
+            <p:nvPr/>
+          </p:nvSpPr>
+          <p:spPr>
+            <a:xfrm>
+              <a:off x="2300350" y="2601250"/>
+              <a:ext cx="392100" cy="623625"/>
+            </a:xfrm>
+            <a:custGeom>
+              <a:avLst/>
+              <a:gdLst/>
+              <a:ahLst/>
+              <a:cxnLst/>
+              <a:rect l="l" t="t" r="r" b="b"/>
+              <a:pathLst>
+                <a:path w="15684" h="24945" extrusionOk="0">
+                  <a:moveTo>
+                    <a:pt x="12720" y="0"/>
+                  </a:moveTo>
+                  <a:cubicBezTo>
+                    <a:pt x="13337" y="0"/>
+                    <a:pt x="14078" y="247"/>
+                    <a:pt x="14572" y="741"/>
+                  </a:cubicBezTo>
+                  <a:cubicBezTo>
+                    <a:pt x="15684" y="1852"/>
+                    <a:pt x="15684" y="3581"/>
+                    <a:pt x="14572" y="4569"/>
+                  </a:cubicBezTo>
+                  <a:lnTo>
+                    <a:pt x="6792" y="12349"/>
+                  </a:lnTo>
+                  <a:lnTo>
+                    <a:pt x="14572" y="20128"/>
+                  </a:lnTo>
+                  <a:cubicBezTo>
+                    <a:pt x="15684" y="21240"/>
+                    <a:pt x="15684" y="22845"/>
+                    <a:pt x="14572" y="23957"/>
+                  </a:cubicBezTo>
+                  <a:cubicBezTo>
+                    <a:pt x="13584" y="24944"/>
+                    <a:pt x="11855" y="24944"/>
+                    <a:pt x="10744" y="23957"/>
+                  </a:cubicBezTo>
+                  <a:lnTo>
+                    <a:pt x="1112" y="14325"/>
+                  </a:lnTo>
+                  <a:cubicBezTo>
+                    <a:pt x="1" y="13213"/>
+                    <a:pt x="1" y="11484"/>
+                    <a:pt x="1112" y="10496"/>
+                  </a:cubicBezTo>
+                  <a:lnTo>
+                    <a:pt x="10744" y="741"/>
+                  </a:lnTo>
+                  <a:cubicBezTo>
+                    <a:pt x="11361" y="247"/>
+                    <a:pt x="11979" y="0"/>
+                    <a:pt x="12720" y="0"/>
+                  </a:cubicBezTo>
+                  <a:close/>
+                </a:path>
+              </a:pathLst>
+            </a:custGeom>
+            <a:solidFill>
+              <a:schemeClr val="accent2"/>
+            </a:solidFill>
+            <a:ln>
+              <a:noFill/>
+            </a:ln>
+          </p:spPr>
+          <p:txBody>
+            <a:bodyPr spcFirstLastPara="1" wrap="square" lIns="91425" tIns="91425" rIns="91425" bIns="91425" anchor="ctr" anchorCtr="0">
+              <a:noAutofit/>
+            </a:bodyPr>
+            <a:lstStyle/>
+            <a:p>
+              <a:pPr marL="0" lvl="0" indent="0" algn="l" rtl="0">
+                <a:spcBef>
+                  <a:spcPts val="0"/>
+                </a:spcBef>
+                <a:spcAft>
+                  <a:spcPts val="0"/>
+                </a:spcAft>
+                <a:buNone/>
+              </a:pPr>
+              <a:endParaRPr/>
+            </a:p>
+          </p:txBody>
+        </p:sp>
+        <p:sp>
+          <p:nvSpPr>
+            <p:cNvPr id="3215" name="Google Shape;3215;p44"/>
+            <p:cNvSpPr/>
+            <p:nvPr/>
+          </p:nvSpPr>
+          <p:spPr>
+            <a:xfrm>
+              <a:off x="2680075" y="2601250"/>
+              <a:ext cx="389025" cy="623625"/>
+            </a:xfrm>
+            <a:custGeom>
+              <a:avLst/>
+              <a:gdLst/>
+              <a:ahLst/>
+              <a:cxnLst/>
+              <a:rect l="l" t="t" r="r" b="b"/>
+              <a:pathLst>
+                <a:path w="15561" h="24945" extrusionOk="0">
+                  <a:moveTo>
+                    <a:pt x="12596" y="0"/>
+                  </a:moveTo>
+                  <a:cubicBezTo>
+                    <a:pt x="13337" y="0"/>
+                    <a:pt x="13955" y="247"/>
+                    <a:pt x="14449" y="741"/>
+                  </a:cubicBezTo>
+                  <a:cubicBezTo>
+                    <a:pt x="15560" y="1852"/>
+                    <a:pt x="15560" y="3581"/>
+                    <a:pt x="14449" y="4569"/>
+                  </a:cubicBezTo>
+                  <a:lnTo>
+                    <a:pt x="6669" y="12349"/>
+                  </a:lnTo>
+                  <a:lnTo>
+                    <a:pt x="14449" y="20128"/>
+                  </a:lnTo>
+                  <a:cubicBezTo>
+                    <a:pt x="15560" y="21240"/>
+                    <a:pt x="15560" y="22845"/>
+                    <a:pt x="14449" y="23957"/>
+                  </a:cubicBezTo>
+                  <a:cubicBezTo>
+                    <a:pt x="13461" y="24944"/>
+                    <a:pt x="11732" y="24944"/>
+                    <a:pt x="10621" y="23957"/>
+                  </a:cubicBezTo>
+                  <a:lnTo>
+                    <a:pt x="988" y="14325"/>
+                  </a:lnTo>
+                  <a:cubicBezTo>
+                    <a:pt x="1" y="13213"/>
+                    <a:pt x="1" y="11484"/>
+                    <a:pt x="988" y="10496"/>
+                  </a:cubicBezTo>
+                  <a:lnTo>
+                    <a:pt x="10621" y="741"/>
+                  </a:lnTo>
+                  <a:cubicBezTo>
+                    <a:pt x="11238" y="247"/>
+                    <a:pt x="11855" y="0"/>
+                    <a:pt x="12596" y="0"/>
+                  </a:cubicBezTo>
+                  <a:close/>
+                </a:path>
+              </a:pathLst>
+            </a:custGeom>
+            <a:solidFill>
+              <a:schemeClr val="accent2"/>
+            </a:solidFill>
+            <a:ln>
+              <a:noFill/>
+            </a:ln>
+          </p:spPr>
+          <p:txBody>
+            <a:bodyPr spcFirstLastPara="1" wrap="square" lIns="91425" tIns="91425" rIns="91425" bIns="91425" anchor="ctr" anchorCtr="0">
+              <a:noAutofit/>
+            </a:bodyPr>
+            <a:lstStyle/>
+            <a:p>
+              <a:pPr marL="0" lvl="0" indent="0" algn="l" rtl="0">
+                <a:spcBef>
+                  <a:spcPts val="0"/>
+                </a:spcBef>
+                <a:spcAft>
+                  <a:spcPts val="0"/>
+                </a:spcAft>
+                <a:buNone/>
+              </a:pPr>
+              <a:endParaRPr/>
+            </a:p>
+          </p:txBody>
+        </p:sp>
+        <p:sp>
+          <p:nvSpPr>
+            <p:cNvPr id="3216" name="Google Shape;3216;p44"/>
+            <p:cNvSpPr/>
+            <p:nvPr/>
+          </p:nvSpPr>
+          <p:spPr>
+            <a:xfrm>
+              <a:off x="3056725" y="2601250"/>
+              <a:ext cx="389000" cy="623625"/>
+            </a:xfrm>
+            <a:custGeom>
+              <a:avLst/>
+              <a:gdLst/>
+              <a:ahLst/>
+              <a:cxnLst/>
+              <a:rect l="l" t="t" r="r" b="b"/>
+              <a:pathLst>
+                <a:path w="15560" h="24945" extrusionOk="0">
+                  <a:moveTo>
+                    <a:pt x="12596" y="0"/>
+                  </a:moveTo>
+                  <a:cubicBezTo>
+                    <a:pt x="13337" y="0"/>
+                    <a:pt x="13954" y="247"/>
+                    <a:pt x="14448" y="741"/>
+                  </a:cubicBezTo>
+                  <a:cubicBezTo>
+                    <a:pt x="15559" y="1852"/>
+                    <a:pt x="15559" y="3581"/>
+                    <a:pt x="14448" y="4569"/>
+                  </a:cubicBezTo>
+                  <a:lnTo>
+                    <a:pt x="6792" y="12349"/>
+                  </a:lnTo>
+                  <a:lnTo>
+                    <a:pt x="14448" y="20128"/>
+                  </a:lnTo>
+                  <a:cubicBezTo>
+                    <a:pt x="15559" y="21240"/>
+                    <a:pt x="15559" y="22845"/>
+                    <a:pt x="14448" y="23957"/>
+                  </a:cubicBezTo>
+                  <a:cubicBezTo>
+                    <a:pt x="13460" y="24944"/>
+                    <a:pt x="11731" y="24944"/>
+                    <a:pt x="10743" y="23957"/>
+                  </a:cubicBezTo>
+                  <a:lnTo>
+                    <a:pt x="988" y="14325"/>
+                  </a:lnTo>
+                  <a:cubicBezTo>
+                    <a:pt x="0" y="13213"/>
+                    <a:pt x="0" y="11484"/>
+                    <a:pt x="988" y="10496"/>
+                  </a:cubicBezTo>
+                  <a:lnTo>
+                    <a:pt x="10743" y="741"/>
+                  </a:lnTo>
+                  <a:cubicBezTo>
+                    <a:pt x="11237" y="247"/>
+                    <a:pt x="11855" y="0"/>
+                    <a:pt x="12596" y="0"/>
+                  </a:cubicBezTo>
+                  <a:close/>
+                </a:path>
+              </a:pathLst>
+            </a:custGeom>
+            <a:solidFill>
+              <a:schemeClr val="accent2"/>
+            </a:solidFill>
+            <a:ln>
+              <a:noFill/>
+            </a:ln>
+          </p:spPr>
+          <p:txBody>
+            <a:bodyPr spcFirstLastPara="1" wrap="square" lIns="91425" tIns="91425" rIns="91425" bIns="91425" anchor="ctr" anchorCtr="0">
+              <a:noAutofit/>
+            </a:bodyPr>
+            <a:lstStyle/>
+            <a:p>
+              <a:pPr marL="0" lvl="0" indent="0" algn="l" rtl="0">
+                <a:spcBef>
+                  <a:spcPts val="0"/>
+                </a:spcBef>
+                <a:spcAft>
+                  <a:spcPts val="0"/>
+                </a:spcAft>
+                <a:buNone/>
+              </a:pPr>
+              <a:endParaRPr/>
+            </a:p>
+          </p:txBody>
+        </p:sp>
+        <p:sp>
+          <p:nvSpPr>
+            <p:cNvPr id="3217" name="Google Shape;3217;p44"/>
+            <p:cNvSpPr/>
+            <p:nvPr/>
+          </p:nvSpPr>
+          <p:spPr>
+            <a:xfrm>
+              <a:off x="3433350" y="2601250"/>
+              <a:ext cx="389000" cy="623625"/>
+            </a:xfrm>
+            <a:custGeom>
+              <a:avLst/>
+              <a:gdLst/>
+              <a:ahLst/>
+              <a:cxnLst/>
+              <a:rect l="l" t="t" r="r" b="b"/>
+              <a:pathLst>
+                <a:path w="15560" h="24945" extrusionOk="0">
+                  <a:moveTo>
+                    <a:pt x="12596" y="0"/>
+                  </a:moveTo>
+                  <a:cubicBezTo>
+                    <a:pt x="13337" y="0"/>
+                    <a:pt x="13955" y="247"/>
+                    <a:pt x="14572" y="741"/>
+                  </a:cubicBezTo>
+                  <a:cubicBezTo>
+                    <a:pt x="15560" y="1852"/>
+                    <a:pt x="15560" y="3581"/>
+                    <a:pt x="14572" y="4569"/>
+                  </a:cubicBezTo>
+                  <a:lnTo>
+                    <a:pt x="6792" y="12349"/>
+                  </a:lnTo>
+                  <a:lnTo>
+                    <a:pt x="14572" y="20128"/>
+                  </a:lnTo>
+                  <a:cubicBezTo>
+                    <a:pt x="15560" y="21240"/>
+                    <a:pt x="15560" y="22845"/>
+                    <a:pt x="14572" y="23957"/>
+                  </a:cubicBezTo>
+                  <a:cubicBezTo>
+                    <a:pt x="13461" y="24944"/>
+                    <a:pt x="11732" y="24944"/>
+                    <a:pt x="10744" y="23957"/>
+                  </a:cubicBezTo>
+                  <a:lnTo>
+                    <a:pt x="988" y="14325"/>
+                  </a:lnTo>
+                  <a:cubicBezTo>
+                    <a:pt x="1" y="13213"/>
+                    <a:pt x="1" y="11484"/>
+                    <a:pt x="988" y="10496"/>
+                  </a:cubicBezTo>
+                  <a:lnTo>
+                    <a:pt x="10744" y="741"/>
+                  </a:lnTo>
+                  <a:cubicBezTo>
+                    <a:pt x="11238" y="247"/>
+                    <a:pt x="11979" y="0"/>
+                    <a:pt x="12596" y="0"/>
+                  </a:cubicBezTo>
+                  <a:close/>
+                </a:path>
+              </a:pathLst>
+            </a:custGeom>
+            <a:solidFill>
+              <a:schemeClr val="accent2"/>
+            </a:solidFill>
+            <a:ln>
+              <a:noFill/>
+            </a:ln>
+          </p:spPr>
+          <p:txBody>
+            <a:bodyPr spcFirstLastPara="1" wrap="square" lIns="91425" tIns="91425" rIns="91425" bIns="91425" anchor="ctr" anchorCtr="0">
+              <a:noAutofit/>
+            </a:bodyPr>
+            <a:lstStyle/>
+            <a:p>
+              <a:pPr marL="0" lvl="0" indent="0" algn="l" rtl="0">
+                <a:spcBef>
+                  <a:spcPts val="0"/>
+                </a:spcBef>
+                <a:spcAft>
+                  <a:spcPts val="0"/>
+                </a:spcAft>
+                <a:buNone/>
+              </a:pPr>
+              <a:endParaRPr/>
+            </a:p>
+          </p:txBody>
+        </p:sp>
+        <p:sp>
+          <p:nvSpPr>
+            <p:cNvPr id="3218" name="Google Shape;3218;p44"/>
+            <p:cNvSpPr/>
+            <p:nvPr/>
+          </p:nvSpPr>
+          <p:spPr>
+            <a:xfrm>
+              <a:off x="3810000" y="2601250"/>
+              <a:ext cx="389000" cy="623625"/>
+            </a:xfrm>
+            <a:custGeom>
+              <a:avLst/>
+              <a:gdLst/>
+              <a:ahLst/>
+              <a:cxnLst/>
+              <a:rect l="l" t="t" r="r" b="b"/>
+              <a:pathLst>
+                <a:path w="15560" h="24945" extrusionOk="0">
+                  <a:moveTo>
+                    <a:pt x="12596" y="0"/>
+                  </a:moveTo>
+                  <a:cubicBezTo>
+                    <a:pt x="13337" y="0"/>
+                    <a:pt x="13954" y="247"/>
+                    <a:pt x="14572" y="741"/>
+                  </a:cubicBezTo>
+                  <a:cubicBezTo>
+                    <a:pt x="15559" y="1852"/>
+                    <a:pt x="15559" y="3581"/>
+                    <a:pt x="14572" y="4569"/>
+                  </a:cubicBezTo>
+                  <a:lnTo>
+                    <a:pt x="6792" y="12349"/>
+                  </a:lnTo>
+                  <a:lnTo>
+                    <a:pt x="14572" y="20128"/>
+                  </a:lnTo>
+                  <a:cubicBezTo>
+                    <a:pt x="15559" y="21240"/>
+                    <a:pt x="15559" y="22845"/>
+                    <a:pt x="14572" y="23957"/>
+                  </a:cubicBezTo>
+                  <a:cubicBezTo>
+                    <a:pt x="13460" y="24944"/>
+                    <a:pt x="11731" y="24944"/>
+                    <a:pt x="10743" y="23957"/>
+                  </a:cubicBezTo>
+                  <a:lnTo>
+                    <a:pt x="988" y="14325"/>
+                  </a:lnTo>
+                  <a:cubicBezTo>
+                    <a:pt x="0" y="13213"/>
+                    <a:pt x="0" y="11484"/>
+                    <a:pt x="988" y="10496"/>
+                  </a:cubicBezTo>
+                  <a:lnTo>
+                    <a:pt x="10743" y="741"/>
+                  </a:lnTo>
+                  <a:cubicBezTo>
+                    <a:pt x="11237" y="247"/>
+                    <a:pt x="11978" y="0"/>
+                    <a:pt x="12596" y="0"/>
+                  </a:cubicBezTo>
+                  <a:close/>
+                </a:path>
+              </a:pathLst>
+            </a:custGeom>
+            <a:solidFill>
+              <a:schemeClr val="accent2"/>
+            </a:solidFill>
+            <a:ln>
+              <a:noFill/>
+            </a:ln>
+          </p:spPr>
+          <p:txBody>
+            <a:bodyPr spcFirstLastPara="1" wrap="square" lIns="91425" tIns="91425" rIns="91425" bIns="91425" anchor="ctr" anchorCtr="0">
+              <a:noAutofit/>
+            </a:bodyPr>
+            <a:lstStyle/>
+            <a:p>
+              <a:pPr marL="0" lvl="0" indent="0" algn="l" rtl="0">
+                <a:spcBef>
+                  <a:spcPts val="0"/>
+                </a:spcBef>
+                <a:spcAft>
+                  <a:spcPts val="0"/>
+                </a:spcAft>
+                <a:buNone/>
+              </a:pPr>
+              <a:endParaRPr/>
+            </a:p>
+          </p:txBody>
+        </p:sp>
+        <p:sp>
+          <p:nvSpPr>
+            <p:cNvPr id="3219" name="Google Shape;3219;p44"/>
+            <p:cNvSpPr/>
+            <p:nvPr/>
+          </p:nvSpPr>
+          <p:spPr>
+            <a:xfrm>
+              <a:off x="4186625" y="2601250"/>
+              <a:ext cx="389000" cy="623625"/>
+            </a:xfrm>
+            <a:custGeom>
+              <a:avLst/>
+              <a:gdLst/>
+              <a:ahLst/>
+              <a:cxnLst/>
+              <a:rect l="l" t="t" r="r" b="b"/>
+              <a:pathLst>
+                <a:path w="15560" h="24945" extrusionOk="0">
+                  <a:moveTo>
+                    <a:pt x="12596" y="0"/>
+                  </a:moveTo>
+                  <a:cubicBezTo>
+                    <a:pt x="13337" y="0"/>
+                    <a:pt x="13955" y="247"/>
+                    <a:pt x="14572" y="741"/>
+                  </a:cubicBezTo>
+                  <a:cubicBezTo>
+                    <a:pt x="15560" y="1852"/>
+                    <a:pt x="15560" y="3581"/>
+                    <a:pt x="14572" y="4569"/>
+                  </a:cubicBezTo>
+                  <a:lnTo>
+                    <a:pt x="6792" y="12349"/>
+                  </a:lnTo>
+                  <a:lnTo>
+                    <a:pt x="14572" y="20128"/>
+                  </a:lnTo>
+                  <a:cubicBezTo>
+                    <a:pt x="15560" y="21240"/>
+                    <a:pt x="15560" y="22845"/>
+                    <a:pt x="14572" y="23957"/>
+                  </a:cubicBezTo>
+                  <a:cubicBezTo>
+                    <a:pt x="13461" y="24944"/>
+                    <a:pt x="11732" y="24944"/>
+                    <a:pt x="10744" y="23957"/>
+                  </a:cubicBezTo>
+                  <a:lnTo>
+                    <a:pt x="988" y="14325"/>
+                  </a:lnTo>
+                  <a:cubicBezTo>
+                    <a:pt x="0" y="13213"/>
+                    <a:pt x="0" y="11484"/>
+                    <a:pt x="988" y="10496"/>
+                  </a:cubicBezTo>
+                  <a:lnTo>
+                    <a:pt x="10744" y="741"/>
+                  </a:lnTo>
+                  <a:cubicBezTo>
+                    <a:pt x="11238" y="247"/>
+                    <a:pt x="11979" y="0"/>
+                    <a:pt x="12596" y="0"/>
+                  </a:cubicBezTo>
+                  <a:close/>
+                </a:path>
+              </a:pathLst>
+            </a:custGeom>
+            <a:solidFill>
+              <a:schemeClr val="accent2"/>
+            </a:solidFill>
+            <a:ln>
+              <a:noFill/>
+            </a:ln>
+          </p:spPr>
+          <p:txBody>
+            <a:bodyPr spcFirstLastPara="1" wrap="square" lIns="91425" tIns="91425" rIns="91425" bIns="91425" anchor="ctr" anchorCtr="0">
+              <a:noAutofit/>
+            </a:bodyPr>
+            <a:lstStyle/>
+            <a:p>
+              <a:pPr marL="0" lvl="0" indent="0" algn="l" rtl="0">
+                <a:spcBef>
+                  <a:spcPts val="0"/>
+                </a:spcBef>
+                <a:spcAft>
+                  <a:spcPts val="0"/>
+                </a:spcAft>
+                <a:buNone/>
+              </a:pPr>
+              <a:endParaRPr/>
+            </a:p>
+          </p:txBody>
+        </p:sp>
+      </p:grpSp>
+      <p:grpSp>
+        <p:nvGrpSpPr>
+          <p:cNvPr id="3220" name="Google Shape;3220;p44"/>
+          <p:cNvGrpSpPr/>
+          <p:nvPr/>
+        </p:nvGrpSpPr>
+        <p:grpSpPr>
+          <a:xfrm>
+            <a:off x="7672192" y="1903729"/>
+            <a:ext cx="1823016" cy="296643"/>
+            <a:chOff x="7857346" y="3902355"/>
+            <a:chExt cx="1823016" cy="296643"/>
+          </a:xfrm>
+        </p:grpSpPr>
+        <p:sp>
+          <p:nvSpPr>
+            <p:cNvPr id="3221" name="Google Shape;3221;p44"/>
+            <p:cNvSpPr/>
+            <p:nvPr/>
+          </p:nvSpPr>
+          <p:spPr>
+            <a:xfrm>
+              <a:off x="7956216" y="4048371"/>
+              <a:ext cx="1724145" cy="150627"/>
+            </a:xfrm>
+            <a:custGeom>
+              <a:avLst/>
+              <a:gdLst/>
+              <a:ahLst/>
+              <a:cxnLst/>
+              <a:rect l="l" t="t" r="r" b="b"/>
+              <a:pathLst>
+                <a:path w="55332" h="4834" fill="none" extrusionOk="0">
+                  <a:moveTo>
+                    <a:pt x="55331" y="4834"/>
+                  </a:moveTo>
+                  <a:lnTo>
+                    <a:pt x="28930" y="4834"/>
+                  </a:lnTo>
+                  <a:lnTo>
+                    <a:pt x="27294" y="3198"/>
+                  </a:lnTo>
+                  <a:lnTo>
+                    <a:pt x="24072" y="0"/>
+                  </a:lnTo>
+                  <a:lnTo>
+                    <a:pt x="1" y="0"/>
+                  </a:lnTo>
+                </a:path>
+              </a:pathLst>
+            </a:custGeom>
+            <a:noFill/>
+            <a:ln w="19050" cap="rnd" cmpd="sng">
+              <a:solidFill>
+                <a:schemeClr val="accent3"/>
+              </a:solidFill>
+              <a:prstDash val="solid"/>
+              <a:round/>
+              <a:headEnd type="none" w="sm" len="sm"/>
+              <a:tailEnd type="none" w="sm" len="sm"/>
+            </a:ln>
+          </p:spPr>
+          <p:txBody>
+            <a:bodyPr spcFirstLastPara="1" wrap="square" lIns="91425" tIns="91425" rIns="91425" bIns="91425" anchor="ctr" anchorCtr="0">
+              <a:noAutofit/>
+            </a:bodyPr>
+            <a:lstStyle/>
+            <a:p>
+              <a:pPr marL="0" lvl="0" indent="0" algn="l" rtl="0">
+                <a:spcBef>
+                  <a:spcPts val="0"/>
+                </a:spcBef>
+                <a:spcAft>
+                  <a:spcPts val="0"/>
+                </a:spcAft>
+                <a:buNone/>
+              </a:pPr>
+              <a:endParaRPr/>
+            </a:p>
+          </p:txBody>
+        </p:sp>
+        <p:sp>
+          <p:nvSpPr>
+            <p:cNvPr id="3222" name="Google Shape;3222;p44"/>
+            <p:cNvSpPr/>
+            <p:nvPr/>
+          </p:nvSpPr>
+          <p:spPr>
+            <a:xfrm>
+              <a:off x="8453686" y="3902355"/>
+              <a:ext cx="91953" cy="91953"/>
+            </a:xfrm>
+            <a:custGeom>
+              <a:avLst/>
+              <a:gdLst/>
+              <a:ahLst/>
+              <a:cxnLst/>
+              <a:rect l="l" t="t" r="r" b="b"/>
+              <a:pathLst>
+                <a:path w="2951" h="2951" fill="none" extrusionOk="0">
+                  <a:moveTo>
+                    <a:pt x="0" y="1488"/>
+                  </a:moveTo>
+                  <a:cubicBezTo>
+                    <a:pt x="0" y="670"/>
+                    <a:pt x="670" y="1"/>
+                    <a:pt x="1488" y="1"/>
+                  </a:cubicBezTo>
+                  <a:cubicBezTo>
+                    <a:pt x="2306" y="1"/>
+                    <a:pt x="2950" y="670"/>
+                    <a:pt x="2950" y="1488"/>
+                  </a:cubicBezTo>
+                  <a:cubicBezTo>
+                    <a:pt x="2950" y="2281"/>
+                    <a:pt x="2306" y="2951"/>
+                    <a:pt x="1488" y="2951"/>
+                  </a:cubicBezTo>
+                  <a:cubicBezTo>
+                    <a:pt x="670" y="2951"/>
+                    <a:pt x="0" y="2281"/>
+                    <a:pt x="0" y="1488"/>
+                  </a:cubicBezTo>
+                  <a:close/>
+                </a:path>
+              </a:pathLst>
+            </a:custGeom>
+            <a:noFill/>
+            <a:ln w="19050" cap="rnd" cmpd="sng">
+              <a:solidFill>
+                <a:schemeClr val="accent3"/>
+              </a:solidFill>
+              <a:prstDash val="solid"/>
+              <a:round/>
+              <a:headEnd type="none" w="sm" len="sm"/>
+              <a:tailEnd type="none" w="sm" len="sm"/>
+            </a:ln>
+          </p:spPr>
+          <p:txBody>
+            <a:bodyPr spcFirstLastPara="1" wrap="square" lIns="91425" tIns="91425" rIns="91425" bIns="91425" anchor="ctr" anchorCtr="0">
+              <a:noAutofit/>
+            </a:bodyPr>
+            <a:lstStyle/>
+            <a:p>
+              <a:pPr marL="0" lvl="0" indent="0" algn="l" rtl="0">
+                <a:spcBef>
+                  <a:spcPts val="0"/>
+                </a:spcBef>
+                <a:spcAft>
+                  <a:spcPts val="0"/>
+                </a:spcAft>
+                <a:buNone/>
+              </a:pPr>
+              <a:endParaRPr/>
+            </a:p>
+          </p:txBody>
+        </p:sp>
+        <p:sp>
+          <p:nvSpPr>
+            <p:cNvPr id="3223" name="Google Shape;3223;p44"/>
+            <p:cNvSpPr/>
+            <p:nvPr/>
+          </p:nvSpPr>
+          <p:spPr>
+            <a:xfrm>
+              <a:off x="8478396" y="3927096"/>
+              <a:ext cx="43281" cy="42502"/>
+            </a:xfrm>
+            <a:custGeom>
+              <a:avLst/>
+              <a:gdLst/>
+              <a:ahLst/>
+              <a:cxnLst/>
+              <a:rect l="l" t="t" r="r" b="b"/>
+              <a:pathLst>
+                <a:path w="1389" h="1364" extrusionOk="0">
+                  <a:moveTo>
+                    <a:pt x="695" y="0"/>
+                  </a:moveTo>
+                  <a:cubicBezTo>
+                    <a:pt x="298" y="0"/>
+                    <a:pt x="1" y="298"/>
+                    <a:pt x="1" y="694"/>
+                  </a:cubicBezTo>
+                  <a:cubicBezTo>
+                    <a:pt x="1" y="1066"/>
+                    <a:pt x="298" y="1363"/>
+                    <a:pt x="695" y="1363"/>
+                  </a:cubicBezTo>
+                  <a:cubicBezTo>
+                    <a:pt x="1067" y="1363"/>
+                    <a:pt x="1389" y="1066"/>
+                    <a:pt x="1389" y="694"/>
+                  </a:cubicBezTo>
+                  <a:cubicBezTo>
+                    <a:pt x="1389" y="298"/>
+                    <a:pt x="1067" y="0"/>
+                    <a:pt x="695" y="0"/>
+                  </a:cubicBezTo>
+                  <a:close/>
+                </a:path>
+              </a:pathLst>
+            </a:custGeom>
+            <a:solidFill>
+              <a:schemeClr val="accent3"/>
+            </a:solidFill>
+            <a:ln>
+              <a:noFill/>
+            </a:ln>
+          </p:spPr>
+          <p:txBody>
+            <a:bodyPr spcFirstLastPara="1" wrap="square" lIns="91425" tIns="91425" rIns="91425" bIns="91425" anchor="ctr" anchorCtr="0">
+              <a:noAutofit/>
+            </a:bodyPr>
+            <a:lstStyle/>
+            <a:p>
+              <a:pPr marL="0" lvl="0" indent="0" algn="l" rtl="0">
+                <a:spcBef>
+                  <a:spcPts val="0"/>
+                </a:spcBef>
+                <a:spcAft>
+                  <a:spcPts val="0"/>
+                </a:spcAft>
+                <a:buNone/>
+              </a:pPr>
+              <a:endParaRPr/>
+            </a:p>
+          </p:txBody>
+        </p:sp>
+        <p:sp>
+          <p:nvSpPr>
+            <p:cNvPr id="3224" name="Google Shape;3224;p44"/>
+            <p:cNvSpPr/>
+            <p:nvPr/>
+          </p:nvSpPr>
+          <p:spPr>
+            <a:xfrm>
+              <a:off x="7857346" y="4002005"/>
+              <a:ext cx="91953" cy="91953"/>
+            </a:xfrm>
+            <a:custGeom>
+              <a:avLst/>
+              <a:gdLst/>
+              <a:ahLst/>
+              <a:cxnLst/>
+              <a:rect l="l" t="t" r="r" b="b"/>
+              <a:pathLst>
+                <a:path w="2951" h="2951" fill="none" extrusionOk="0">
+                  <a:moveTo>
+                    <a:pt x="1" y="1463"/>
+                  </a:moveTo>
+                  <a:cubicBezTo>
+                    <a:pt x="1" y="670"/>
+                    <a:pt x="670" y="1"/>
+                    <a:pt x="1488" y="1"/>
+                  </a:cubicBezTo>
+                  <a:cubicBezTo>
+                    <a:pt x="2306" y="1"/>
+                    <a:pt x="2951" y="670"/>
+                    <a:pt x="2951" y="1463"/>
+                  </a:cubicBezTo>
+                  <a:cubicBezTo>
+                    <a:pt x="2951" y="2281"/>
+                    <a:pt x="2306" y="2951"/>
+                    <a:pt x="1488" y="2951"/>
+                  </a:cubicBezTo>
+                  <a:cubicBezTo>
+                    <a:pt x="670" y="2951"/>
+                    <a:pt x="1" y="2281"/>
+                    <a:pt x="1" y="1463"/>
+                  </a:cubicBezTo>
+                  <a:close/>
+                </a:path>
+              </a:pathLst>
+            </a:custGeom>
+            <a:noFill/>
+            <a:ln w="19050" cap="rnd" cmpd="sng">
+              <a:solidFill>
+                <a:schemeClr val="accent3"/>
+              </a:solidFill>
+              <a:prstDash val="solid"/>
+              <a:round/>
+              <a:headEnd type="none" w="sm" len="sm"/>
+              <a:tailEnd type="none" w="sm" len="sm"/>
+            </a:ln>
+          </p:spPr>
+          <p:txBody>
+            <a:bodyPr spcFirstLastPara="1" wrap="square" lIns="91425" tIns="91425" rIns="91425" bIns="91425" anchor="ctr" anchorCtr="0">
+              <a:noAutofit/>
+            </a:bodyPr>
+            <a:lstStyle/>
+            <a:p>
+              <a:pPr marL="0" lvl="0" indent="0" algn="l" rtl="0">
+                <a:spcBef>
+                  <a:spcPts val="0"/>
+                </a:spcBef>
+                <a:spcAft>
+                  <a:spcPts val="0"/>
+                </a:spcAft>
+                <a:buNone/>
+              </a:pPr>
+              <a:endParaRPr/>
+            </a:p>
+          </p:txBody>
+        </p:sp>
+        <p:sp>
+          <p:nvSpPr>
+            <p:cNvPr id="3225" name="Google Shape;3225;p44"/>
+            <p:cNvSpPr/>
+            <p:nvPr/>
+          </p:nvSpPr>
+          <p:spPr>
+            <a:xfrm>
+              <a:off x="7882087" y="4026715"/>
+              <a:ext cx="43281" cy="42533"/>
+            </a:xfrm>
+            <a:custGeom>
+              <a:avLst/>
+              <a:gdLst/>
+              <a:ahLst/>
+              <a:cxnLst/>
+              <a:rect l="l" t="t" r="r" b="b"/>
+              <a:pathLst>
+                <a:path w="1389" h="1365" extrusionOk="0">
+                  <a:moveTo>
+                    <a:pt x="694" y="1"/>
+                  </a:moveTo>
+                  <a:cubicBezTo>
+                    <a:pt x="298" y="1"/>
+                    <a:pt x="0" y="298"/>
+                    <a:pt x="0" y="670"/>
+                  </a:cubicBezTo>
+                  <a:cubicBezTo>
+                    <a:pt x="0" y="1067"/>
+                    <a:pt x="298" y="1364"/>
+                    <a:pt x="694" y="1364"/>
+                  </a:cubicBezTo>
+                  <a:cubicBezTo>
+                    <a:pt x="1066" y="1364"/>
+                    <a:pt x="1388" y="1067"/>
+                    <a:pt x="1388" y="670"/>
+                  </a:cubicBezTo>
+                  <a:cubicBezTo>
+                    <a:pt x="1388" y="298"/>
+                    <a:pt x="1066" y="1"/>
+                    <a:pt x="694" y="1"/>
+                  </a:cubicBezTo>
+                  <a:close/>
+                </a:path>
+              </a:pathLst>
+            </a:custGeom>
+            <a:solidFill>
+              <a:schemeClr val="accent3"/>
+            </a:solidFill>
+            <a:ln>
+              <a:noFill/>
+            </a:ln>
+          </p:spPr>
+          <p:txBody>
+            <a:bodyPr spcFirstLastPara="1" wrap="square" lIns="91425" tIns="91425" rIns="91425" bIns="91425" anchor="ctr" anchorCtr="0">
+              <a:noAutofit/>
+            </a:bodyPr>
+            <a:lstStyle/>
+            <a:p>
+              <a:pPr marL="0" lvl="0" indent="0" algn="l" rtl="0">
+                <a:spcBef>
+                  <a:spcPts val="0"/>
+                </a:spcBef>
+                <a:spcAft>
+                  <a:spcPts val="0"/>
+                </a:spcAft>
+                <a:buNone/>
+              </a:pPr>
+              <a:endParaRPr/>
+            </a:p>
+          </p:txBody>
+        </p:sp>
+        <p:sp>
+          <p:nvSpPr>
+            <p:cNvPr id="3226" name="Google Shape;3226;p44"/>
+            <p:cNvSpPr/>
+            <p:nvPr/>
+          </p:nvSpPr>
+          <p:spPr>
+            <a:xfrm>
+              <a:off x="8545608" y="3948721"/>
+              <a:ext cx="1134754" cy="175368"/>
+            </a:xfrm>
+            <a:custGeom>
+              <a:avLst/>
+              <a:gdLst/>
+              <a:ahLst/>
+              <a:cxnLst/>
+              <a:rect l="l" t="t" r="r" b="b"/>
+              <a:pathLst>
+                <a:path w="36417" h="5628" fill="none" extrusionOk="0">
+                  <a:moveTo>
+                    <a:pt x="0" y="0"/>
+                  </a:moveTo>
+                  <a:lnTo>
+                    <a:pt x="6049" y="0"/>
+                  </a:lnTo>
+                  <a:lnTo>
+                    <a:pt x="8379" y="2330"/>
+                  </a:lnTo>
+                  <a:lnTo>
+                    <a:pt x="11676" y="5627"/>
+                  </a:lnTo>
+                  <a:lnTo>
+                    <a:pt x="36416" y="5627"/>
+                  </a:lnTo>
+                </a:path>
+              </a:pathLst>
+            </a:custGeom>
+            <a:noFill/>
+            <a:ln w="19050" cap="rnd" cmpd="sng">
+              <a:solidFill>
+                <a:schemeClr val="accent3"/>
+              </a:solidFill>
+              <a:prstDash val="solid"/>
+              <a:round/>
+              <a:headEnd type="none" w="sm" len="sm"/>
+              <a:tailEnd type="none" w="sm" len="sm"/>
+            </a:ln>
+          </p:spPr>
+          <p:txBody>
+            <a:bodyPr spcFirstLastPara="1" wrap="square" lIns="91425" tIns="91425" rIns="91425" bIns="91425" anchor="ctr" anchorCtr="0">
+              <a:noAutofit/>
+            </a:bodyPr>
+            <a:lstStyle/>
+            <a:p>
+              <a:pPr marL="0" lvl="0" indent="0" algn="l" rtl="0">
+                <a:spcBef>
+                  <a:spcPts val="0"/>
+                </a:spcBef>
+                <a:spcAft>
+                  <a:spcPts val="0"/>
+                </a:spcAft>
+                <a:buNone/>
+              </a:pPr>
+              <a:endParaRPr/>
+            </a:p>
+          </p:txBody>
+        </p:sp>
+      </p:grpSp>
+      <p:grpSp>
+        <p:nvGrpSpPr>
+          <p:cNvPr id="3227" name="Google Shape;3227;p44"/>
+          <p:cNvGrpSpPr/>
+          <p:nvPr/>
+        </p:nvGrpSpPr>
+        <p:grpSpPr>
+          <a:xfrm rot="5400000">
+            <a:off x="3809575" y="1544225"/>
+            <a:ext cx="98902" cy="553090"/>
+            <a:chOff x="4898850" y="4820550"/>
+            <a:chExt cx="98902" cy="553090"/>
+          </a:xfrm>
+        </p:grpSpPr>
+        <p:sp>
+          <p:nvSpPr>
+            <p:cNvPr id="3228" name="Google Shape;3228;p44"/>
+            <p:cNvSpPr/>
+            <p:nvPr/>
+          </p:nvSpPr>
+          <p:spPr>
+            <a:xfrm>
+              <a:off x="4898850" y="4820550"/>
+              <a:ext cx="98902" cy="98902"/>
+            </a:xfrm>
+            <a:custGeom>
+              <a:avLst/>
+              <a:gdLst/>
+              <a:ahLst/>
+              <a:cxnLst/>
+              <a:rect l="l" t="t" r="r" b="b"/>
+              <a:pathLst>
+                <a:path w="3174" h="3174" fill="none" extrusionOk="0">
+                  <a:moveTo>
+                    <a:pt x="1810" y="124"/>
+                  </a:moveTo>
+                  <a:cubicBezTo>
+                    <a:pt x="2603" y="248"/>
+                    <a:pt x="3173" y="1017"/>
+                    <a:pt x="3024" y="1810"/>
+                  </a:cubicBezTo>
+                  <a:cubicBezTo>
+                    <a:pt x="2900" y="2603"/>
+                    <a:pt x="2157" y="3173"/>
+                    <a:pt x="1339" y="3025"/>
+                  </a:cubicBezTo>
+                  <a:cubicBezTo>
+                    <a:pt x="545" y="2901"/>
+                    <a:pt x="0" y="2157"/>
+                    <a:pt x="124" y="1339"/>
+                  </a:cubicBezTo>
+                  <a:cubicBezTo>
+                    <a:pt x="248" y="546"/>
+                    <a:pt x="992" y="0"/>
+                    <a:pt x="1810" y="124"/>
+                  </a:cubicBezTo>
+                  <a:close/>
+                </a:path>
+              </a:pathLst>
+            </a:custGeom>
+            <a:noFill/>
+            <a:ln w="19050" cap="rnd" cmpd="sng">
+              <a:solidFill>
+                <a:schemeClr val="accent3"/>
+              </a:solidFill>
+              <a:prstDash val="solid"/>
+              <a:round/>
+              <a:headEnd type="none" w="sm" len="sm"/>
+              <a:tailEnd type="none" w="sm" len="sm"/>
+            </a:ln>
+          </p:spPr>
+          <p:txBody>
+            <a:bodyPr spcFirstLastPara="1" wrap="square" lIns="91425" tIns="91425" rIns="91425" bIns="91425" anchor="ctr" anchorCtr="0">
+              <a:noAutofit/>
+            </a:bodyPr>
+            <a:lstStyle/>
+            <a:p>
+              <a:pPr marL="0" lvl="0" indent="0" algn="l" rtl="0">
+                <a:spcBef>
+                  <a:spcPts val="0"/>
+                </a:spcBef>
+                <a:spcAft>
+                  <a:spcPts val="0"/>
+                </a:spcAft>
+                <a:buNone/>
+              </a:pPr>
+              <a:endParaRPr/>
+            </a:p>
+          </p:txBody>
+        </p:sp>
+        <p:sp>
+          <p:nvSpPr>
+            <p:cNvPr id="3229" name="Google Shape;3229;p44"/>
+            <p:cNvSpPr/>
+            <p:nvPr/>
+          </p:nvSpPr>
+          <p:spPr>
+            <a:xfrm>
+              <a:off x="4924339" y="4847971"/>
+              <a:ext cx="46366" cy="43094"/>
+            </a:xfrm>
+            <a:custGeom>
+              <a:avLst/>
+              <a:gdLst/>
+              <a:ahLst/>
+              <a:cxnLst/>
+              <a:rect l="l" t="t" r="r" b="b"/>
+              <a:pathLst>
+                <a:path w="1488" h="1383" extrusionOk="0">
+                  <a:moveTo>
+                    <a:pt x="744" y="1"/>
+                  </a:moveTo>
+                  <a:cubicBezTo>
+                    <a:pt x="417" y="1"/>
+                    <a:pt x="119" y="253"/>
+                    <a:pt x="74" y="583"/>
+                  </a:cubicBezTo>
+                  <a:cubicBezTo>
+                    <a:pt x="0" y="955"/>
+                    <a:pt x="273" y="1327"/>
+                    <a:pt x="645" y="1376"/>
+                  </a:cubicBezTo>
+                  <a:cubicBezTo>
+                    <a:pt x="676" y="1380"/>
+                    <a:pt x="708" y="1383"/>
+                    <a:pt x="739" y="1383"/>
+                  </a:cubicBezTo>
+                  <a:cubicBezTo>
+                    <a:pt x="1074" y="1383"/>
+                    <a:pt x="1370" y="1146"/>
+                    <a:pt x="1438" y="806"/>
+                  </a:cubicBezTo>
+                  <a:cubicBezTo>
+                    <a:pt x="1487" y="434"/>
+                    <a:pt x="1240" y="62"/>
+                    <a:pt x="868" y="13"/>
+                  </a:cubicBezTo>
+                  <a:cubicBezTo>
+                    <a:pt x="826" y="4"/>
+                    <a:pt x="785" y="1"/>
+                    <a:pt x="744" y="1"/>
+                  </a:cubicBezTo>
+                  <a:close/>
+                </a:path>
+              </a:pathLst>
+            </a:custGeom>
+            <a:solidFill>
+              <a:schemeClr val="accent3"/>
+            </a:solidFill>
+            <a:ln>
+              <a:noFill/>
+            </a:ln>
+          </p:spPr>
+          <p:txBody>
+            <a:bodyPr spcFirstLastPara="1" wrap="square" lIns="91425" tIns="91425" rIns="91425" bIns="91425" anchor="ctr" anchorCtr="0">
+              <a:noAutofit/>
+            </a:bodyPr>
+            <a:lstStyle/>
+            <a:p>
+              <a:pPr marL="0" lvl="0" indent="0" algn="l" rtl="0">
+                <a:spcBef>
+                  <a:spcPts val="0"/>
+                </a:spcBef>
+                <a:spcAft>
+                  <a:spcPts val="0"/>
+                </a:spcAft>
+                <a:buNone/>
+              </a:pPr>
+              <a:endParaRPr/>
+            </a:p>
+          </p:txBody>
+        </p:sp>
+        <p:sp>
+          <p:nvSpPr>
+            <p:cNvPr id="3230" name="Google Shape;3230;p44"/>
+            <p:cNvSpPr/>
+            <p:nvPr/>
+          </p:nvSpPr>
+          <p:spPr>
+            <a:xfrm>
+              <a:off x="4901935" y="5281687"/>
+              <a:ext cx="91953" cy="91953"/>
+            </a:xfrm>
+            <a:custGeom>
+              <a:avLst/>
+              <a:gdLst/>
+              <a:ahLst/>
+              <a:cxnLst/>
+              <a:rect l="l" t="t" r="r" b="b"/>
+              <a:pathLst>
+                <a:path w="2951" h="2951" fill="none" extrusionOk="0">
+                  <a:moveTo>
+                    <a:pt x="1463" y="2951"/>
+                  </a:moveTo>
+                  <a:cubicBezTo>
+                    <a:pt x="645" y="2951"/>
+                    <a:pt x="0" y="2306"/>
+                    <a:pt x="0" y="1488"/>
+                  </a:cubicBezTo>
+                  <a:cubicBezTo>
+                    <a:pt x="0" y="670"/>
+                    <a:pt x="645" y="1"/>
+                    <a:pt x="1463" y="1"/>
+                  </a:cubicBezTo>
+                  <a:cubicBezTo>
+                    <a:pt x="2281" y="1"/>
+                    <a:pt x="2950" y="670"/>
+                    <a:pt x="2950" y="1488"/>
+                  </a:cubicBezTo>
+                  <a:cubicBezTo>
+                    <a:pt x="2950" y="2306"/>
+                    <a:pt x="2281" y="2951"/>
+                    <a:pt x="1463" y="2951"/>
+                  </a:cubicBezTo>
+                  <a:close/>
+                </a:path>
+              </a:pathLst>
+            </a:custGeom>
+            <a:noFill/>
+            <a:ln w="19050" cap="rnd" cmpd="sng">
+              <a:solidFill>
+                <a:schemeClr val="accent3"/>
+              </a:solidFill>
+              <a:prstDash val="solid"/>
+              <a:round/>
+              <a:headEnd type="none" w="sm" len="sm"/>
+              <a:tailEnd type="none" w="sm" len="sm"/>
+            </a:ln>
+          </p:spPr>
+          <p:txBody>
+            <a:bodyPr spcFirstLastPara="1" wrap="square" lIns="91425" tIns="91425" rIns="91425" bIns="91425" anchor="ctr" anchorCtr="0">
+              <a:noAutofit/>
+            </a:bodyPr>
+            <a:lstStyle/>
+            <a:p>
+              <a:pPr marL="0" lvl="0" indent="0" algn="l" rtl="0">
+                <a:spcBef>
+                  <a:spcPts val="0"/>
+                </a:spcBef>
+                <a:spcAft>
+                  <a:spcPts val="0"/>
+                </a:spcAft>
+                <a:buNone/>
+              </a:pPr>
+              <a:endParaRPr/>
+            </a:p>
+          </p:txBody>
+        </p:sp>
+        <p:sp>
+          <p:nvSpPr>
+            <p:cNvPr id="3231" name="Google Shape;3231;p44"/>
+            <p:cNvSpPr/>
+            <p:nvPr/>
+          </p:nvSpPr>
+          <p:spPr>
+            <a:xfrm>
+              <a:off x="4925866" y="5306428"/>
+              <a:ext cx="43281" cy="43281"/>
+            </a:xfrm>
+            <a:custGeom>
+              <a:avLst/>
+              <a:gdLst/>
+              <a:ahLst/>
+              <a:cxnLst/>
+              <a:rect l="l" t="t" r="r" b="b"/>
+              <a:pathLst>
+                <a:path w="1389" h="1389" extrusionOk="0">
+                  <a:moveTo>
+                    <a:pt x="695" y="0"/>
+                  </a:moveTo>
+                  <a:cubicBezTo>
+                    <a:pt x="323" y="0"/>
+                    <a:pt x="1" y="297"/>
+                    <a:pt x="1" y="694"/>
+                  </a:cubicBezTo>
+                  <a:cubicBezTo>
+                    <a:pt x="1" y="1066"/>
+                    <a:pt x="323" y="1388"/>
+                    <a:pt x="695" y="1388"/>
+                  </a:cubicBezTo>
+                  <a:cubicBezTo>
+                    <a:pt x="1091" y="1388"/>
+                    <a:pt x="1389" y="1066"/>
+                    <a:pt x="1389" y="694"/>
+                  </a:cubicBezTo>
+                  <a:cubicBezTo>
+                    <a:pt x="1389" y="297"/>
+                    <a:pt x="1091" y="0"/>
+                    <a:pt x="695" y="0"/>
+                  </a:cubicBezTo>
+                  <a:close/>
+                </a:path>
+              </a:pathLst>
+            </a:custGeom>
+            <a:solidFill>
+              <a:schemeClr val="accent3"/>
+            </a:solidFill>
+            <a:ln>
+              <a:noFill/>
+            </a:ln>
+          </p:spPr>
+          <p:txBody>
+            <a:bodyPr spcFirstLastPara="1" wrap="square" lIns="91425" tIns="91425" rIns="91425" bIns="91425" anchor="ctr" anchorCtr="0">
+              <a:noAutofit/>
+            </a:bodyPr>
+            <a:lstStyle/>
+            <a:p>
+              <a:pPr marL="0" lvl="0" indent="0" algn="l" rtl="0">
+                <a:spcBef>
+                  <a:spcPts val="0"/>
+                </a:spcBef>
+                <a:spcAft>
+                  <a:spcPts val="0"/>
+                </a:spcAft>
+                <a:buNone/>
+              </a:pPr>
+              <a:endParaRPr/>
+            </a:p>
+          </p:txBody>
+        </p:sp>
+        <p:sp>
+          <p:nvSpPr>
+            <p:cNvPr id="3232" name="Google Shape;3232;p44"/>
+            <p:cNvSpPr/>
+            <p:nvPr/>
+          </p:nvSpPr>
+          <p:spPr>
+            <a:xfrm>
+              <a:off x="4942100" y="4917862"/>
+              <a:ext cx="31" cy="358465"/>
+            </a:xfrm>
+            <a:custGeom>
+              <a:avLst/>
+              <a:gdLst/>
+              <a:ahLst/>
+              <a:cxnLst/>
+              <a:rect l="l" t="t" r="r" b="b"/>
+              <a:pathLst>
+                <a:path w="1" h="11504" fill="none" extrusionOk="0">
+                  <a:moveTo>
+                    <a:pt x="0" y="11503"/>
+                  </a:moveTo>
+                  <a:lnTo>
+                    <a:pt x="0" y="1"/>
+                  </a:lnTo>
+                </a:path>
+              </a:pathLst>
+            </a:custGeom>
+            <a:noFill/>
+            <a:ln w="19050" cap="rnd" cmpd="sng">
+              <a:solidFill>
+                <a:schemeClr val="accent3"/>
+              </a:solidFill>
+              <a:prstDash val="solid"/>
+              <a:round/>
+              <a:headEnd type="none" w="sm" len="sm"/>
+              <a:tailEnd type="none" w="sm" len="sm"/>
+            </a:ln>
+          </p:spPr>
+          <p:txBody>
+            <a:bodyPr spcFirstLastPara="1" wrap="square" lIns="91425" tIns="91425" rIns="91425" bIns="91425" anchor="ctr" anchorCtr="0">
+              <a:noAutofit/>
+            </a:bodyPr>
+            <a:lstStyle/>
+            <a:p>
+              <a:pPr marL="0" lvl="0" indent="0" algn="l" rtl="0">
+                <a:spcBef>
+                  <a:spcPts val="0"/>
+                </a:spcBef>
+                <a:spcAft>
+                  <a:spcPts val="0"/>
+                </a:spcAft>
+                <a:buNone/>
+              </a:pPr>
+              <a:endParaRPr/>
+            </a:p>
+          </p:txBody>
+        </p:sp>
+      </p:grpSp>
+    </p:spTree>
+    <p:extLst>
+      <p:ext uri="{BB962C8B-B14F-4D97-AF65-F5344CB8AC3E}">
+        <p14:creationId xmlns:p14="http://schemas.microsoft.com/office/powerpoint/2010/main" val="2486505655"/>
+      </p:ext>
+    </p:extLst>
+  </p:cSld>
+  <p:clrMapOvr>
+    <a:masterClrMapping/>
+  </p:clrMapOvr>
+</p:sld>
+</file>
+
 <file path=ppt/slides/slide2.xml><?xml version="1.0" encoding="utf-8"?>
 <p:sld xmlns:a="http://schemas.openxmlformats.org/drawingml/2006/main" xmlns:r="http://schemas.openxmlformats.org/officeDocument/2006/relationships" xmlns:p="http://schemas.openxmlformats.org/presentationml/2006/main">
   <p:cSld>
@@ -55433,7 +60077,7 @@
   <p:cSld>
     <p:spTree>
       <p:nvGrpSpPr>
-        <p:cNvPr id="1" name="Shape 3157"/>
+        <p:cNvPr id="1" name=""/>
         <p:cNvGrpSpPr/>
         <p:nvPr/>
       </p:nvGrpSpPr>
@@ -55447,8 +60091,14 @@
       </p:grpSpPr>
       <p:sp>
         <p:nvSpPr>
-          <p:cNvPr id="3159" name="Google Shape;3159;p44"/>
-          <p:cNvSpPr txBox="1">
+          <p:cNvPr id="2" name="Title 1">
+            <a:extLst>
+              <a:ext uri="{FF2B5EF4-FFF2-40B4-BE49-F238E27FC236}">
+                <a16:creationId xmlns:a16="http://schemas.microsoft.com/office/drawing/2014/main" id="{928328B8-D7C9-429E-86D1-48330C11C1EC}"/>
+              </a:ext>
+            </a:extLst>
+          </p:cNvPr>
+          <p:cNvSpPr>
             <a:spLocks noGrp="1"/>
           </p:cNvSpPr>
           <p:nvPr>
@@ -55457,99 +60107,354 @@
         </p:nvSpPr>
         <p:spPr>
           <a:xfrm>
-            <a:off x="836951" y="2498219"/>
+            <a:off x="788850" y="242164"/>
             <a:ext cx="7566300" cy="841800"/>
+          </a:xfrm>
+        </p:spPr>
+        <p:txBody>
+          <a:bodyPr/>
+          <a:lstStyle/>
+          <a:p>
+            <a:pPr algn="ctr"/>
+            <a:r>
+              <a:rPr lang="en-GB" sz="3200" dirty="0"/>
+              <a:t>Working Prototype</a:t>
+            </a:r>
+          </a:p>
+        </p:txBody>
+      </p:sp>
+      <p:sp>
+        <p:nvSpPr>
+          <p:cNvPr id="5" name="Google Shape;3237;p45">
+            <a:extLst>
+              <a:ext uri="{FF2B5EF4-FFF2-40B4-BE49-F238E27FC236}">
+                <a16:creationId xmlns:a16="http://schemas.microsoft.com/office/drawing/2014/main" id="{DC534E1E-6C77-4DEF-9144-96FE1C820EEA}"/>
+              </a:ext>
+            </a:extLst>
+          </p:cNvPr>
+          <p:cNvSpPr txBox="1">
+            <a:spLocks/>
+          </p:cNvSpPr>
+          <p:nvPr/>
+        </p:nvSpPr>
+        <p:spPr>
+          <a:xfrm>
+            <a:off x="6073633" y="1446922"/>
+            <a:ext cx="3249476" cy="2249656"/>
           </a:xfrm>
           <a:prstGeom prst="rect">
             <a:avLst/>
           </a:prstGeom>
+          <a:noFill/>
+          <a:ln>
+            <a:noFill/>
+          </a:ln>
+          <a:effectLst>
+            <a:outerShdw blurRad="142875" algn="bl" rotWithShape="0">
+              <a:schemeClr val="accent2">
+                <a:alpha val="40000"/>
+              </a:schemeClr>
+            </a:outerShdw>
+          </a:effectLst>
         </p:spPr>
         <p:txBody>
           <a:bodyPr spcFirstLastPara="1" wrap="square" lIns="91425" tIns="91425" rIns="91425" bIns="91425" anchor="ctr" anchorCtr="0">
             <a:noAutofit/>
           </a:bodyPr>
-          <a:lstStyle/>
-          <a:p>
-            <a:pPr marL="0" lvl="0" indent="0" algn="ctr" rtl="0">
+          <a:lstStyle>
+            <a:defPPr marR="0" lvl="0" algn="l" rtl="0">
+              <a:lnSpc>
+                <a:spcPct val="100000"/>
+              </a:lnSpc>
               <a:spcBef>
                 <a:spcPts val="0"/>
               </a:spcBef>
               <a:spcAft>
                 <a:spcPts val="0"/>
               </a:spcAft>
+            </a:defPPr>
+            <a:lvl1pPr marR="0" lvl="0" algn="ctr" rtl="0">
+              <a:lnSpc>
+                <a:spcPct val="100000"/>
+              </a:lnSpc>
+              <a:spcBef>
+                <a:spcPts val="0"/>
+              </a:spcBef>
+              <a:spcAft>
+                <a:spcPts val="0"/>
+              </a:spcAft>
+              <a:buClr>
+                <a:schemeClr val="lt1"/>
+              </a:buClr>
+              <a:buSzPts val="3200"/>
+              <a:buFont typeface="Exo"/>
               <a:buNone/>
-            </a:pPr>
+              <a:defRPr sz="3200" b="1" i="0" u="none" strike="noStrike" cap="none">
+                <a:solidFill>
+                  <a:schemeClr val="lt1"/>
+                </a:solidFill>
+                <a:latin typeface="Exo"/>
+                <a:ea typeface="Exo"/>
+                <a:cs typeface="Exo"/>
+                <a:sym typeface="Exo"/>
+              </a:defRPr>
+            </a:lvl1pPr>
+            <a:lvl2pPr marR="0" lvl="1" algn="l" rtl="0">
+              <a:lnSpc>
+                <a:spcPct val="100000"/>
+              </a:lnSpc>
+              <a:spcBef>
+                <a:spcPts val="0"/>
+              </a:spcBef>
+              <a:spcAft>
+                <a:spcPts val="0"/>
+              </a:spcAft>
+              <a:buClr>
+                <a:schemeClr val="lt1"/>
+              </a:buClr>
+              <a:buSzPts val="3200"/>
+              <a:buFont typeface="Exo"/>
+              <a:buNone/>
+              <a:defRPr sz="3200" b="0" i="0" u="none" strike="noStrike" cap="none">
+                <a:solidFill>
+                  <a:schemeClr val="lt1"/>
+                </a:solidFill>
+                <a:latin typeface="Exo"/>
+                <a:ea typeface="Exo"/>
+                <a:cs typeface="Exo"/>
+                <a:sym typeface="Exo"/>
+              </a:defRPr>
+            </a:lvl2pPr>
+            <a:lvl3pPr marR="0" lvl="2" algn="l" rtl="0">
+              <a:lnSpc>
+                <a:spcPct val="100000"/>
+              </a:lnSpc>
+              <a:spcBef>
+                <a:spcPts val="0"/>
+              </a:spcBef>
+              <a:spcAft>
+                <a:spcPts val="0"/>
+              </a:spcAft>
+              <a:buClr>
+                <a:schemeClr val="lt1"/>
+              </a:buClr>
+              <a:buSzPts val="3200"/>
+              <a:buFont typeface="Exo"/>
+              <a:buNone/>
+              <a:defRPr sz="3200" b="0" i="0" u="none" strike="noStrike" cap="none">
+                <a:solidFill>
+                  <a:schemeClr val="lt1"/>
+                </a:solidFill>
+                <a:latin typeface="Exo"/>
+                <a:ea typeface="Exo"/>
+                <a:cs typeface="Exo"/>
+                <a:sym typeface="Exo"/>
+              </a:defRPr>
+            </a:lvl3pPr>
+            <a:lvl4pPr marR="0" lvl="3" algn="l" rtl="0">
+              <a:lnSpc>
+                <a:spcPct val="100000"/>
+              </a:lnSpc>
+              <a:spcBef>
+                <a:spcPts val="0"/>
+              </a:spcBef>
+              <a:spcAft>
+                <a:spcPts val="0"/>
+              </a:spcAft>
+              <a:buClr>
+                <a:schemeClr val="lt1"/>
+              </a:buClr>
+              <a:buSzPts val="3200"/>
+              <a:buFont typeface="Exo"/>
+              <a:buNone/>
+              <a:defRPr sz="3200" b="0" i="0" u="none" strike="noStrike" cap="none">
+                <a:solidFill>
+                  <a:schemeClr val="lt1"/>
+                </a:solidFill>
+                <a:latin typeface="Exo"/>
+                <a:ea typeface="Exo"/>
+                <a:cs typeface="Exo"/>
+                <a:sym typeface="Exo"/>
+              </a:defRPr>
+            </a:lvl4pPr>
+            <a:lvl5pPr marR="0" lvl="4" algn="l" rtl="0">
+              <a:lnSpc>
+                <a:spcPct val="100000"/>
+              </a:lnSpc>
+              <a:spcBef>
+                <a:spcPts val="0"/>
+              </a:spcBef>
+              <a:spcAft>
+                <a:spcPts val="0"/>
+              </a:spcAft>
+              <a:buClr>
+                <a:schemeClr val="lt1"/>
+              </a:buClr>
+              <a:buSzPts val="3200"/>
+              <a:buFont typeface="Exo"/>
+              <a:buNone/>
+              <a:defRPr sz="3200" b="0" i="0" u="none" strike="noStrike" cap="none">
+                <a:solidFill>
+                  <a:schemeClr val="lt1"/>
+                </a:solidFill>
+                <a:latin typeface="Exo"/>
+                <a:ea typeface="Exo"/>
+                <a:cs typeface="Exo"/>
+                <a:sym typeface="Exo"/>
+              </a:defRPr>
+            </a:lvl5pPr>
+            <a:lvl6pPr marR="0" lvl="5" algn="l" rtl="0">
+              <a:lnSpc>
+                <a:spcPct val="100000"/>
+              </a:lnSpc>
+              <a:spcBef>
+                <a:spcPts val="0"/>
+              </a:spcBef>
+              <a:spcAft>
+                <a:spcPts val="0"/>
+              </a:spcAft>
+              <a:buClr>
+                <a:schemeClr val="lt1"/>
+              </a:buClr>
+              <a:buSzPts val="3200"/>
+              <a:buFont typeface="Exo"/>
+              <a:buNone/>
+              <a:defRPr sz="3200" b="0" i="0" u="none" strike="noStrike" cap="none">
+                <a:solidFill>
+                  <a:schemeClr val="lt1"/>
+                </a:solidFill>
+                <a:latin typeface="Exo"/>
+                <a:ea typeface="Exo"/>
+                <a:cs typeface="Exo"/>
+                <a:sym typeface="Exo"/>
+              </a:defRPr>
+            </a:lvl6pPr>
+            <a:lvl7pPr marR="0" lvl="6" algn="l" rtl="0">
+              <a:lnSpc>
+                <a:spcPct val="100000"/>
+              </a:lnSpc>
+              <a:spcBef>
+                <a:spcPts val="0"/>
+              </a:spcBef>
+              <a:spcAft>
+                <a:spcPts val="0"/>
+              </a:spcAft>
+              <a:buClr>
+                <a:schemeClr val="lt1"/>
+              </a:buClr>
+              <a:buSzPts val="3200"/>
+              <a:buFont typeface="Exo"/>
+              <a:buNone/>
+              <a:defRPr sz="3200" b="0" i="0" u="none" strike="noStrike" cap="none">
+                <a:solidFill>
+                  <a:schemeClr val="lt1"/>
+                </a:solidFill>
+                <a:latin typeface="Exo"/>
+                <a:ea typeface="Exo"/>
+                <a:cs typeface="Exo"/>
+                <a:sym typeface="Exo"/>
+              </a:defRPr>
+            </a:lvl7pPr>
+            <a:lvl8pPr marR="0" lvl="7" algn="l" rtl="0">
+              <a:lnSpc>
+                <a:spcPct val="100000"/>
+              </a:lnSpc>
+              <a:spcBef>
+                <a:spcPts val="0"/>
+              </a:spcBef>
+              <a:spcAft>
+                <a:spcPts val="0"/>
+              </a:spcAft>
+              <a:buClr>
+                <a:schemeClr val="lt1"/>
+              </a:buClr>
+              <a:buSzPts val="3200"/>
+              <a:buFont typeface="Exo"/>
+              <a:buNone/>
+              <a:defRPr sz="3200" b="0" i="0" u="none" strike="noStrike" cap="none">
+                <a:solidFill>
+                  <a:schemeClr val="lt1"/>
+                </a:solidFill>
+                <a:latin typeface="Exo"/>
+                <a:ea typeface="Exo"/>
+                <a:cs typeface="Exo"/>
+                <a:sym typeface="Exo"/>
+              </a:defRPr>
+            </a:lvl8pPr>
+            <a:lvl9pPr marR="0" lvl="8" algn="l" rtl="0">
+              <a:lnSpc>
+                <a:spcPct val="100000"/>
+              </a:lnSpc>
+              <a:spcBef>
+                <a:spcPts val="0"/>
+              </a:spcBef>
+              <a:spcAft>
+                <a:spcPts val="0"/>
+              </a:spcAft>
+              <a:buClr>
+                <a:schemeClr val="lt1"/>
+              </a:buClr>
+              <a:buSzPts val="3200"/>
+              <a:buFont typeface="Exo"/>
+              <a:buNone/>
+              <a:defRPr sz="3200" b="0" i="0" u="none" strike="noStrike" cap="none">
+                <a:solidFill>
+                  <a:schemeClr val="lt1"/>
+                </a:solidFill>
+                <a:latin typeface="Exo"/>
+                <a:ea typeface="Exo"/>
+                <a:cs typeface="Exo"/>
+                <a:sym typeface="Exo"/>
+              </a:defRPr>
+            </a:lvl9pPr>
+          </a:lstStyle>
+          <a:p>
+            <a:pPr algn="l"/>
             <a:r>
-              <a:rPr lang="en-GB" dirty="0"/>
-              <a:t>Project Owner</a:t>
+              <a:rPr lang="en-GB" b="0" i="0" dirty="0">
+                <a:solidFill>
+                  <a:schemeClr val="bg1"/>
+                </a:solidFill>
+                <a:effectLst/>
+                <a:latin typeface="-apple-system"/>
+              </a:rPr>
+              <a:t>Progress of the technical deliverables of our project.</a:t>
             </a:r>
           </a:p>
         </p:txBody>
       </p:sp>
       <p:sp>
         <p:nvSpPr>
-          <p:cNvPr id="3160" name="Google Shape;3160;p44"/>
-          <p:cNvSpPr txBox="1">
-            <a:spLocks noGrp="1"/>
-          </p:cNvSpPr>
-          <p:nvPr>
-            <p:ph type="subTitle" idx="1"/>
-          </p:nvPr>
+          <p:cNvPr id="6" name="Google Shape;3257;p45">
+            <a:extLst>
+              <a:ext uri="{FF2B5EF4-FFF2-40B4-BE49-F238E27FC236}">
+                <a16:creationId xmlns:a16="http://schemas.microsoft.com/office/drawing/2014/main" id="{53EE86BF-D083-4A01-AF81-EB113D5D30FC}"/>
+              </a:ext>
+            </a:extLst>
+          </p:cNvPr>
+          <p:cNvSpPr/>
+          <p:nvPr/>
         </p:nvSpPr>
         <p:spPr>
           <a:xfrm>
-            <a:off x="2250000" y="3340019"/>
-            <a:ext cx="4644000" cy="344400"/>
+            <a:off x="5678793" y="1083964"/>
+            <a:ext cx="3385942" cy="3230198"/>
           </a:xfrm>
-          <a:prstGeom prst="rect">
-            <a:avLst/>
+          <a:prstGeom prst="roundRect">
+            <a:avLst>
+              <a:gd name="adj" fmla="val 18419"/>
+            </a:avLst>
           </a:prstGeom>
-        </p:spPr>
-        <p:txBody>
-          <a:bodyPr spcFirstLastPara="1" wrap="square" lIns="91425" tIns="91425" rIns="91425" bIns="91425" anchor="ctr" anchorCtr="0">
-            <a:noAutofit/>
-          </a:bodyPr>
-          <a:lstStyle/>
-          <a:p>
-            <a:pPr marL="0" lvl="0" indent="0" algn="ctr" rtl="0">
-              <a:spcBef>
-                <a:spcPts val="0"/>
-              </a:spcBef>
-              <a:spcAft>
-                <a:spcPts val="0"/>
-              </a:spcAft>
-              <a:buNone/>
-            </a:pPr>
-            <a:r>
-              <a:rPr lang="en-GB" dirty="0"/>
-              <a:t>Mohamed </a:t>
-            </a:r>
-            <a:r>
-              <a:rPr lang="en-GB" dirty="0" err="1"/>
-              <a:t>Kaizra</a:t>
-            </a:r>
-            <a:endParaRPr dirty="0"/>
-          </a:p>
-        </p:txBody>
-      </p:sp>
-      <p:sp>
-        <p:nvSpPr>
-          <p:cNvPr id="3161" name="Google Shape;3161;p44"/>
-          <p:cNvSpPr txBox="1">
-            <a:spLocks noGrp="1"/>
-          </p:cNvSpPr>
-          <p:nvPr>
-            <p:ph type="title" idx="2"/>
-          </p:nvPr>
-        </p:nvSpPr>
-        <p:spPr>
-          <a:xfrm>
-            <a:off x="864525" y="1484975"/>
-            <a:ext cx="2130300" cy="920700"/>
-          </a:xfrm>
-          <a:prstGeom prst="rect">
-            <a:avLst/>
-          </a:prstGeom>
+          <a:noFill/>
+          <a:ln w="19050" cap="flat" cmpd="sng">
+            <a:solidFill>
+              <a:schemeClr val="accent2"/>
+            </a:solidFill>
+            <a:prstDash val="solid"/>
+            <a:round/>
+            <a:headEnd type="none" w="sm" len="sm"/>
+            <a:tailEnd type="none" w="sm" len="sm"/>
+          </a:ln>
         </p:spPr>
         <p:txBody>
           <a:bodyPr spcFirstLastPara="1" wrap="square" lIns="91425" tIns="91425" rIns="91425" bIns="91425" anchor="ctr" anchorCtr="0">
@@ -55566,3799 +60471,74 @@
               </a:spcAft>
               <a:buNone/>
             </a:pPr>
-            <a:r>
-              <a:rPr lang="en" dirty="0"/>
-              <a:t>04</a:t>
-            </a:r>
-            <a:endParaRPr dirty="0"/>
+            <a:endParaRPr/>
           </a:p>
         </p:txBody>
       </p:sp>
-      <p:grpSp>
-        <p:nvGrpSpPr>
-          <p:cNvPr id="3162" name="Google Shape;3162;p44"/>
-          <p:cNvGrpSpPr/>
+      <p:pic>
+        <p:nvPicPr>
+          <p:cNvPr id="7" name="Picture 6">
+            <a:extLst>
+              <a:ext uri="{FF2B5EF4-FFF2-40B4-BE49-F238E27FC236}">
+                <a16:creationId xmlns:a16="http://schemas.microsoft.com/office/drawing/2014/main" id="{26E74AE1-6CE7-4906-A18F-288DDB96A7B5}"/>
+              </a:ext>
+            </a:extLst>
+          </p:cNvPr>
+          <p:cNvPicPr>
+            <a:picLocks noChangeAspect="1"/>
+          </p:cNvPicPr>
           <p:nvPr/>
-        </p:nvGrpSpPr>
-        <p:grpSpPr>
-          <a:xfrm flipH="1">
-            <a:off x="7672202" y="3605178"/>
-            <a:ext cx="883262" cy="242091"/>
-            <a:chOff x="2300350" y="2601250"/>
-            <a:chExt cx="2275275" cy="623625"/>
+        </p:nvPicPr>
+        <p:blipFill>
+          <a:blip r:embed="rId3"/>
+          <a:stretch>
+            <a:fillRect/>
+          </a:stretch>
+        </p:blipFill>
+        <p:spPr>
+          <a:xfrm>
+            <a:off x="6831474" y="580975"/>
+            <a:ext cx="2054165" cy="465268"/>
           </a:xfrm>
-        </p:grpSpPr>
-        <p:sp>
-          <p:nvSpPr>
-            <p:cNvPr id="3163" name="Google Shape;3163;p44"/>
-            <p:cNvSpPr/>
-            <p:nvPr/>
-          </p:nvSpPr>
-          <p:spPr>
-            <a:xfrm>
-              <a:off x="2300350" y="2601250"/>
-              <a:ext cx="392100" cy="623625"/>
-            </a:xfrm>
-            <a:custGeom>
-              <a:avLst/>
-              <a:gdLst/>
-              <a:ahLst/>
-              <a:cxnLst/>
-              <a:rect l="l" t="t" r="r" b="b"/>
-              <a:pathLst>
-                <a:path w="15684" h="24945" extrusionOk="0">
-                  <a:moveTo>
-                    <a:pt x="12720" y="0"/>
-                  </a:moveTo>
-                  <a:cubicBezTo>
-                    <a:pt x="13337" y="0"/>
-                    <a:pt x="14078" y="247"/>
-                    <a:pt x="14572" y="741"/>
-                  </a:cubicBezTo>
-                  <a:cubicBezTo>
-                    <a:pt x="15684" y="1852"/>
-                    <a:pt x="15684" y="3581"/>
-                    <a:pt x="14572" y="4569"/>
-                  </a:cubicBezTo>
-                  <a:lnTo>
-                    <a:pt x="6792" y="12349"/>
-                  </a:lnTo>
-                  <a:lnTo>
-                    <a:pt x="14572" y="20128"/>
-                  </a:lnTo>
-                  <a:cubicBezTo>
-                    <a:pt x="15684" y="21240"/>
-                    <a:pt x="15684" y="22845"/>
-                    <a:pt x="14572" y="23957"/>
-                  </a:cubicBezTo>
-                  <a:cubicBezTo>
-                    <a:pt x="13584" y="24944"/>
-                    <a:pt x="11855" y="24944"/>
-                    <a:pt x="10744" y="23957"/>
-                  </a:cubicBezTo>
-                  <a:lnTo>
-                    <a:pt x="1112" y="14325"/>
-                  </a:lnTo>
-                  <a:cubicBezTo>
-                    <a:pt x="1" y="13213"/>
-                    <a:pt x="1" y="11484"/>
-                    <a:pt x="1112" y="10496"/>
-                  </a:cubicBezTo>
-                  <a:lnTo>
-                    <a:pt x="10744" y="741"/>
-                  </a:lnTo>
-                  <a:cubicBezTo>
-                    <a:pt x="11361" y="247"/>
-                    <a:pt x="11979" y="0"/>
-                    <a:pt x="12720" y="0"/>
-                  </a:cubicBezTo>
-                  <a:close/>
-                </a:path>
-              </a:pathLst>
-            </a:custGeom>
-            <a:solidFill>
-              <a:schemeClr val="accent2"/>
-            </a:solidFill>
-            <a:ln>
-              <a:noFill/>
-            </a:ln>
-          </p:spPr>
-          <p:txBody>
-            <a:bodyPr spcFirstLastPara="1" wrap="square" lIns="91425" tIns="91425" rIns="91425" bIns="91425" anchor="ctr" anchorCtr="0">
-              <a:noAutofit/>
-            </a:bodyPr>
-            <a:lstStyle/>
-            <a:p>
-              <a:pPr marL="0" lvl="0" indent="0" algn="l" rtl="0">
-                <a:spcBef>
-                  <a:spcPts val="0"/>
-                </a:spcBef>
-                <a:spcAft>
-                  <a:spcPts val="0"/>
-                </a:spcAft>
-                <a:buNone/>
-              </a:pPr>
-              <a:endParaRPr/>
-            </a:p>
-          </p:txBody>
-        </p:sp>
-        <p:sp>
-          <p:nvSpPr>
-            <p:cNvPr id="3164" name="Google Shape;3164;p44"/>
-            <p:cNvSpPr/>
-            <p:nvPr/>
-          </p:nvSpPr>
-          <p:spPr>
-            <a:xfrm>
-              <a:off x="2680075" y="2601250"/>
-              <a:ext cx="389025" cy="623625"/>
-            </a:xfrm>
-            <a:custGeom>
-              <a:avLst/>
-              <a:gdLst/>
-              <a:ahLst/>
-              <a:cxnLst/>
-              <a:rect l="l" t="t" r="r" b="b"/>
-              <a:pathLst>
-                <a:path w="15561" h="24945" extrusionOk="0">
-                  <a:moveTo>
-                    <a:pt x="12596" y="0"/>
-                  </a:moveTo>
-                  <a:cubicBezTo>
-                    <a:pt x="13337" y="0"/>
-                    <a:pt x="13955" y="247"/>
-                    <a:pt x="14449" y="741"/>
-                  </a:cubicBezTo>
-                  <a:cubicBezTo>
-                    <a:pt x="15560" y="1852"/>
-                    <a:pt x="15560" y="3581"/>
-                    <a:pt x="14449" y="4569"/>
-                  </a:cubicBezTo>
-                  <a:lnTo>
-                    <a:pt x="6669" y="12349"/>
-                  </a:lnTo>
-                  <a:lnTo>
-                    <a:pt x="14449" y="20128"/>
-                  </a:lnTo>
-                  <a:cubicBezTo>
-                    <a:pt x="15560" y="21240"/>
-                    <a:pt x="15560" y="22845"/>
-                    <a:pt x="14449" y="23957"/>
-                  </a:cubicBezTo>
-                  <a:cubicBezTo>
-                    <a:pt x="13461" y="24944"/>
-                    <a:pt x="11732" y="24944"/>
-                    <a:pt x="10621" y="23957"/>
-                  </a:cubicBezTo>
-                  <a:lnTo>
-                    <a:pt x="988" y="14325"/>
-                  </a:lnTo>
-                  <a:cubicBezTo>
-                    <a:pt x="1" y="13213"/>
-                    <a:pt x="1" y="11484"/>
-                    <a:pt x="988" y="10496"/>
-                  </a:cubicBezTo>
-                  <a:lnTo>
-                    <a:pt x="10621" y="741"/>
-                  </a:lnTo>
-                  <a:cubicBezTo>
-                    <a:pt x="11238" y="247"/>
-                    <a:pt x="11855" y="0"/>
-                    <a:pt x="12596" y="0"/>
-                  </a:cubicBezTo>
-                  <a:close/>
-                </a:path>
-              </a:pathLst>
-            </a:custGeom>
-            <a:solidFill>
-              <a:schemeClr val="accent2"/>
-            </a:solidFill>
-            <a:ln>
-              <a:noFill/>
-            </a:ln>
-          </p:spPr>
-          <p:txBody>
-            <a:bodyPr spcFirstLastPara="1" wrap="square" lIns="91425" tIns="91425" rIns="91425" bIns="91425" anchor="ctr" anchorCtr="0">
-              <a:noAutofit/>
-            </a:bodyPr>
-            <a:lstStyle/>
-            <a:p>
-              <a:pPr marL="0" lvl="0" indent="0" algn="l" rtl="0">
-                <a:spcBef>
-                  <a:spcPts val="0"/>
-                </a:spcBef>
-                <a:spcAft>
-                  <a:spcPts val="0"/>
-                </a:spcAft>
-                <a:buNone/>
-              </a:pPr>
-              <a:endParaRPr/>
-            </a:p>
-          </p:txBody>
-        </p:sp>
-        <p:sp>
-          <p:nvSpPr>
-            <p:cNvPr id="3165" name="Google Shape;3165;p44"/>
-            <p:cNvSpPr/>
-            <p:nvPr/>
-          </p:nvSpPr>
-          <p:spPr>
-            <a:xfrm>
-              <a:off x="3056725" y="2601250"/>
-              <a:ext cx="389000" cy="623625"/>
-            </a:xfrm>
-            <a:custGeom>
-              <a:avLst/>
-              <a:gdLst/>
-              <a:ahLst/>
-              <a:cxnLst/>
-              <a:rect l="l" t="t" r="r" b="b"/>
-              <a:pathLst>
-                <a:path w="15560" h="24945" extrusionOk="0">
-                  <a:moveTo>
-                    <a:pt x="12596" y="0"/>
-                  </a:moveTo>
-                  <a:cubicBezTo>
-                    <a:pt x="13337" y="0"/>
-                    <a:pt x="13954" y="247"/>
-                    <a:pt x="14448" y="741"/>
-                  </a:cubicBezTo>
-                  <a:cubicBezTo>
-                    <a:pt x="15559" y="1852"/>
-                    <a:pt x="15559" y="3581"/>
-                    <a:pt x="14448" y="4569"/>
-                  </a:cubicBezTo>
-                  <a:lnTo>
-                    <a:pt x="6792" y="12349"/>
-                  </a:lnTo>
-                  <a:lnTo>
-                    <a:pt x="14448" y="20128"/>
-                  </a:lnTo>
-                  <a:cubicBezTo>
-                    <a:pt x="15559" y="21240"/>
-                    <a:pt x="15559" y="22845"/>
-                    <a:pt x="14448" y="23957"/>
-                  </a:cubicBezTo>
-                  <a:cubicBezTo>
-                    <a:pt x="13460" y="24944"/>
-                    <a:pt x="11731" y="24944"/>
-                    <a:pt x="10743" y="23957"/>
-                  </a:cubicBezTo>
-                  <a:lnTo>
-                    <a:pt x="988" y="14325"/>
-                  </a:lnTo>
-                  <a:cubicBezTo>
-                    <a:pt x="0" y="13213"/>
-                    <a:pt x="0" y="11484"/>
-                    <a:pt x="988" y="10496"/>
-                  </a:cubicBezTo>
-                  <a:lnTo>
-                    <a:pt x="10743" y="741"/>
-                  </a:lnTo>
-                  <a:cubicBezTo>
-                    <a:pt x="11237" y="247"/>
-                    <a:pt x="11855" y="0"/>
-                    <a:pt x="12596" y="0"/>
-                  </a:cubicBezTo>
-                  <a:close/>
-                </a:path>
-              </a:pathLst>
-            </a:custGeom>
-            <a:solidFill>
-              <a:schemeClr val="accent2"/>
-            </a:solidFill>
-            <a:ln>
-              <a:noFill/>
-            </a:ln>
-          </p:spPr>
-          <p:txBody>
-            <a:bodyPr spcFirstLastPara="1" wrap="square" lIns="91425" tIns="91425" rIns="91425" bIns="91425" anchor="ctr" anchorCtr="0">
-              <a:noAutofit/>
-            </a:bodyPr>
-            <a:lstStyle/>
-            <a:p>
-              <a:pPr marL="0" lvl="0" indent="0" algn="l" rtl="0">
-                <a:spcBef>
-                  <a:spcPts val="0"/>
-                </a:spcBef>
-                <a:spcAft>
-                  <a:spcPts val="0"/>
-                </a:spcAft>
-                <a:buNone/>
-              </a:pPr>
-              <a:endParaRPr/>
-            </a:p>
-          </p:txBody>
-        </p:sp>
-        <p:sp>
-          <p:nvSpPr>
-            <p:cNvPr id="3166" name="Google Shape;3166;p44"/>
-            <p:cNvSpPr/>
-            <p:nvPr/>
-          </p:nvSpPr>
-          <p:spPr>
-            <a:xfrm>
-              <a:off x="3433350" y="2601250"/>
-              <a:ext cx="389000" cy="623625"/>
-            </a:xfrm>
-            <a:custGeom>
-              <a:avLst/>
-              <a:gdLst/>
-              <a:ahLst/>
-              <a:cxnLst/>
-              <a:rect l="l" t="t" r="r" b="b"/>
-              <a:pathLst>
-                <a:path w="15560" h="24945" extrusionOk="0">
-                  <a:moveTo>
-                    <a:pt x="12596" y="0"/>
-                  </a:moveTo>
-                  <a:cubicBezTo>
-                    <a:pt x="13337" y="0"/>
-                    <a:pt x="13955" y="247"/>
-                    <a:pt x="14572" y="741"/>
-                  </a:cubicBezTo>
-                  <a:cubicBezTo>
-                    <a:pt x="15560" y="1852"/>
-                    <a:pt x="15560" y="3581"/>
-                    <a:pt x="14572" y="4569"/>
-                  </a:cubicBezTo>
-                  <a:lnTo>
-                    <a:pt x="6792" y="12349"/>
-                  </a:lnTo>
-                  <a:lnTo>
-                    <a:pt x="14572" y="20128"/>
-                  </a:lnTo>
-                  <a:cubicBezTo>
-                    <a:pt x="15560" y="21240"/>
-                    <a:pt x="15560" y="22845"/>
-                    <a:pt x="14572" y="23957"/>
-                  </a:cubicBezTo>
-                  <a:cubicBezTo>
-                    <a:pt x="13461" y="24944"/>
-                    <a:pt x="11732" y="24944"/>
-                    <a:pt x="10744" y="23957"/>
-                  </a:cubicBezTo>
-                  <a:lnTo>
-                    <a:pt x="988" y="14325"/>
-                  </a:lnTo>
-                  <a:cubicBezTo>
-                    <a:pt x="1" y="13213"/>
-                    <a:pt x="1" y="11484"/>
-                    <a:pt x="988" y="10496"/>
-                  </a:cubicBezTo>
-                  <a:lnTo>
-                    <a:pt x="10744" y="741"/>
-                  </a:lnTo>
-                  <a:cubicBezTo>
-                    <a:pt x="11238" y="247"/>
-                    <a:pt x="11979" y="0"/>
-                    <a:pt x="12596" y="0"/>
-                  </a:cubicBezTo>
-                  <a:close/>
-                </a:path>
-              </a:pathLst>
-            </a:custGeom>
-            <a:solidFill>
-              <a:schemeClr val="accent2"/>
-            </a:solidFill>
-            <a:ln>
-              <a:noFill/>
-            </a:ln>
-          </p:spPr>
-          <p:txBody>
-            <a:bodyPr spcFirstLastPara="1" wrap="square" lIns="91425" tIns="91425" rIns="91425" bIns="91425" anchor="ctr" anchorCtr="0">
-              <a:noAutofit/>
-            </a:bodyPr>
-            <a:lstStyle/>
-            <a:p>
-              <a:pPr marL="0" lvl="0" indent="0" algn="l" rtl="0">
-                <a:spcBef>
-                  <a:spcPts val="0"/>
-                </a:spcBef>
-                <a:spcAft>
-                  <a:spcPts val="0"/>
-                </a:spcAft>
-                <a:buNone/>
-              </a:pPr>
-              <a:endParaRPr/>
-            </a:p>
-          </p:txBody>
-        </p:sp>
-        <p:sp>
-          <p:nvSpPr>
-            <p:cNvPr id="3167" name="Google Shape;3167;p44"/>
-            <p:cNvSpPr/>
-            <p:nvPr/>
-          </p:nvSpPr>
-          <p:spPr>
-            <a:xfrm>
-              <a:off x="3810000" y="2601250"/>
-              <a:ext cx="389000" cy="623625"/>
-            </a:xfrm>
-            <a:custGeom>
-              <a:avLst/>
-              <a:gdLst/>
-              <a:ahLst/>
-              <a:cxnLst/>
-              <a:rect l="l" t="t" r="r" b="b"/>
-              <a:pathLst>
-                <a:path w="15560" h="24945" extrusionOk="0">
-                  <a:moveTo>
-                    <a:pt x="12596" y="0"/>
-                  </a:moveTo>
-                  <a:cubicBezTo>
-                    <a:pt x="13337" y="0"/>
-                    <a:pt x="13954" y="247"/>
-                    <a:pt x="14572" y="741"/>
-                  </a:cubicBezTo>
-                  <a:cubicBezTo>
-                    <a:pt x="15559" y="1852"/>
-                    <a:pt x="15559" y="3581"/>
-                    <a:pt x="14572" y="4569"/>
-                  </a:cubicBezTo>
-                  <a:lnTo>
-                    <a:pt x="6792" y="12349"/>
-                  </a:lnTo>
-                  <a:lnTo>
-                    <a:pt x="14572" y="20128"/>
-                  </a:lnTo>
-                  <a:cubicBezTo>
-                    <a:pt x="15559" y="21240"/>
-                    <a:pt x="15559" y="22845"/>
-                    <a:pt x="14572" y="23957"/>
-                  </a:cubicBezTo>
-                  <a:cubicBezTo>
-                    <a:pt x="13460" y="24944"/>
-                    <a:pt x="11731" y="24944"/>
-                    <a:pt x="10743" y="23957"/>
-                  </a:cubicBezTo>
-                  <a:lnTo>
-                    <a:pt x="988" y="14325"/>
-                  </a:lnTo>
-                  <a:cubicBezTo>
-                    <a:pt x="0" y="13213"/>
-                    <a:pt x="0" y="11484"/>
-                    <a:pt x="988" y="10496"/>
-                  </a:cubicBezTo>
-                  <a:lnTo>
-                    <a:pt x="10743" y="741"/>
-                  </a:lnTo>
-                  <a:cubicBezTo>
-                    <a:pt x="11237" y="247"/>
-                    <a:pt x="11978" y="0"/>
-                    <a:pt x="12596" y="0"/>
-                  </a:cubicBezTo>
-                  <a:close/>
-                </a:path>
-              </a:pathLst>
-            </a:custGeom>
-            <a:solidFill>
-              <a:schemeClr val="accent2"/>
-            </a:solidFill>
-            <a:ln>
-              <a:noFill/>
-            </a:ln>
-          </p:spPr>
-          <p:txBody>
-            <a:bodyPr spcFirstLastPara="1" wrap="square" lIns="91425" tIns="91425" rIns="91425" bIns="91425" anchor="ctr" anchorCtr="0">
-              <a:noAutofit/>
-            </a:bodyPr>
-            <a:lstStyle/>
-            <a:p>
-              <a:pPr marL="0" lvl="0" indent="0" algn="l" rtl="0">
-                <a:spcBef>
-                  <a:spcPts val="0"/>
-                </a:spcBef>
-                <a:spcAft>
-                  <a:spcPts val="0"/>
-                </a:spcAft>
-                <a:buNone/>
-              </a:pPr>
-              <a:endParaRPr/>
-            </a:p>
-          </p:txBody>
-        </p:sp>
-        <p:sp>
-          <p:nvSpPr>
-            <p:cNvPr id="3168" name="Google Shape;3168;p44"/>
-            <p:cNvSpPr/>
-            <p:nvPr/>
-          </p:nvSpPr>
-          <p:spPr>
-            <a:xfrm>
-              <a:off x="4186625" y="2601250"/>
-              <a:ext cx="389000" cy="623625"/>
-            </a:xfrm>
-            <a:custGeom>
-              <a:avLst/>
-              <a:gdLst/>
-              <a:ahLst/>
-              <a:cxnLst/>
-              <a:rect l="l" t="t" r="r" b="b"/>
-              <a:pathLst>
-                <a:path w="15560" h="24945" extrusionOk="0">
-                  <a:moveTo>
-                    <a:pt x="12596" y="0"/>
-                  </a:moveTo>
-                  <a:cubicBezTo>
-                    <a:pt x="13337" y="0"/>
-                    <a:pt x="13955" y="247"/>
-                    <a:pt x="14572" y="741"/>
-                  </a:cubicBezTo>
-                  <a:cubicBezTo>
-                    <a:pt x="15560" y="1852"/>
-                    <a:pt x="15560" y="3581"/>
-                    <a:pt x="14572" y="4569"/>
-                  </a:cubicBezTo>
-                  <a:lnTo>
-                    <a:pt x="6792" y="12349"/>
-                  </a:lnTo>
-                  <a:lnTo>
-                    <a:pt x="14572" y="20128"/>
-                  </a:lnTo>
-                  <a:cubicBezTo>
-                    <a:pt x="15560" y="21240"/>
-                    <a:pt x="15560" y="22845"/>
-                    <a:pt x="14572" y="23957"/>
-                  </a:cubicBezTo>
-                  <a:cubicBezTo>
-                    <a:pt x="13461" y="24944"/>
-                    <a:pt x="11732" y="24944"/>
-                    <a:pt x="10744" y="23957"/>
-                  </a:cubicBezTo>
-                  <a:lnTo>
-                    <a:pt x="988" y="14325"/>
-                  </a:lnTo>
-                  <a:cubicBezTo>
-                    <a:pt x="0" y="13213"/>
-                    <a:pt x="0" y="11484"/>
-                    <a:pt x="988" y="10496"/>
-                  </a:cubicBezTo>
-                  <a:lnTo>
-                    <a:pt x="10744" y="741"/>
-                  </a:lnTo>
-                  <a:cubicBezTo>
-                    <a:pt x="11238" y="247"/>
-                    <a:pt x="11979" y="0"/>
-                    <a:pt x="12596" y="0"/>
-                  </a:cubicBezTo>
-                  <a:close/>
-                </a:path>
-              </a:pathLst>
-            </a:custGeom>
-            <a:solidFill>
-              <a:schemeClr val="accent2"/>
-            </a:solidFill>
-            <a:ln>
-              <a:noFill/>
-            </a:ln>
-          </p:spPr>
-          <p:txBody>
-            <a:bodyPr spcFirstLastPara="1" wrap="square" lIns="91425" tIns="91425" rIns="91425" bIns="91425" anchor="ctr" anchorCtr="0">
-              <a:noAutofit/>
-            </a:bodyPr>
-            <a:lstStyle/>
-            <a:p>
-              <a:pPr marL="0" lvl="0" indent="0" algn="l" rtl="0">
-                <a:spcBef>
-                  <a:spcPts val="0"/>
-                </a:spcBef>
-                <a:spcAft>
-                  <a:spcPts val="0"/>
-                </a:spcAft>
-                <a:buNone/>
-              </a:pPr>
-              <a:endParaRPr/>
-            </a:p>
-          </p:txBody>
-        </p:sp>
-      </p:grpSp>
-      <p:grpSp>
-        <p:nvGrpSpPr>
-          <p:cNvPr id="3169" name="Google Shape;3169;p44"/>
-          <p:cNvGrpSpPr/>
+          <a:prstGeom prst="rect">
+            <a:avLst/>
+          </a:prstGeom>
+        </p:spPr>
+      </p:pic>
+      <p:pic>
+        <p:nvPicPr>
+          <p:cNvPr id="8" name="Picture 7">
+            <a:extLst>
+              <a:ext uri="{FF2B5EF4-FFF2-40B4-BE49-F238E27FC236}">
+                <a16:creationId xmlns:a16="http://schemas.microsoft.com/office/drawing/2014/main" id="{B4DCF85B-E18B-4BA3-B03E-890F8A63914B}"/>
+              </a:ext>
+            </a:extLst>
+          </p:cNvPr>
+          <p:cNvPicPr>
+            <a:picLocks noChangeAspect="1"/>
+          </p:cNvPicPr>
           <p:nvPr/>
-        </p:nvGrpSpPr>
-        <p:grpSpPr>
-          <a:xfrm rot="5400000">
-            <a:off x="2935200" y="4005125"/>
-            <a:ext cx="98902" cy="553090"/>
-            <a:chOff x="4898850" y="4820550"/>
-            <a:chExt cx="98902" cy="553090"/>
+        </p:nvPicPr>
+        <p:blipFill>
+          <a:blip r:embed="rId4"/>
+          <a:stretch>
+            <a:fillRect/>
+          </a:stretch>
+        </p:blipFill>
+        <p:spPr>
+          <a:xfrm>
+            <a:off x="788850" y="1178350"/>
+            <a:ext cx="4765816" cy="3352407"/>
           </a:xfrm>
-        </p:grpSpPr>
-        <p:sp>
-          <p:nvSpPr>
-            <p:cNvPr id="3170" name="Google Shape;3170;p44"/>
-            <p:cNvSpPr/>
-            <p:nvPr/>
-          </p:nvSpPr>
-          <p:spPr>
-            <a:xfrm>
-              <a:off x="4898850" y="4820550"/>
-              <a:ext cx="98902" cy="98902"/>
-            </a:xfrm>
-            <a:custGeom>
-              <a:avLst/>
-              <a:gdLst/>
-              <a:ahLst/>
-              <a:cxnLst/>
-              <a:rect l="l" t="t" r="r" b="b"/>
-              <a:pathLst>
-                <a:path w="3174" h="3174" fill="none" extrusionOk="0">
-                  <a:moveTo>
-                    <a:pt x="1810" y="124"/>
-                  </a:moveTo>
-                  <a:cubicBezTo>
-                    <a:pt x="2603" y="248"/>
-                    <a:pt x="3173" y="1017"/>
-                    <a:pt x="3024" y="1810"/>
-                  </a:cubicBezTo>
-                  <a:cubicBezTo>
-                    <a:pt x="2900" y="2603"/>
-                    <a:pt x="2157" y="3173"/>
-                    <a:pt x="1339" y="3025"/>
-                  </a:cubicBezTo>
-                  <a:cubicBezTo>
-                    <a:pt x="545" y="2901"/>
-                    <a:pt x="0" y="2157"/>
-                    <a:pt x="124" y="1339"/>
-                  </a:cubicBezTo>
-                  <a:cubicBezTo>
-                    <a:pt x="248" y="546"/>
-                    <a:pt x="992" y="0"/>
-                    <a:pt x="1810" y="124"/>
-                  </a:cubicBezTo>
-                  <a:close/>
-                </a:path>
-              </a:pathLst>
-            </a:custGeom>
-            <a:noFill/>
-            <a:ln w="19050" cap="rnd" cmpd="sng">
-              <a:solidFill>
-                <a:schemeClr val="accent3"/>
-              </a:solidFill>
-              <a:prstDash val="solid"/>
-              <a:round/>
-              <a:headEnd type="none" w="sm" len="sm"/>
-              <a:tailEnd type="none" w="sm" len="sm"/>
-            </a:ln>
-          </p:spPr>
-          <p:txBody>
-            <a:bodyPr spcFirstLastPara="1" wrap="square" lIns="91425" tIns="91425" rIns="91425" bIns="91425" anchor="ctr" anchorCtr="0">
-              <a:noAutofit/>
-            </a:bodyPr>
-            <a:lstStyle/>
-            <a:p>
-              <a:pPr marL="0" lvl="0" indent="0" algn="l" rtl="0">
-                <a:spcBef>
-                  <a:spcPts val="0"/>
-                </a:spcBef>
-                <a:spcAft>
-                  <a:spcPts val="0"/>
-                </a:spcAft>
-                <a:buNone/>
-              </a:pPr>
-              <a:endParaRPr/>
-            </a:p>
-          </p:txBody>
-        </p:sp>
-        <p:sp>
-          <p:nvSpPr>
-            <p:cNvPr id="3171" name="Google Shape;3171;p44"/>
-            <p:cNvSpPr/>
-            <p:nvPr/>
-          </p:nvSpPr>
-          <p:spPr>
-            <a:xfrm>
-              <a:off x="4924339" y="4847971"/>
-              <a:ext cx="46366" cy="43094"/>
-            </a:xfrm>
-            <a:custGeom>
-              <a:avLst/>
-              <a:gdLst/>
-              <a:ahLst/>
-              <a:cxnLst/>
-              <a:rect l="l" t="t" r="r" b="b"/>
-              <a:pathLst>
-                <a:path w="1488" h="1383" extrusionOk="0">
-                  <a:moveTo>
-                    <a:pt x="744" y="1"/>
-                  </a:moveTo>
-                  <a:cubicBezTo>
-                    <a:pt x="417" y="1"/>
-                    <a:pt x="119" y="253"/>
-                    <a:pt x="74" y="583"/>
-                  </a:cubicBezTo>
-                  <a:cubicBezTo>
-                    <a:pt x="0" y="955"/>
-                    <a:pt x="273" y="1327"/>
-                    <a:pt x="645" y="1376"/>
-                  </a:cubicBezTo>
-                  <a:cubicBezTo>
-                    <a:pt x="676" y="1380"/>
-                    <a:pt x="708" y="1383"/>
-                    <a:pt x="739" y="1383"/>
-                  </a:cubicBezTo>
-                  <a:cubicBezTo>
-                    <a:pt x="1074" y="1383"/>
-                    <a:pt x="1370" y="1146"/>
-                    <a:pt x="1438" y="806"/>
-                  </a:cubicBezTo>
-                  <a:cubicBezTo>
-                    <a:pt x="1487" y="434"/>
-                    <a:pt x="1240" y="62"/>
-                    <a:pt x="868" y="13"/>
-                  </a:cubicBezTo>
-                  <a:cubicBezTo>
-                    <a:pt x="826" y="4"/>
-                    <a:pt x="785" y="1"/>
-                    <a:pt x="744" y="1"/>
-                  </a:cubicBezTo>
-                  <a:close/>
-                </a:path>
-              </a:pathLst>
-            </a:custGeom>
-            <a:solidFill>
-              <a:schemeClr val="accent3"/>
-            </a:solidFill>
-            <a:ln>
-              <a:noFill/>
-            </a:ln>
-          </p:spPr>
-          <p:txBody>
-            <a:bodyPr spcFirstLastPara="1" wrap="square" lIns="91425" tIns="91425" rIns="91425" bIns="91425" anchor="ctr" anchorCtr="0">
-              <a:noAutofit/>
-            </a:bodyPr>
-            <a:lstStyle/>
-            <a:p>
-              <a:pPr marL="0" lvl="0" indent="0" algn="l" rtl="0">
-                <a:spcBef>
-                  <a:spcPts val="0"/>
-                </a:spcBef>
-                <a:spcAft>
-                  <a:spcPts val="0"/>
-                </a:spcAft>
-                <a:buNone/>
-              </a:pPr>
-              <a:endParaRPr/>
-            </a:p>
-          </p:txBody>
-        </p:sp>
-        <p:sp>
-          <p:nvSpPr>
-            <p:cNvPr id="3172" name="Google Shape;3172;p44"/>
-            <p:cNvSpPr/>
-            <p:nvPr/>
-          </p:nvSpPr>
-          <p:spPr>
-            <a:xfrm>
-              <a:off x="4901935" y="5281687"/>
-              <a:ext cx="91953" cy="91953"/>
-            </a:xfrm>
-            <a:custGeom>
-              <a:avLst/>
-              <a:gdLst/>
-              <a:ahLst/>
-              <a:cxnLst/>
-              <a:rect l="l" t="t" r="r" b="b"/>
-              <a:pathLst>
-                <a:path w="2951" h="2951" fill="none" extrusionOk="0">
-                  <a:moveTo>
-                    <a:pt x="1463" y="2951"/>
-                  </a:moveTo>
-                  <a:cubicBezTo>
-                    <a:pt x="645" y="2951"/>
-                    <a:pt x="0" y="2306"/>
-                    <a:pt x="0" y="1488"/>
-                  </a:cubicBezTo>
-                  <a:cubicBezTo>
-                    <a:pt x="0" y="670"/>
-                    <a:pt x="645" y="1"/>
-                    <a:pt x="1463" y="1"/>
-                  </a:cubicBezTo>
-                  <a:cubicBezTo>
-                    <a:pt x="2281" y="1"/>
-                    <a:pt x="2950" y="670"/>
-                    <a:pt x="2950" y="1488"/>
-                  </a:cubicBezTo>
-                  <a:cubicBezTo>
-                    <a:pt x="2950" y="2306"/>
-                    <a:pt x="2281" y="2951"/>
-                    <a:pt x="1463" y="2951"/>
-                  </a:cubicBezTo>
-                  <a:close/>
-                </a:path>
-              </a:pathLst>
-            </a:custGeom>
-            <a:noFill/>
-            <a:ln w="19050" cap="rnd" cmpd="sng">
-              <a:solidFill>
-                <a:schemeClr val="accent3"/>
-              </a:solidFill>
-              <a:prstDash val="solid"/>
-              <a:round/>
-              <a:headEnd type="none" w="sm" len="sm"/>
-              <a:tailEnd type="none" w="sm" len="sm"/>
-            </a:ln>
-          </p:spPr>
-          <p:txBody>
-            <a:bodyPr spcFirstLastPara="1" wrap="square" lIns="91425" tIns="91425" rIns="91425" bIns="91425" anchor="ctr" anchorCtr="0">
-              <a:noAutofit/>
-            </a:bodyPr>
-            <a:lstStyle/>
-            <a:p>
-              <a:pPr marL="0" lvl="0" indent="0" algn="l" rtl="0">
-                <a:spcBef>
-                  <a:spcPts val="0"/>
-                </a:spcBef>
-                <a:spcAft>
-                  <a:spcPts val="0"/>
-                </a:spcAft>
-                <a:buNone/>
-              </a:pPr>
-              <a:endParaRPr/>
-            </a:p>
-          </p:txBody>
-        </p:sp>
-        <p:sp>
-          <p:nvSpPr>
-            <p:cNvPr id="3173" name="Google Shape;3173;p44"/>
-            <p:cNvSpPr/>
-            <p:nvPr/>
-          </p:nvSpPr>
-          <p:spPr>
-            <a:xfrm>
-              <a:off x="4925866" y="5306428"/>
-              <a:ext cx="43281" cy="43281"/>
-            </a:xfrm>
-            <a:custGeom>
-              <a:avLst/>
-              <a:gdLst/>
-              <a:ahLst/>
-              <a:cxnLst/>
-              <a:rect l="l" t="t" r="r" b="b"/>
-              <a:pathLst>
-                <a:path w="1389" h="1389" extrusionOk="0">
-                  <a:moveTo>
-                    <a:pt x="695" y="0"/>
-                  </a:moveTo>
-                  <a:cubicBezTo>
-                    <a:pt x="323" y="0"/>
-                    <a:pt x="1" y="297"/>
-                    <a:pt x="1" y="694"/>
-                  </a:cubicBezTo>
-                  <a:cubicBezTo>
-                    <a:pt x="1" y="1066"/>
-                    <a:pt x="323" y="1388"/>
-                    <a:pt x="695" y="1388"/>
-                  </a:cubicBezTo>
-                  <a:cubicBezTo>
-                    <a:pt x="1091" y="1388"/>
-                    <a:pt x="1389" y="1066"/>
-                    <a:pt x="1389" y="694"/>
-                  </a:cubicBezTo>
-                  <a:cubicBezTo>
-                    <a:pt x="1389" y="297"/>
-                    <a:pt x="1091" y="0"/>
-                    <a:pt x="695" y="0"/>
-                  </a:cubicBezTo>
-                  <a:close/>
-                </a:path>
-              </a:pathLst>
-            </a:custGeom>
-            <a:solidFill>
-              <a:schemeClr val="accent3"/>
-            </a:solidFill>
-            <a:ln>
-              <a:noFill/>
-            </a:ln>
-          </p:spPr>
-          <p:txBody>
-            <a:bodyPr spcFirstLastPara="1" wrap="square" lIns="91425" tIns="91425" rIns="91425" bIns="91425" anchor="ctr" anchorCtr="0">
-              <a:noAutofit/>
-            </a:bodyPr>
-            <a:lstStyle/>
-            <a:p>
-              <a:pPr marL="0" lvl="0" indent="0" algn="l" rtl="0">
-                <a:spcBef>
-                  <a:spcPts val="0"/>
-                </a:spcBef>
-                <a:spcAft>
-                  <a:spcPts val="0"/>
-                </a:spcAft>
-                <a:buNone/>
-              </a:pPr>
-              <a:endParaRPr/>
-            </a:p>
-          </p:txBody>
-        </p:sp>
-        <p:sp>
-          <p:nvSpPr>
-            <p:cNvPr id="3174" name="Google Shape;3174;p44"/>
-            <p:cNvSpPr/>
-            <p:nvPr/>
-          </p:nvSpPr>
-          <p:spPr>
-            <a:xfrm>
-              <a:off x="4942100" y="4917862"/>
-              <a:ext cx="31" cy="358465"/>
-            </a:xfrm>
-            <a:custGeom>
-              <a:avLst/>
-              <a:gdLst/>
-              <a:ahLst/>
-              <a:cxnLst/>
-              <a:rect l="l" t="t" r="r" b="b"/>
-              <a:pathLst>
-                <a:path w="1" h="11504" fill="none" extrusionOk="0">
-                  <a:moveTo>
-                    <a:pt x="0" y="11503"/>
-                  </a:moveTo>
-                  <a:lnTo>
-                    <a:pt x="0" y="1"/>
-                  </a:lnTo>
-                </a:path>
-              </a:pathLst>
-            </a:custGeom>
-            <a:noFill/>
-            <a:ln w="19050" cap="rnd" cmpd="sng">
-              <a:solidFill>
-                <a:schemeClr val="accent3"/>
-              </a:solidFill>
-              <a:prstDash val="solid"/>
-              <a:round/>
-              <a:headEnd type="none" w="sm" len="sm"/>
-              <a:tailEnd type="none" w="sm" len="sm"/>
-            </a:ln>
-          </p:spPr>
-          <p:txBody>
-            <a:bodyPr spcFirstLastPara="1" wrap="square" lIns="91425" tIns="91425" rIns="91425" bIns="91425" anchor="ctr" anchorCtr="0">
-              <a:noAutofit/>
-            </a:bodyPr>
-            <a:lstStyle/>
-            <a:p>
-              <a:pPr marL="0" lvl="0" indent="0" algn="l" rtl="0">
-                <a:spcBef>
-                  <a:spcPts val="0"/>
-                </a:spcBef>
-                <a:spcAft>
-                  <a:spcPts val="0"/>
-                </a:spcAft>
-                <a:buNone/>
-              </a:pPr>
-              <a:endParaRPr/>
-            </a:p>
-          </p:txBody>
-        </p:sp>
-      </p:grpSp>
-      <p:grpSp>
-        <p:nvGrpSpPr>
-          <p:cNvPr id="3175" name="Google Shape;3175;p44"/>
-          <p:cNvGrpSpPr/>
-          <p:nvPr/>
-        </p:nvGrpSpPr>
-        <p:grpSpPr>
-          <a:xfrm>
-            <a:off x="5776817" y="1332566"/>
-            <a:ext cx="1105976" cy="133969"/>
-            <a:chOff x="8183182" y="663852"/>
-            <a:chExt cx="1475028" cy="178673"/>
-          </a:xfrm>
-        </p:grpSpPr>
-        <p:grpSp>
-          <p:nvGrpSpPr>
-            <p:cNvPr id="3176" name="Google Shape;3176;p44"/>
-            <p:cNvGrpSpPr/>
-            <p:nvPr/>
-          </p:nvGrpSpPr>
-          <p:grpSpPr>
-            <a:xfrm>
-              <a:off x="8183182" y="774425"/>
-              <a:ext cx="1178025" cy="68100"/>
-              <a:chOff x="2024450" y="204150"/>
-              <a:chExt cx="1178025" cy="68100"/>
-            </a:xfrm>
-          </p:grpSpPr>
-          <p:sp>
-            <p:nvSpPr>
-              <p:cNvPr id="3177" name="Google Shape;3177;p44"/>
-              <p:cNvSpPr/>
-              <p:nvPr/>
-            </p:nvSpPr>
-            <p:spPr>
-              <a:xfrm>
-                <a:off x="2024450" y="204150"/>
-                <a:ext cx="68100" cy="68100"/>
-              </a:xfrm>
-              <a:prstGeom prst="ellipse">
-                <a:avLst/>
-              </a:prstGeom>
-              <a:solidFill>
-                <a:schemeClr val="accent2"/>
-              </a:solidFill>
-              <a:ln>
-                <a:noFill/>
-              </a:ln>
-            </p:spPr>
-            <p:txBody>
-              <a:bodyPr spcFirstLastPara="1" wrap="square" lIns="91425" tIns="91425" rIns="91425" bIns="91425" anchor="ctr" anchorCtr="0">
-                <a:noAutofit/>
-              </a:bodyPr>
-              <a:lstStyle/>
-              <a:p>
-                <a:pPr marL="0" lvl="0" indent="0" algn="l" rtl="0">
-                  <a:spcBef>
-                    <a:spcPts val="0"/>
-                  </a:spcBef>
-                  <a:spcAft>
-                    <a:spcPts val="0"/>
-                  </a:spcAft>
-                  <a:buNone/>
-                </a:pPr>
-                <a:endParaRPr/>
-              </a:p>
-            </p:txBody>
-          </p:sp>
-          <p:sp>
-            <p:nvSpPr>
-              <p:cNvPr id="3178" name="Google Shape;3178;p44"/>
-              <p:cNvSpPr/>
-              <p:nvPr/>
-            </p:nvSpPr>
-            <p:spPr>
-              <a:xfrm>
-                <a:off x="2147775" y="204150"/>
-                <a:ext cx="68100" cy="68100"/>
-              </a:xfrm>
-              <a:prstGeom prst="ellipse">
-                <a:avLst/>
-              </a:prstGeom>
-              <a:solidFill>
-                <a:schemeClr val="accent2"/>
-              </a:solidFill>
-              <a:ln>
-                <a:noFill/>
-              </a:ln>
-            </p:spPr>
-            <p:txBody>
-              <a:bodyPr spcFirstLastPara="1" wrap="square" lIns="91425" tIns="91425" rIns="91425" bIns="91425" anchor="ctr" anchorCtr="0">
-                <a:noAutofit/>
-              </a:bodyPr>
-              <a:lstStyle/>
-              <a:p>
-                <a:pPr marL="0" lvl="0" indent="0" algn="l" rtl="0">
-                  <a:spcBef>
-                    <a:spcPts val="0"/>
-                  </a:spcBef>
-                  <a:spcAft>
-                    <a:spcPts val="0"/>
-                  </a:spcAft>
-                  <a:buNone/>
-                </a:pPr>
-                <a:endParaRPr/>
-              </a:p>
-            </p:txBody>
-          </p:sp>
-          <p:sp>
-            <p:nvSpPr>
-              <p:cNvPr id="3179" name="Google Shape;3179;p44"/>
-              <p:cNvSpPr/>
-              <p:nvPr/>
-            </p:nvSpPr>
-            <p:spPr>
-              <a:xfrm>
-                <a:off x="2271100" y="204150"/>
-                <a:ext cx="68100" cy="68100"/>
-              </a:xfrm>
-              <a:prstGeom prst="ellipse">
-                <a:avLst/>
-              </a:prstGeom>
-              <a:solidFill>
-                <a:schemeClr val="accent2"/>
-              </a:solidFill>
-              <a:ln>
-                <a:noFill/>
-              </a:ln>
-            </p:spPr>
-            <p:txBody>
-              <a:bodyPr spcFirstLastPara="1" wrap="square" lIns="91425" tIns="91425" rIns="91425" bIns="91425" anchor="ctr" anchorCtr="0">
-                <a:noAutofit/>
-              </a:bodyPr>
-              <a:lstStyle/>
-              <a:p>
-                <a:pPr marL="0" lvl="0" indent="0" algn="l" rtl="0">
-                  <a:spcBef>
-                    <a:spcPts val="0"/>
-                  </a:spcBef>
-                  <a:spcAft>
-                    <a:spcPts val="0"/>
-                  </a:spcAft>
-                  <a:buNone/>
-                </a:pPr>
-                <a:endParaRPr/>
-              </a:p>
-            </p:txBody>
-          </p:sp>
-          <p:sp>
-            <p:nvSpPr>
-              <p:cNvPr id="3180" name="Google Shape;3180;p44"/>
-              <p:cNvSpPr/>
-              <p:nvPr/>
-            </p:nvSpPr>
-            <p:spPr>
-              <a:xfrm>
-                <a:off x="2394425" y="204150"/>
-                <a:ext cx="68100" cy="68100"/>
-              </a:xfrm>
-              <a:prstGeom prst="ellipse">
-                <a:avLst/>
-              </a:prstGeom>
-              <a:solidFill>
-                <a:schemeClr val="accent2"/>
-              </a:solidFill>
-              <a:ln>
-                <a:noFill/>
-              </a:ln>
-            </p:spPr>
-            <p:txBody>
-              <a:bodyPr spcFirstLastPara="1" wrap="square" lIns="91425" tIns="91425" rIns="91425" bIns="91425" anchor="ctr" anchorCtr="0">
-                <a:noAutofit/>
-              </a:bodyPr>
-              <a:lstStyle/>
-              <a:p>
-                <a:pPr marL="0" lvl="0" indent="0" algn="l" rtl="0">
-                  <a:spcBef>
-                    <a:spcPts val="0"/>
-                  </a:spcBef>
-                  <a:spcAft>
-                    <a:spcPts val="0"/>
-                  </a:spcAft>
-                  <a:buNone/>
-                </a:pPr>
-                <a:endParaRPr/>
-              </a:p>
-            </p:txBody>
-          </p:sp>
-          <p:sp>
-            <p:nvSpPr>
-              <p:cNvPr id="3181" name="Google Shape;3181;p44"/>
-              <p:cNvSpPr/>
-              <p:nvPr/>
-            </p:nvSpPr>
-            <p:spPr>
-              <a:xfrm>
-                <a:off x="2517750" y="204150"/>
-                <a:ext cx="68100" cy="68100"/>
-              </a:xfrm>
-              <a:prstGeom prst="ellipse">
-                <a:avLst/>
-              </a:prstGeom>
-              <a:solidFill>
-                <a:schemeClr val="accent2"/>
-              </a:solidFill>
-              <a:ln>
-                <a:noFill/>
-              </a:ln>
-            </p:spPr>
-            <p:txBody>
-              <a:bodyPr spcFirstLastPara="1" wrap="square" lIns="91425" tIns="91425" rIns="91425" bIns="91425" anchor="ctr" anchorCtr="0">
-                <a:noAutofit/>
-              </a:bodyPr>
-              <a:lstStyle/>
-              <a:p>
-                <a:pPr marL="0" lvl="0" indent="0" algn="l" rtl="0">
-                  <a:spcBef>
-                    <a:spcPts val="0"/>
-                  </a:spcBef>
-                  <a:spcAft>
-                    <a:spcPts val="0"/>
-                  </a:spcAft>
-                  <a:buNone/>
-                </a:pPr>
-                <a:endParaRPr/>
-              </a:p>
-            </p:txBody>
-          </p:sp>
-          <p:sp>
-            <p:nvSpPr>
-              <p:cNvPr id="3182" name="Google Shape;3182;p44"/>
-              <p:cNvSpPr/>
-              <p:nvPr/>
-            </p:nvSpPr>
-            <p:spPr>
-              <a:xfrm>
-                <a:off x="2641075" y="204150"/>
-                <a:ext cx="68100" cy="68100"/>
-              </a:xfrm>
-              <a:prstGeom prst="ellipse">
-                <a:avLst/>
-              </a:prstGeom>
-              <a:solidFill>
-                <a:schemeClr val="accent2"/>
-              </a:solidFill>
-              <a:ln>
-                <a:noFill/>
-              </a:ln>
-            </p:spPr>
-            <p:txBody>
-              <a:bodyPr spcFirstLastPara="1" wrap="square" lIns="91425" tIns="91425" rIns="91425" bIns="91425" anchor="ctr" anchorCtr="0">
-                <a:noAutofit/>
-              </a:bodyPr>
-              <a:lstStyle/>
-              <a:p>
-                <a:pPr marL="0" lvl="0" indent="0" algn="l" rtl="0">
-                  <a:spcBef>
-                    <a:spcPts val="0"/>
-                  </a:spcBef>
-                  <a:spcAft>
-                    <a:spcPts val="0"/>
-                  </a:spcAft>
-                  <a:buNone/>
-                </a:pPr>
-                <a:endParaRPr/>
-              </a:p>
-            </p:txBody>
-          </p:sp>
-          <p:sp>
-            <p:nvSpPr>
-              <p:cNvPr id="3183" name="Google Shape;3183;p44"/>
-              <p:cNvSpPr/>
-              <p:nvPr/>
-            </p:nvSpPr>
-            <p:spPr>
-              <a:xfrm>
-                <a:off x="2764400" y="204150"/>
-                <a:ext cx="68100" cy="68100"/>
-              </a:xfrm>
-              <a:prstGeom prst="ellipse">
-                <a:avLst/>
-              </a:prstGeom>
-              <a:solidFill>
-                <a:schemeClr val="accent2"/>
-              </a:solidFill>
-              <a:ln>
-                <a:noFill/>
-              </a:ln>
-            </p:spPr>
-            <p:txBody>
-              <a:bodyPr spcFirstLastPara="1" wrap="square" lIns="91425" tIns="91425" rIns="91425" bIns="91425" anchor="ctr" anchorCtr="0">
-                <a:noAutofit/>
-              </a:bodyPr>
-              <a:lstStyle/>
-              <a:p>
-                <a:pPr marL="0" lvl="0" indent="0" algn="l" rtl="0">
-                  <a:spcBef>
-                    <a:spcPts val="0"/>
-                  </a:spcBef>
-                  <a:spcAft>
-                    <a:spcPts val="0"/>
-                  </a:spcAft>
-                  <a:buNone/>
-                </a:pPr>
-                <a:endParaRPr/>
-              </a:p>
-            </p:txBody>
-          </p:sp>
-          <p:sp>
-            <p:nvSpPr>
-              <p:cNvPr id="3184" name="Google Shape;3184;p44"/>
-              <p:cNvSpPr/>
-              <p:nvPr/>
-            </p:nvSpPr>
-            <p:spPr>
-              <a:xfrm>
-                <a:off x="2887725" y="204150"/>
-                <a:ext cx="68100" cy="68100"/>
-              </a:xfrm>
-              <a:prstGeom prst="ellipse">
-                <a:avLst/>
-              </a:prstGeom>
-              <a:solidFill>
-                <a:schemeClr val="accent2"/>
-              </a:solidFill>
-              <a:ln>
-                <a:noFill/>
-              </a:ln>
-            </p:spPr>
-            <p:txBody>
-              <a:bodyPr spcFirstLastPara="1" wrap="square" lIns="91425" tIns="91425" rIns="91425" bIns="91425" anchor="ctr" anchorCtr="0">
-                <a:noAutofit/>
-              </a:bodyPr>
-              <a:lstStyle/>
-              <a:p>
-                <a:pPr marL="0" lvl="0" indent="0" algn="l" rtl="0">
-                  <a:spcBef>
-                    <a:spcPts val="0"/>
-                  </a:spcBef>
-                  <a:spcAft>
-                    <a:spcPts val="0"/>
-                  </a:spcAft>
-                  <a:buNone/>
-                </a:pPr>
-                <a:endParaRPr/>
-              </a:p>
-            </p:txBody>
-          </p:sp>
-          <p:sp>
-            <p:nvSpPr>
-              <p:cNvPr id="3185" name="Google Shape;3185;p44"/>
-              <p:cNvSpPr/>
-              <p:nvPr/>
-            </p:nvSpPr>
-            <p:spPr>
-              <a:xfrm>
-                <a:off x="3011050" y="204150"/>
-                <a:ext cx="68100" cy="68100"/>
-              </a:xfrm>
-              <a:prstGeom prst="ellipse">
-                <a:avLst/>
-              </a:prstGeom>
-              <a:solidFill>
-                <a:schemeClr val="accent2"/>
-              </a:solidFill>
-              <a:ln>
-                <a:noFill/>
-              </a:ln>
-            </p:spPr>
-            <p:txBody>
-              <a:bodyPr spcFirstLastPara="1" wrap="square" lIns="91425" tIns="91425" rIns="91425" bIns="91425" anchor="ctr" anchorCtr="0">
-                <a:noAutofit/>
-              </a:bodyPr>
-              <a:lstStyle/>
-              <a:p>
-                <a:pPr marL="0" lvl="0" indent="0" algn="l" rtl="0">
-                  <a:spcBef>
-                    <a:spcPts val="0"/>
-                  </a:spcBef>
-                  <a:spcAft>
-                    <a:spcPts val="0"/>
-                  </a:spcAft>
-                  <a:buNone/>
-                </a:pPr>
-                <a:endParaRPr/>
-              </a:p>
-            </p:txBody>
-          </p:sp>
-          <p:sp>
-            <p:nvSpPr>
-              <p:cNvPr id="3186" name="Google Shape;3186;p44"/>
-              <p:cNvSpPr/>
-              <p:nvPr/>
-            </p:nvSpPr>
-            <p:spPr>
-              <a:xfrm>
-                <a:off x="3134375" y="204150"/>
-                <a:ext cx="68100" cy="68100"/>
-              </a:xfrm>
-              <a:prstGeom prst="ellipse">
-                <a:avLst/>
-              </a:prstGeom>
-              <a:solidFill>
-                <a:schemeClr val="accent2"/>
-              </a:solidFill>
-              <a:ln>
-                <a:noFill/>
-              </a:ln>
-            </p:spPr>
-            <p:txBody>
-              <a:bodyPr spcFirstLastPara="1" wrap="square" lIns="91425" tIns="91425" rIns="91425" bIns="91425" anchor="ctr" anchorCtr="0">
-                <a:noAutofit/>
-              </a:bodyPr>
-              <a:lstStyle/>
-              <a:p>
-                <a:pPr marL="0" lvl="0" indent="0" algn="l" rtl="0">
-                  <a:spcBef>
-                    <a:spcPts val="0"/>
-                  </a:spcBef>
-                  <a:spcAft>
-                    <a:spcPts val="0"/>
-                  </a:spcAft>
-                  <a:buNone/>
-                </a:pPr>
-                <a:endParaRPr/>
-              </a:p>
-            </p:txBody>
-          </p:sp>
-        </p:grpSp>
-        <p:grpSp>
-          <p:nvGrpSpPr>
-            <p:cNvPr id="3187" name="Google Shape;3187;p44"/>
-            <p:cNvGrpSpPr/>
-            <p:nvPr/>
-          </p:nvGrpSpPr>
-          <p:grpSpPr>
-            <a:xfrm>
-              <a:off x="8480185" y="663852"/>
-              <a:ext cx="1178025" cy="68100"/>
-              <a:chOff x="2024450" y="204150"/>
-              <a:chExt cx="1178025" cy="68100"/>
-            </a:xfrm>
-          </p:grpSpPr>
-          <p:sp>
-            <p:nvSpPr>
-              <p:cNvPr id="3188" name="Google Shape;3188;p44"/>
-              <p:cNvSpPr/>
-              <p:nvPr/>
-            </p:nvSpPr>
-            <p:spPr>
-              <a:xfrm>
-                <a:off x="2024450" y="204150"/>
-                <a:ext cx="68100" cy="68100"/>
-              </a:xfrm>
-              <a:prstGeom prst="ellipse">
-                <a:avLst/>
-              </a:prstGeom>
-              <a:solidFill>
-                <a:schemeClr val="accent2"/>
-              </a:solidFill>
-              <a:ln>
-                <a:noFill/>
-              </a:ln>
-            </p:spPr>
-            <p:txBody>
-              <a:bodyPr spcFirstLastPara="1" wrap="square" lIns="91425" tIns="91425" rIns="91425" bIns="91425" anchor="ctr" anchorCtr="0">
-                <a:noAutofit/>
-              </a:bodyPr>
-              <a:lstStyle/>
-              <a:p>
-                <a:pPr marL="0" lvl="0" indent="0" algn="l" rtl="0">
-                  <a:spcBef>
-                    <a:spcPts val="0"/>
-                  </a:spcBef>
-                  <a:spcAft>
-                    <a:spcPts val="0"/>
-                  </a:spcAft>
-                  <a:buNone/>
-                </a:pPr>
-                <a:endParaRPr/>
-              </a:p>
-            </p:txBody>
-          </p:sp>
-          <p:sp>
-            <p:nvSpPr>
-              <p:cNvPr id="3189" name="Google Shape;3189;p44"/>
-              <p:cNvSpPr/>
-              <p:nvPr/>
-            </p:nvSpPr>
-            <p:spPr>
-              <a:xfrm>
-                <a:off x="2147775" y="204150"/>
-                <a:ext cx="68100" cy="68100"/>
-              </a:xfrm>
-              <a:prstGeom prst="ellipse">
-                <a:avLst/>
-              </a:prstGeom>
-              <a:solidFill>
-                <a:schemeClr val="accent2"/>
-              </a:solidFill>
-              <a:ln>
-                <a:noFill/>
-              </a:ln>
-            </p:spPr>
-            <p:txBody>
-              <a:bodyPr spcFirstLastPara="1" wrap="square" lIns="91425" tIns="91425" rIns="91425" bIns="91425" anchor="ctr" anchorCtr="0">
-                <a:noAutofit/>
-              </a:bodyPr>
-              <a:lstStyle/>
-              <a:p>
-                <a:pPr marL="0" lvl="0" indent="0" algn="l" rtl="0">
-                  <a:spcBef>
-                    <a:spcPts val="0"/>
-                  </a:spcBef>
-                  <a:spcAft>
-                    <a:spcPts val="0"/>
-                  </a:spcAft>
-                  <a:buNone/>
-                </a:pPr>
-                <a:endParaRPr/>
-              </a:p>
-            </p:txBody>
-          </p:sp>
-          <p:sp>
-            <p:nvSpPr>
-              <p:cNvPr id="3190" name="Google Shape;3190;p44"/>
-              <p:cNvSpPr/>
-              <p:nvPr/>
-            </p:nvSpPr>
-            <p:spPr>
-              <a:xfrm>
-                <a:off x="2271100" y="204150"/>
-                <a:ext cx="68100" cy="68100"/>
-              </a:xfrm>
-              <a:prstGeom prst="ellipse">
-                <a:avLst/>
-              </a:prstGeom>
-              <a:solidFill>
-                <a:schemeClr val="accent2"/>
-              </a:solidFill>
-              <a:ln>
-                <a:noFill/>
-              </a:ln>
-            </p:spPr>
-            <p:txBody>
-              <a:bodyPr spcFirstLastPara="1" wrap="square" lIns="91425" tIns="91425" rIns="91425" bIns="91425" anchor="ctr" anchorCtr="0">
-                <a:noAutofit/>
-              </a:bodyPr>
-              <a:lstStyle/>
-              <a:p>
-                <a:pPr marL="0" lvl="0" indent="0" algn="l" rtl="0">
-                  <a:spcBef>
-                    <a:spcPts val="0"/>
-                  </a:spcBef>
-                  <a:spcAft>
-                    <a:spcPts val="0"/>
-                  </a:spcAft>
-                  <a:buNone/>
-                </a:pPr>
-                <a:endParaRPr/>
-              </a:p>
-            </p:txBody>
-          </p:sp>
-          <p:sp>
-            <p:nvSpPr>
-              <p:cNvPr id="3191" name="Google Shape;3191;p44"/>
-              <p:cNvSpPr/>
-              <p:nvPr/>
-            </p:nvSpPr>
-            <p:spPr>
-              <a:xfrm>
-                <a:off x="2394425" y="204150"/>
-                <a:ext cx="68100" cy="68100"/>
-              </a:xfrm>
-              <a:prstGeom prst="ellipse">
-                <a:avLst/>
-              </a:prstGeom>
-              <a:solidFill>
-                <a:schemeClr val="accent2"/>
-              </a:solidFill>
-              <a:ln>
-                <a:noFill/>
-              </a:ln>
-            </p:spPr>
-            <p:txBody>
-              <a:bodyPr spcFirstLastPara="1" wrap="square" lIns="91425" tIns="91425" rIns="91425" bIns="91425" anchor="ctr" anchorCtr="0">
-                <a:noAutofit/>
-              </a:bodyPr>
-              <a:lstStyle/>
-              <a:p>
-                <a:pPr marL="0" lvl="0" indent="0" algn="l" rtl="0">
-                  <a:spcBef>
-                    <a:spcPts val="0"/>
-                  </a:spcBef>
-                  <a:spcAft>
-                    <a:spcPts val="0"/>
-                  </a:spcAft>
-                  <a:buNone/>
-                </a:pPr>
-                <a:endParaRPr/>
-              </a:p>
-            </p:txBody>
-          </p:sp>
-          <p:sp>
-            <p:nvSpPr>
-              <p:cNvPr id="3192" name="Google Shape;3192;p44"/>
-              <p:cNvSpPr/>
-              <p:nvPr/>
-            </p:nvSpPr>
-            <p:spPr>
-              <a:xfrm>
-                <a:off x="2517750" y="204150"/>
-                <a:ext cx="68100" cy="68100"/>
-              </a:xfrm>
-              <a:prstGeom prst="ellipse">
-                <a:avLst/>
-              </a:prstGeom>
-              <a:solidFill>
-                <a:schemeClr val="accent2"/>
-              </a:solidFill>
-              <a:ln>
-                <a:noFill/>
-              </a:ln>
-            </p:spPr>
-            <p:txBody>
-              <a:bodyPr spcFirstLastPara="1" wrap="square" lIns="91425" tIns="91425" rIns="91425" bIns="91425" anchor="ctr" anchorCtr="0">
-                <a:noAutofit/>
-              </a:bodyPr>
-              <a:lstStyle/>
-              <a:p>
-                <a:pPr marL="0" lvl="0" indent="0" algn="l" rtl="0">
-                  <a:spcBef>
-                    <a:spcPts val="0"/>
-                  </a:spcBef>
-                  <a:spcAft>
-                    <a:spcPts val="0"/>
-                  </a:spcAft>
-                  <a:buNone/>
-                </a:pPr>
-                <a:endParaRPr/>
-              </a:p>
-            </p:txBody>
-          </p:sp>
-          <p:sp>
-            <p:nvSpPr>
-              <p:cNvPr id="3193" name="Google Shape;3193;p44"/>
-              <p:cNvSpPr/>
-              <p:nvPr/>
-            </p:nvSpPr>
-            <p:spPr>
-              <a:xfrm>
-                <a:off x="2641075" y="204150"/>
-                <a:ext cx="68100" cy="68100"/>
-              </a:xfrm>
-              <a:prstGeom prst="ellipse">
-                <a:avLst/>
-              </a:prstGeom>
-              <a:solidFill>
-                <a:schemeClr val="accent2"/>
-              </a:solidFill>
-              <a:ln>
-                <a:noFill/>
-              </a:ln>
-            </p:spPr>
-            <p:txBody>
-              <a:bodyPr spcFirstLastPara="1" wrap="square" lIns="91425" tIns="91425" rIns="91425" bIns="91425" anchor="ctr" anchorCtr="0">
-                <a:noAutofit/>
-              </a:bodyPr>
-              <a:lstStyle/>
-              <a:p>
-                <a:pPr marL="0" lvl="0" indent="0" algn="l" rtl="0">
-                  <a:spcBef>
-                    <a:spcPts val="0"/>
-                  </a:spcBef>
-                  <a:spcAft>
-                    <a:spcPts val="0"/>
-                  </a:spcAft>
-                  <a:buNone/>
-                </a:pPr>
-                <a:endParaRPr/>
-              </a:p>
-            </p:txBody>
-          </p:sp>
-          <p:sp>
-            <p:nvSpPr>
-              <p:cNvPr id="3194" name="Google Shape;3194;p44"/>
-              <p:cNvSpPr/>
-              <p:nvPr/>
-            </p:nvSpPr>
-            <p:spPr>
-              <a:xfrm>
-                <a:off x="2764400" y="204150"/>
-                <a:ext cx="68100" cy="68100"/>
-              </a:xfrm>
-              <a:prstGeom prst="ellipse">
-                <a:avLst/>
-              </a:prstGeom>
-              <a:solidFill>
-                <a:schemeClr val="accent2"/>
-              </a:solidFill>
-              <a:ln>
-                <a:noFill/>
-              </a:ln>
-            </p:spPr>
-            <p:txBody>
-              <a:bodyPr spcFirstLastPara="1" wrap="square" lIns="91425" tIns="91425" rIns="91425" bIns="91425" anchor="ctr" anchorCtr="0">
-                <a:noAutofit/>
-              </a:bodyPr>
-              <a:lstStyle/>
-              <a:p>
-                <a:pPr marL="0" lvl="0" indent="0" algn="l" rtl="0">
-                  <a:spcBef>
-                    <a:spcPts val="0"/>
-                  </a:spcBef>
-                  <a:spcAft>
-                    <a:spcPts val="0"/>
-                  </a:spcAft>
-                  <a:buNone/>
-                </a:pPr>
-                <a:endParaRPr/>
-              </a:p>
-            </p:txBody>
-          </p:sp>
-          <p:sp>
-            <p:nvSpPr>
-              <p:cNvPr id="3195" name="Google Shape;3195;p44"/>
-              <p:cNvSpPr/>
-              <p:nvPr/>
-            </p:nvSpPr>
-            <p:spPr>
-              <a:xfrm>
-                <a:off x="2887725" y="204150"/>
-                <a:ext cx="68100" cy="68100"/>
-              </a:xfrm>
-              <a:prstGeom prst="ellipse">
-                <a:avLst/>
-              </a:prstGeom>
-              <a:solidFill>
-                <a:schemeClr val="accent2"/>
-              </a:solidFill>
-              <a:ln>
-                <a:noFill/>
-              </a:ln>
-            </p:spPr>
-            <p:txBody>
-              <a:bodyPr spcFirstLastPara="1" wrap="square" lIns="91425" tIns="91425" rIns="91425" bIns="91425" anchor="ctr" anchorCtr="0">
-                <a:noAutofit/>
-              </a:bodyPr>
-              <a:lstStyle/>
-              <a:p>
-                <a:pPr marL="0" lvl="0" indent="0" algn="l" rtl="0">
-                  <a:spcBef>
-                    <a:spcPts val="0"/>
-                  </a:spcBef>
-                  <a:spcAft>
-                    <a:spcPts val="0"/>
-                  </a:spcAft>
-                  <a:buNone/>
-                </a:pPr>
-                <a:endParaRPr/>
-              </a:p>
-            </p:txBody>
-          </p:sp>
-          <p:sp>
-            <p:nvSpPr>
-              <p:cNvPr id="3196" name="Google Shape;3196;p44"/>
-              <p:cNvSpPr/>
-              <p:nvPr/>
-            </p:nvSpPr>
-            <p:spPr>
-              <a:xfrm>
-                <a:off x="3011050" y="204150"/>
-                <a:ext cx="68100" cy="68100"/>
-              </a:xfrm>
-              <a:prstGeom prst="ellipse">
-                <a:avLst/>
-              </a:prstGeom>
-              <a:solidFill>
-                <a:schemeClr val="accent2"/>
-              </a:solidFill>
-              <a:ln>
-                <a:noFill/>
-              </a:ln>
-            </p:spPr>
-            <p:txBody>
-              <a:bodyPr spcFirstLastPara="1" wrap="square" lIns="91425" tIns="91425" rIns="91425" bIns="91425" anchor="ctr" anchorCtr="0">
-                <a:noAutofit/>
-              </a:bodyPr>
-              <a:lstStyle/>
-              <a:p>
-                <a:pPr marL="0" lvl="0" indent="0" algn="l" rtl="0">
-                  <a:spcBef>
-                    <a:spcPts val="0"/>
-                  </a:spcBef>
-                  <a:spcAft>
-                    <a:spcPts val="0"/>
-                  </a:spcAft>
-                  <a:buNone/>
-                </a:pPr>
-                <a:endParaRPr/>
-              </a:p>
-            </p:txBody>
-          </p:sp>
-          <p:sp>
-            <p:nvSpPr>
-              <p:cNvPr id="3197" name="Google Shape;3197;p44"/>
-              <p:cNvSpPr/>
-              <p:nvPr/>
-            </p:nvSpPr>
-            <p:spPr>
-              <a:xfrm>
-                <a:off x="3134375" y="204150"/>
-                <a:ext cx="68100" cy="68100"/>
-              </a:xfrm>
-              <a:prstGeom prst="ellipse">
-                <a:avLst/>
-              </a:prstGeom>
-              <a:solidFill>
-                <a:schemeClr val="accent2"/>
-              </a:solidFill>
-              <a:ln>
-                <a:noFill/>
-              </a:ln>
-            </p:spPr>
-            <p:txBody>
-              <a:bodyPr spcFirstLastPara="1" wrap="square" lIns="91425" tIns="91425" rIns="91425" bIns="91425" anchor="ctr" anchorCtr="0">
-                <a:noAutofit/>
-              </a:bodyPr>
-              <a:lstStyle/>
-              <a:p>
-                <a:pPr marL="0" lvl="0" indent="0" algn="l" rtl="0">
-                  <a:spcBef>
-                    <a:spcPts val="0"/>
-                  </a:spcBef>
-                  <a:spcAft>
-                    <a:spcPts val="0"/>
-                  </a:spcAft>
-                  <a:buNone/>
-                </a:pPr>
-                <a:endParaRPr/>
-              </a:p>
-            </p:txBody>
-          </p:sp>
-        </p:grpSp>
-      </p:grpSp>
-      <p:grpSp>
-        <p:nvGrpSpPr>
-          <p:cNvPr id="3198" name="Google Shape;3198;p44"/>
-          <p:cNvGrpSpPr/>
-          <p:nvPr/>
-        </p:nvGrpSpPr>
-        <p:grpSpPr>
-          <a:xfrm>
-            <a:off x="5294901" y="4383719"/>
-            <a:ext cx="1252897" cy="51000"/>
-            <a:chOff x="2915381" y="4104819"/>
-            <a:chExt cx="1252897" cy="51000"/>
-          </a:xfrm>
-        </p:grpSpPr>
-        <p:sp>
-          <p:nvSpPr>
-            <p:cNvPr id="3199" name="Google Shape;3199;p44"/>
-            <p:cNvSpPr/>
-            <p:nvPr/>
-          </p:nvSpPr>
-          <p:spPr>
-            <a:xfrm>
-              <a:off x="2915381" y="4104819"/>
-              <a:ext cx="51000" cy="51000"/>
-            </a:xfrm>
-            <a:prstGeom prst="ellipse">
-              <a:avLst/>
-            </a:prstGeom>
-            <a:solidFill>
-              <a:schemeClr val="accent2"/>
-            </a:solidFill>
-            <a:ln>
-              <a:noFill/>
-            </a:ln>
-          </p:spPr>
-          <p:txBody>
-            <a:bodyPr spcFirstLastPara="1" wrap="square" lIns="91425" tIns="91425" rIns="91425" bIns="91425" anchor="ctr" anchorCtr="0">
-              <a:noAutofit/>
-            </a:bodyPr>
-            <a:lstStyle/>
-            <a:p>
-              <a:pPr marL="0" lvl="0" indent="0" algn="l" rtl="0">
-                <a:spcBef>
-                  <a:spcPts val="0"/>
-                </a:spcBef>
-                <a:spcAft>
-                  <a:spcPts val="0"/>
-                </a:spcAft>
-                <a:buNone/>
-              </a:pPr>
-              <a:endParaRPr/>
-            </a:p>
-          </p:txBody>
-        </p:sp>
-        <p:sp>
-          <p:nvSpPr>
-            <p:cNvPr id="3200" name="Google Shape;3200;p44"/>
-            <p:cNvSpPr/>
-            <p:nvPr/>
-          </p:nvSpPr>
-          <p:spPr>
-            <a:xfrm>
-              <a:off x="3007850" y="4104819"/>
-              <a:ext cx="51000" cy="51000"/>
-            </a:xfrm>
-            <a:prstGeom prst="ellipse">
-              <a:avLst/>
-            </a:prstGeom>
-            <a:solidFill>
-              <a:schemeClr val="accent2"/>
-            </a:solidFill>
-            <a:ln>
-              <a:noFill/>
-            </a:ln>
-          </p:spPr>
-          <p:txBody>
-            <a:bodyPr spcFirstLastPara="1" wrap="square" lIns="91425" tIns="91425" rIns="91425" bIns="91425" anchor="ctr" anchorCtr="0">
-              <a:noAutofit/>
-            </a:bodyPr>
-            <a:lstStyle/>
-            <a:p>
-              <a:pPr marL="0" lvl="0" indent="0" algn="l" rtl="0">
-                <a:spcBef>
-                  <a:spcPts val="0"/>
-                </a:spcBef>
-                <a:spcAft>
-                  <a:spcPts val="0"/>
-                </a:spcAft>
-                <a:buNone/>
-              </a:pPr>
-              <a:endParaRPr/>
-            </a:p>
-          </p:txBody>
-        </p:sp>
-        <p:sp>
-          <p:nvSpPr>
-            <p:cNvPr id="3201" name="Google Shape;3201;p44"/>
-            <p:cNvSpPr/>
-            <p:nvPr/>
-          </p:nvSpPr>
-          <p:spPr>
-            <a:xfrm>
-              <a:off x="3100319" y="4104819"/>
-              <a:ext cx="51000" cy="51000"/>
-            </a:xfrm>
-            <a:prstGeom prst="ellipse">
-              <a:avLst/>
-            </a:prstGeom>
-            <a:solidFill>
-              <a:schemeClr val="accent2"/>
-            </a:solidFill>
-            <a:ln>
-              <a:noFill/>
-            </a:ln>
-          </p:spPr>
-          <p:txBody>
-            <a:bodyPr spcFirstLastPara="1" wrap="square" lIns="91425" tIns="91425" rIns="91425" bIns="91425" anchor="ctr" anchorCtr="0">
-              <a:noAutofit/>
-            </a:bodyPr>
-            <a:lstStyle/>
-            <a:p>
-              <a:pPr marL="0" lvl="0" indent="0" algn="l" rtl="0">
-                <a:spcBef>
-                  <a:spcPts val="0"/>
-                </a:spcBef>
-                <a:spcAft>
-                  <a:spcPts val="0"/>
-                </a:spcAft>
-                <a:buNone/>
-              </a:pPr>
-              <a:endParaRPr/>
-            </a:p>
-          </p:txBody>
-        </p:sp>
-        <p:sp>
-          <p:nvSpPr>
-            <p:cNvPr id="3202" name="Google Shape;3202;p44"/>
-            <p:cNvSpPr/>
-            <p:nvPr/>
-          </p:nvSpPr>
-          <p:spPr>
-            <a:xfrm>
-              <a:off x="3192788" y="4104819"/>
-              <a:ext cx="51000" cy="51000"/>
-            </a:xfrm>
-            <a:prstGeom prst="ellipse">
-              <a:avLst/>
-            </a:prstGeom>
-            <a:solidFill>
-              <a:schemeClr val="accent2"/>
-            </a:solidFill>
-            <a:ln>
-              <a:noFill/>
-            </a:ln>
-          </p:spPr>
-          <p:txBody>
-            <a:bodyPr spcFirstLastPara="1" wrap="square" lIns="91425" tIns="91425" rIns="91425" bIns="91425" anchor="ctr" anchorCtr="0">
-              <a:noAutofit/>
-            </a:bodyPr>
-            <a:lstStyle/>
-            <a:p>
-              <a:pPr marL="0" lvl="0" indent="0" algn="l" rtl="0">
-                <a:spcBef>
-                  <a:spcPts val="0"/>
-                </a:spcBef>
-                <a:spcAft>
-                  <a:spcPts val="0"/>
-                </a:spcAft>
-                <a:buNone/>
-              </a:pPr>
-              <a:endParaRPr/>
-            </a:p>
-          </p:txBody>
-        </p:sp>
-        <p:sp>
-          <p:nvSpPr>
-            <p:cNvPr id="3203" name="Google Shape;3203;p44"/>
-            <p:cNvSpPr/>
-            <p:nvPr/>
-          </p:nvSpPr>
-          <p:spPr>
-            <a:xfrm>
-              <a:off x="3285257" y="4104819"/>
-              <a:ext cx="51000" cy="51000"/>
-            </a:xfrm>
-            <a:prstGeom prst="ellipse">
-              <a:avLst/>
-            </a:prstGeom>
-            <a:solidFill>
-              <a:schemeClr val="accent2"/>
-            </a:solidFill>
-            <a:ln>
-              <a:noFill/>
-            </a:ln>
-          </p:spPr>
-          <p:txBody>
-            <a:bodyPr spcFirstLastPara="1" wrap="square" lIns="91425" tIns="91425" rIns="91425" bIns="91425" anchor="ctr" anchorCtr="0">
-              <a:noAutofit/>
-            </a:bodyPr>
-            <a:lstStyle/>
-            <a:p>
-              <a:pPr marL="0" lvl="0" indent="0" algn="l" rtl="0">
-                <a:spcBef>
-                  <a:spcPts val="0"/>
-                </a:spcBef>
-                <a:spcAft>
-                  <a:spcPts val="0"/>
-                </a:spcAft>
-                <a:buNone/>
-              </a:pPr>
-              <a:endParaRPr/>
-            </a:p>
-          </p:txBody>
-        </p:sp>
-        <p:sp>
-          <p:nvSpPr>
-            <p:cNvPr id="3204" name="Google Shape;3204;p44"/>
-            <p:cNvSpPr/>
-            <p:nvPr/>
-          </p:nvSpPr>
-          <p:spPr>
-            <a:xfrm>
-              <a:off x="3377726" y="4104819"/>
-              <a:ext cx="51000" cy="51000"/>
-            </a:xfrm>
-            <a:prstGeom prst="ellipse">
-              <a:avLst/>
-            </a:prstGeom>
-            <a:solidFill>
-              <a:schemeClr val="accent2"/>
-            </a:solidFill>
-            <a:ln>
-              <a:noFill/>
-            </a:ln>
-          </p:spPr>
-          <p:txBody>
-            <a:bodyPr spcFirstLastPara="1" wrap="square" lIns="91425" tIns="91425" rIns="91425" bIns="91425" anchor="ctr" anchorCtr="0">
-              <a:noAutofit/>
-            </a:bodyPr>
-            <a:lstStyle/>
-            <a:p>
-              <a:pPr marL="0" lvl="0" indent="0" algn="l" rtl="0">
-                <a:spcBef>
-                  <a:spcPts val="0"/>
-                </a:spcBef>
-                <a:spcAft>
-                  <a:spcPts val="0"/>
-                </a:spcAft>
-                <a:buNone/>
-              </a:pPr>
-              <a:endParaRPr/>
-            </a:p>
-          </p:txBody>
-        </p:sp>
-        <p:sp>
-          <p:nvSpPr>
-            <p:cNvPr id="3205" name="Google Shape;3205;p44"/>
-            <p:cNvSpPr/>
-            <p:nvPr/>
-          </p:nvSpPr>
-          <p:spPr>
-            <a:xfrm>
-              <a:off x="3470195" y="4104819"/>
-              <a:ext cx="51000" cy="51000"/>
-            </a:xfrm>
-            <a:prstGeom prst="ellipse">
-              <a:avLst/>
-            </a:prstGeom>
-            <a:solidFill>
-              <a:schemeClr val="accent2"/>
-            </a:solidFill>
-            <a:ln>
-              <a:noFill/>
-            </a:ln>
-          </p:spPr>
-          <p:txBody>
-            <a:bodyPr spcFirstLastPara="1" wrap="square" lIns="91425" tIns="91425" rIns="91425" bIns="91425" anchor="ctr" anchorCtr="0">
-              <a:noAutofit/>
-            </a:bodyPr>
-            <a:lstStyle/>
-            <a:p>
-              <a:pPr marL="0" lvl="0" indent="0" algn="l" rtl="0">
-                <a:spcBef>
-                  <a:spcPts val="0"/>
-                </a:spcBef>
-                <a:spcAft>
-                  <a:spcPts val="0"/>
-                </a:spcAft>
-                <a:buNone/>
-              </a:pPr>
-              <a:endParaRPr/>
-            </a:p>
-          </p:txBody>
-        </p:sp>
-        <p:sp>
-          <p:nvSpPr>
-            <p:cNvPr id="3206" name="Google Shape;3206;p44"/>
-            <p:cNvSpPr/>
-            <p:nvPr/>
-          </p:nvSpPr>
-          <p:spPr>
-            <a:xfrm>
-              <a:off x="3562664" y="4104819"/>
-              <a:ext cx="51000" cy="51000"/>
-            </a:xfrm>
-            <a:prstGeom prst="ellipse">
-              <a:avLst/>
-            </a:prstGeom>
-            <a:solidFill>
-              <a:schemeClr val="accent2"/>
-            </a:solidFill>
-            <a:ln>
-              <a:noFill/>
-            </a:ln>
-          </p:spPr>
-          <p:txBody>
-            <a:bodyPr spcFirstLastPara="1" wrap="square" lIns="91425" tIns="91425" rIns="91425" bIns="91425" anchor="ctr" anchorCtr="0">
-              <a:noAutofit/>
-            </a:bodyPr>
-            <a:lstStyle/>
-            <a:p>
-              <a:pPr marL="0" lvl="0" indent="0" algn="l" rtl="0">
-                <a:spcBef>
-                  <a:spcPts val="0"/>
-                </a:spcBef>
-                <a:spcAft>
-                  <a:spcPts val="0"/>
-                </a:spcAft>
-                <a:buNone/>
-              </a:pPr>
-              <a:endParaRPr/>
-            </a:p>
-          </p:txBody>
-        </p:sp>
-        <p:sp>
-          <p:nvSpPr>
-            <p:cNvPr id="3207" name="Google Shape;3207;p44"/>
-            <p:cNvSpPr/>
-            <p:nvPr/>
-          </p:nvSpPr>
-          <p:spPr>
-            <a:xfrm>
-              <a:off x="3655133" y="4104819"/>
-              <a:ext cx="51000" cy="51000"/>
-            </a:xfrm>
-            <a:prstGeom prst="ellipse">
-              <a:avLst/>
-            </a:prstGeom>
-            <a:solidFill>
-              <a:schemeClr val="accent2"/>
-            </a:solidFill>
-            <a:ln>
-              <a:noFill/>
-            </a:ln>
-          </p:spPr>
-          <p:txBody>
-            <a:bodyPr spcFirstLastPara="1" wrap="square" lIns="91425" tIns="91425" rIns="91425" bIns="91425" anchor="ctr" anchorCtr="0">
-              <a:noAutofit/>
-            </a:bodyPr>
-            <a:lstStyle/>
-            <a:p>
-              <a:pPr marL="0" lvl="0" indent="0" algn="l" rtl="0">
-                <a:spcBef>
-                  <a:spcPts val="0"/>
-                </a:spcBef>
-                <a:spcAft>
-                  <a:spcPts val="0"/>
-                </a:spcAft>
-                <a:buNone/>
-              </a:pPr>
-              <a:endParaRPr/>
-            </a:p>
-          </p:txBody>
-        </p:sp>
-        <p:sp>
-          <p:nvSpPr>
-            <p:cNvPr id="3208" name="Google Shape;3208;p44"/>
-            <p:cNvSpPr/>
-            <p:nvPr/>
-          </p:nvSpPr>
-          <p:spPr>
-            <a:xfrm>
-              <a:off x="3747602" y="4104819"/>
-              <a:ext cx="51000" cy="51000"/>
-            </a:xfrm>
-            <a:prstGeom prst="ellipse">
-              <a:avLst/>
-            </a:prstGeom>
-            <a:solidFill>
-              <a:schemeClr val="accent2"/>
-            </a:solidFill>
-            <a:ln>
-              <a:noFill/>
-            </a:ln>
-          </p:spPr>
-          <p:txBody>
-            <a:bodyPr spcFirstLastPara="1" wrap="square" lIns="91425" tIns="91425" rIns="91425" bIns="91425" anchor="ctr" anchorCtr="0">
-              <a:noAutofit/>
-            </a:bodyPr>
-            <a:lstStyle/>
-            <a:p>
-              <a:pPr marL="0" lvl="0" indent="0" algn="l" rtl="0">
-                <a:spcBef>
-                  <a:spcPts val="0"/>
-                </a:spcBef>
-                <a:spcAft>
-                  <a:spcPts val="0"/>
-                </a:spcAft>
-                <a:buNone/>
-              </a:pPr>
-              <a:endParaRPr/>
-            </a:p>
-          </p:txBody>
-        </p:sp>
-        <p:sp>
-          <p:nvSpPr>
-            <p:cNvPr id="3209" name="Google Shape;3209;p44"/>
-            <p:cNvSpPr/>
-            <p:nvPr/>
-          </p:nvSpPr>
-          <p:spPr>
-            <a:xfrm>
-              <a:off x="3840077" y="4104819"/>
-              <a:ext cx="51000" cy="51000"/>
-            </a:xfrm>
-            <a:prstGeom prst="ellipse">
-              <a:avLst/>
-            </a:prstGeom>
-            <a:solidFill>
-              <a:schemeClr val="accent2"/>
-            </a:solidFill>
-            <a:ln>
-              <a:noFill/>
-            </a:ln>
-          </p:spPr>
-          <p:txBody>
-            <a:bodyPr spcFirstLastPara="1" wrap="square" lIns="91425" tIns="91425" rIns="91425" bIns="91425" anchor="ctr" anchorCtr="0">
-              <a:noAutofit/>
-            </a:bodyPr>
-            <a:lstStyle/>
-            <a:p>
-              <a:pPr marL="0" lvl="0" indent="0" algn="l" rtl="0">
-                <a:spcBef>
-                  <a:spcPts val="0"/>
-                </a:spcBef>
-                <a:spcAft>
-                  <a:spcPts val="0"/>
-                </a:spcAft>
-                <a:buNone/>
-              </a:pPr>
-              <a:endParaRPr/>
-            </a:p>
-          </p:txBody>
-        </p:sp>
-        <p:sp>
-          <p:nvSpPr>
-            <p:cNvPr id="3210" name="Google Shape;3210;p44"/>
-            <p:cNvSpPr/>
-            <p:nvPr/>
-          </p:nvSpPr>
-          <p:spPr>
-            <a:xfrm>
-              <a:off x="3932477" y="4104819"/>
-              <a:ext cx="51000" cy="51000"/>
-            </a:xfrm>
-            <a:prstGeom prst="ellipse">
-              <a:avLst/>
-            </a:prstGeom>
-            <a:solidFill>
-              <a:schemeClr val="accent2"/>
-            </a:solidFill>
-            <a:ln>
-              <a:noFill/>
-            </a:ln>
-          </p:spPr>
-          <p:txBody>
-            <a:bodyPr spcFirstLastPara="1" wrap="square" lIns="91425" tIns="91425" rIns="91425" bIns="91425" anchor="ctr" anchorCtr="0">
-              <a:noAutofit/>
-            </a:bodyPr>
-            <a:lstStyle/>
-            <a:p>
-              <a:pPr marL="0" lvl="0" indent="0" algn="l" rtl="0">
-                <a:spcBef>
-                  <a:spcPts val="0"/>
-                </a:spcBef>
-                <a:spcAft>
-                  <a:spcPts val="0"/>
-                </a:spcAft>
-                <a:buNone/>
-              </a:pPr>
-              <a:endParaRPr/>
-            </a:p>
-          </p:txBody>
-        </p:sp>
-        <p:sp>
-          <p:nvSpPr>
-            <p:cNvPr id="3211" name="Google Shape;3211;p44"/>
-            <p:cNvSpPr/>
-            <p:nvPr/>
-          </p:nvSpPr>
-          <p:spPr>
-            <a:xfrm>
-              <a:off x="4024877" y="4104819"/>
-              <a:ext cx="51000" cy="51000"/>
-            </a:xfrm>
-            <a:prstGeom prst="ellipse">
-              <a:avLst/>
-            </a:prstGeom>
-            <a:solidFill>
-              <a:schemeClr val="accent2"/>
-            </a:solidFill>
-            <a:ln>
-              <a:noFill/>
-            </a:ln>
-          </p:spPr>
-          <p:txBody>
-            <a:bodyPr spcFirstLastPara="1" wrap="square" lIns="91425" tIns="91425" rIns="91425" bIns="91425" anchor="ctr" anchorCtr="0">
-              <a:noAutofit/>
-            </a:bodyPr>
-            <a:lstStyle/>
-            <a:p>
-              <a:pPr marL="0" lvl="0" indent="0" algn="l" rtl="0">
-                <a:spcBef>
-                  <a:spcPts val="0"/>
-                </a:spcBef>
-                <a:spcAft>
-                  <a:spcPts val="0"/>
-                </a:spcAft>
-                <a:buNone/>
-              </a:pPr>
-              <a:endParaRPr/>
-            </a:p>
-          </p:txBody>
-        </p:sp>
-        <p:sp>
-          <p:nvSpPr>
-            <p:cNvPr id="3212" name="Google Shape;3212;p44"/>
-            <p:cNvSpPr/>
-            <p:nvPr/>
-          </p:nvSpPr>
-          <p:spPr>
-            <a:xfrm>
-              <a:off x="4117277" y="4104819"/>
-              <a:ext cx="51000" cy="51000"/>
-            </a:xfrm>
-            <a:prstGeom prst="ellipse">
-              <a:avLst/>
-            </a:prstGeom>
-            <a:solidFill>
-              <a:schemeClr val="accent2"/>
-            </a:solidFill>
-            <a:ln>
-              <a:noFill/>
-            </a:ln>
-          </p:spPr>
-          <p:txBody>
-            <a:bodyPr spcFirstLastPara="1" wrap="square" lIns="91425" tIns="91425" rIns="91425" bIns="91425" anchor="ctr" anchorCtr="0">
-              <a:noAutofit/>
-            </a:bodyPr>
-            <a:lstStyle/>
-            <a:p>
-              <a:pPr marL="0" lvl="0" indent="0" algn="l" rtl="0">
-                <a:spcBef>
-                  <a:spcPts val="0"/>
-                </a:spcBef>
-                <a:spcAft>
-                  <a:spcPts val="0"/>
-                </a:spcAft>
-                <a:buNone/>
-              </a:pPr>
-              <a:endParaRPr/>
-            </a:p>
-          </p:txBody>
-        </p:sp>
-      </p:grpSp>
-      <p:grpSp>
-        <p:nvGrpSpPr>
-          <p:cNvPr id="3213" name="Google Shape;3213;p44"/>
-          <p:cNvGrpSpPr/>
-          <p:nvPr/>
-        </p:nvGrpSpPr>
-        <p:grpSpPr>
-          <a:xfrm>
-            <a:off x="2621939" y="674428"/>
-            <a:ext cx="883262" cy="242091"/>
-            <a:chOff x="2300350" y="2601250"/>
-            <a:chExt cx="2275275" cy="623625"/>
-          </a:xfrm>
-        </p:grpSpPr>
-        <p:sp>
-          <p:nvSpPr>
-            <p:cNvPr id="3214" name="Google Shape;3214;p44"/>
-            <p:cNvSpPr/>
-            <p:nvPr/>
-          </p:nvSpPr>
-          <p:spPr>
-            <a:xfrm>
-              <a:off x="2300350" y="2601250"/>
-              <a:ext cx="392100" cy="623625"/>
-            </a:xfrm>
-            <a:custGeom>
-              <a:avLst/>
-              <a:gdLst/>
-              <a:ahLst/>
-              <a:cxnLst/>
-              <a:rect l="l" t="t" r="r" b="b"/>
-              <a:pathLst>
-                <a:path w="15684" h="24945" extrusionOk="0">
-                  <a:moveTo>
-                    <a:pt x="12720" y="0"/>
-                  </a:moveTo>
-                  <a:cubicBezTo>
-                    <a:pt x="13337" y="0"/>
-                    <a:pt x="14078" y="247"/>
-                    <a:pt x="14572" y="741"/>
-                  </a:cubicBezTo>
-                  <a:cubicBezTo>
-                    <a:pt x="15684" y="1852"/>
-                    <a:pt x="15684" y="3581"/>
-                    <a:pt x="14572" y="4569"/>
-                  </a:cubicBezTo>
-                  <a:lnTo>
-                    <a:pt x="6792" y="12349"/>
-                  </a:lnTo>
-                  <a:lnTo>
-                    <a:pt x="14572" y="20128"/>
-                  </a:lnTo>
-                  <a:cubicBezTo>
-                    <a:pt x="15684" y="21240"/>
-                    <a:pt x="15684" y="22845"/>
-                    <a:pt x="14572" y="23957"/>
-                  </a:cubicBezTo>
-                  <a:cubicBezTo>
-                    <a:pt x="13584" y="24944"/>
-                    <a:pt x="11855" y="24944"/>
-                    <a:pt x="10744" y="23957"/>
-                  </a:cubicBezTo>
-                  <a:lnTo>
-                    <a:pt x="1112" y="14325"/>
-                  </a:lnTo>
-                  <a:cubicBezTo>
-                    <a:pt x="1" y="13213"/>
-                    <a:pt x="1" y="11484"/>
-                    <a:pt x="1112" y="10496"/>
-                  </a:cubicBezTo>
-                  <a:lnTo>
-                    <a:pt x="10744" y="741"/>
-                  </a:lnTo>
-                  <a:cubicBezTo>
-                    <a:pt x="11361" y="247"/>
-                    <a:pt x="11979" y="0"/>
-                    <a:pt x="12720" y="0"/>
-                  </a:cubicBezTo>
-                  <a:close/>
-                </a:path>
-              </a:pathLst>
-            </a:custGeom>
-            <a:solidFill>
-              <a:schemeClr val="accent2"/>
-            </a:solidFill>
-            <a:ln>
-              <a:noFill/>
-            </a:ln>
-          </p:spPr>
-          <p:txBody>
-            <a:bodyPr spcFirstLastPara="1" wrap="square" lIns="91425" tIns="91425" rIns="91425" bIns="91425" anchor="ctr" anchorCtr="0">
-              <a:noAutofit/>
-            </a:bodyPr>
-            <a:lstStyle/>
-            <a:p>
-              <a:pPr marL="0" lvl="0" indent="0" algn="l" rtl="0">
-                <a:spcBef>
-                  <a:spcPts val="0"/>
-                </a:spcBef>
-                <a:spcAft>
-                  <a:spcPts val="0"/>
-                </a:spcAft>
-                <a:buNone/>
-              </a:pPr>
-              <a:endParaRPr/>
-            </a:p>
-          </p:txBody>
-        </p:sp>
-        <p:sp>
-          <p:nvSpPr>
-            <p:cNvPr id="3215" name="Google Shape;3215;p44"/>
-            <p:cNvSpPr/>
-            <p:nvPr/>
-          </p:nvSpPr>
-          <p:spPr>
-            <a:xfrm>
-              <a:off x="2680075" y="2601250"/>
-              <a:ext cx="389025" cy="623625"/>
-            </a:xfrm>
-            <a:custGeom>
-              <a:avLst/>
-              <a:gdLst/>
-              <a:ahLst/>
-              <a:cxnLst/>
-              <a:rect l="l" t="t" r="r" b="b"/>
-              <a:pathLst>
-                <a:path w="15561" h="24945" extrusionOk="0">
-                  <a:moveTo>
-                    <a:pt x="12596" y="0"/>
-                  </a:moveTo>
-                  <a:cubicBezTo>
-                    <a:pt x="13337" y="0"/>
-                    <a:pt x="13955" y="247"/>
-                    <a:pt x="14449" y="741"/>
-                  </a:cubicBezTo>
-                  <a:cubicBezTo>
-                    <a:pt x="15560" y="1852"/>
-                    <a:pt x="15560" y="3581"/>
-                    <a:pt x="14449" y="4569"/>
-                  </a:cubicBezTo>
-                  <a:lnTo>
-                    <a:pt x="6669" y="12349"/>
-                  </a:lnTo>
-                  <a:lnTo>
-                    <a:pt x="14449" y="20128"/>
-                  </a:lnTo>
-                  <a:cubicBezTo>
-                    <a:pt x="15560" y="21240"/>
-                    <a:pt x="15560" y="22845"/>
-                    <a:pt x="14449" y="23957"/>
-                  </a:cubicBezTo>
-                  <a:cubicBezTo>
-                    <a:pt x="13461" y="24944"/>
-                    <a:pt x="11732" y="24944"/>
-                    <a:pt x="10621" y="23957"/>
-                  </a:cubicBezTo>
-                  <a:lnTo>
-                    <a:pt x="988" y="14325"/>
-                  </a:lnTo>
-                  <a:cubicBezTo>
-                    <a:pt x="1" y="13213"/>
-                    <a:pt x="1" y="11484"/>
-                    <a:pt x="988" y="10496"/>
-                  </a:cubicBezTo>
-                  <a:lnTo>
-                    <a:pt x="10621" y="741"/>
-                  </a:lnTo>
-                  <a:cubicBezTo>
-                    <a:pt x="11238" y="247"/>
-                    <a:pt x="11855" y="0"/>
-                    <a:pt x="12596" y="0"/>
-                  </a:cubicBezTo>
-                  <a:close/>
-                </a:path>
-              </a:pathLst>
-            </a:custGeom>
-            <a:solidFill>
-              <a:schemeClr val="accent2"/>
-            </a:solidFill>
-            <a:ln>
-              <a:noFill/>
-            </a:ln>
-          </p:spPr>
-          <p:txBody>
-            <a:bodyPr spcFirstLastPara="1" wrap="square" lIns="91425" tIns="91425" rIns="91425" bIns="91425" anchor="ctr" anchorCtr="0">
-              <a:noAutofit/>
-            </a:bodyPr>
-            <a:lstStyle/>
-            <a:p>
-              <a:pPr marL="0" lvl="0" indent="0" algn="l" rtl="0">
-                <a:spcBef>
-                  <a:spcPts val="0"/>
-                </a:spcBef>
-                <a:spcAft>
-                  <a:spcPts val="0"/>
-                </a:spcAft>
-                <a:buNone/>
-              </a:pPr>
-              <a:endParaRPr/>
-            </a:p>
-          </p:txBody>
-        </p:sp>
-        <p:sp>
-          <p:nvSpPr>
-            <p:cNvPr id="3216" name="Google Shape;3216;p44"/>
-            <p:cNvSpPr/>
-            <p:nvPr/>
-          </p:nvSpPr>
-          <p:spPr>
-            <a:xfrm>
-              <a:off x="3056725" y="2601250"/>
-              <a:ext cx="389000" cy="623625"/>
-            </a:xfrm>
-            <a:custGeom>
-              <a:avLst/>
-              <a:gdLst/>
-              <a:ahLst/>
-              <a:cxnLst/>
-              <a:rect l="l" t="t" r="r" b="b"/>
-              <a:pathLst>
-                <a:path w="15560" h="24945" extrusionOk="0">
-                  <a:moveTo>
-                    <a:pt x="12596" y="0"/>
-                  </a:moveTo>
-                  <a:cubicBezTo>
-                    <a:pt x="13337" y="0"/>
-                    <a:pt x="13954" y="247"/>
-                    <a:pt x="14448" y="741"/>
-                  </a:cubicBezTo>
-                  <a:cubicBezTo>
-                    <a:pt x="15559" y="1852"/>
-                    <a:pt x="15559" y="3581"/>
-                    <a:pt x="14448" y="4569"/>
-                  </a:cubicBezTo>
-                  <a:lnTo>
-                    <a:pt x="6792" y="12349"/>
-                  </a:lnTo>
-                  <a:lnTo>
-                    <a:pt x="14448" y="20128"/>
-                  </a:lnTo>
-                  <a:cubicBezTo>
-                    <a:pt x="15559" y="21240"/>
-                    <a:pt x="15559" y="22845"/>
-                    <a:pt x="14448" y="23957"/>
-                  </a:cubicBezTo>
-                  <a:cubicBezTo>
-                    <a:pt x="13460" y="24944"/>
-                    <a:pt x="11731" y="24944"/>
-                    <a:pt x="10743" y="23957"/>
-                  </a:cubicBezTo>
-                  <a:lnTo>
-                    <a:pt x="988" y="14325"/>
-                  </a:lnTo>
-                  <a:cubicBezTo>
-                    <a:pt x="0" y="13213"/>
-                    <a:pt x="0" y="11484"/>
-                    <a:pt x="988" y="10496"/>
-                  </a:cubicBezTo>
-                  <a:lnTo>
-                    <a:pt x="10743" y="741"/>
-                  </a:lnTo>
-                  <a:cubicBezTo>
-                    <a:pt x="11237" y="247"/>
-                    <a:pt x="11855" y="0"/>
-                    <a:pt x="12596" y="0"/>
-                  </a:cubicBezTo>
-                  <a:close/>
-                </a:path>
-              </a:pathLst>
-            </a:custGeom>
-            <a:solidFill>
-              <a:schemeClr val="accent2"/>
-            </a:solidFill>
-            <a:ln>
-              <a:noFill/>
-            </a:ln>
-          </p:spPr>
-          <p:txBody>
-            <a:bodyPr spcFirstLastPara="1" wrap="square" lIns="91425" tIns="91425" rIns="91425" bIns="91425" anchor="ctr" anchorCtr="0">
-              <a:noAutofit/>
-            </a:bodyPr>
-            <a:lstStyle/>
-            <a:p>
-              <a:pPr marL="0" lvl="0" indent="0" algn="l" rtl="0">
-                <a:spcBef>
-                  <a:spcPts val="0"/>
-                </a:spcBef>
-                <a:spcAft>
-                  <a:spcPts val="0"/>
-                </a:spcAft>
-                <a:buNone/>
-              </a:pPr>
-              <a:endParaRPr/>
-            </a:p>
-          </p:txBody>
-        </p:sp>
-        <p:sp>
-          <p:nvSpPr>
-            <p:cNvPr id="3217" name="Google Shape;3217;p44"/>
-            <p:cNvSpPr/>
-            <p:nvPr/>
-          </p:nvSpPr>
-          <p:spPr>
-            <a:xfrm>
-              <a:off x="3433350" y="2601250"/>
-              <a:ext cx="389000" cy="623625"/>
-            </a:xfrm>
-            <a:custGeom>
-              <a:avLst/>
-              <a:gdLst/>
-              <a:ahLst/>
-              <a:cxnLst/>
-              <a:rect l="l" t="t" r="r" b="b"/>
-              <a:pathLst>
-                <a:path w="15560" h="24945" extrusionOk="0">
-                  <a:moveTo>
-                    <a:pt x="12596" y="0"/>
-                  </a:moveTo>
-                  <a:cubicBezTo>
-                    <a:pt x="13337" y="0"/>
-                    <a:pt x="13955" y="247"/>
-                    <a:pt x="14572" y="741"/>
-                  </a:cubicBezTo>
-                  <a:cubicBezTo>
-                    <a:pt x="15560" y="1852"/>
-                    <a:pt x="15560" y="3581"/>
-                    <a:pt x="14572" y="4569"/>
-                  </a:cubicBezTo>
-                  <a:lnTo>
-                    <a:pt x="6792" y="12349"/>
-                  </a:lnTo>
-                  <a:lnTo>
-                    <a:pt x="14572" y="20128"/>
-                  </a:lnTo>
-                  <a:cubicBezTo>
-                    <a:pt x="15560" y="21240"/>
-                    <a:pt x="15560" y="22845"/>
-                    <a:pt x="14572" y="23957"/>
-                  </a:cubicBezTo>
-                  <a:cubicBezTo>
-                    <a:pt x="13461" y="24944"/>
-                    <a:pt x="11732" y="24944"/>
-                    <a:pt x="10744" y="23957"/>
-                  </a:cubicBezTo>
-                  <a:lnTo>
-                    <a:pt x="988" y="14325"/>
-                  </a:lnTo>
-                  <a:cubicBezTo>
-                    <a:pt x="1" y="13213"/>
-                    <a:pt x="1" y="11484"/>
-                    <a:pt x="988" y="10496"/>
-                  </a:cubicBezTo>
-                  <a:lnTo>
-                    <a:pt x="10744" y="741"/>
-                  </a:lnTo>
-                  <a:cubicBezTo>
-                    <a:pt x="11238" y="247"/>
-                    <a:pt x="11979" y="0"/>
-                    <a:pt x="12596" y="0"/>
-                  </a:cubicBezTo>
-                  <a:close/>
-                </a:path>
-              </a:pathLst>
-            </a:custGeom>
-            <a:solidFill>
-              <a:schemeClr val="accent2"/>
-            </a:solidFill>
-            <a:ln>
-              <a:noFill/>
-            </a:ln>
-          </p:spPr>
-          <p:txBody>
-            <a:bodyPr spcFirstLastPara="1" wrap="square" lIns="91425" tIns="91425" rIns="91425" bIns="91425" anchor="ctr" anchorCtr="0">
-              <a:noAutofit/>
-            </a:bodyPr>
-            <a:lstStyle/>
-            <a:p>
-              <a:pPr marL="0" lvl="0" indent="0" algn="l" rtl="0">
-                <a:spcBef>
-                  <a:spcPts val="0"/>
-                </a:spcBef>
-                <a:spcAft>
-                  <a:spcPts val="0"/>
-                </a:spcAft>
-                <a:buNone/>
-              </a:pPr>
-              <a:endParaRPr/>
-            </a:p>
-          </p:txBody>
-        </p:sp>
-        <p:sp>
-          <p:nvSpPr>
-            <p:cNvPr id="3218" name="Google Shape;3218;p44"/>
-            <p:cNvSpPr/>
-            <p:nvPr/>
-          </p:nvSpPr>
-          <p:spPr>
-            <a:xfrm>
-              <a:off x="3810000" y="2601250"/>
-              <a:ext cx="389000" cy="623625"/>
-            </a:xfrm>
-            <a:custGeom>
-              <a:avLst/>
-              <a:gdLst/>
-              <a:ahLst/>
-              <a:cxnLst/>
-              <a:rect l="l" t="t" r="r" b="b"/>
-              <a:pathLst>
-                <a:path w="15560" h="24945" extrusionOk="0">
-                  <a:moveTo>
-                    <a:pt x="12596" y="0"/>
-                  </a:moveTo>
-                  <a:cubicBezTo>
-                    <a:pt x="13337" y="0"/>
-                    <a:pt x="13954" y="247"/>
-                    <a:pt x="14572" y="741"/>
-                  </a:cubicBezTo>
-                  <a:cubicBezTo>
-                    <a:pt x="15559" y="1852"/>
-                    <a:pt x="15559" y="3581"/>
-                    <a:pt x="14572" y="4569"/>
-                  </a:cubicBezTo>
-                  <a:lnTo>
-                    <a:pt x="6792" y="12349"/>
-                  </a:lnTo>
-                  <a:lnTo>
-                    <a:pt x="14572" y="20128"/>
-                  </a:lnTo>
-                  <a:cubicBezTo>
-                    <a:pt x="15559" y="21240"/>
-                    <a:pt x="15559" y="22845"/>
-                    <a:pt x="14572" y="23957"/>
-                  </a:cubicBezTo>
-                  <a:cubicBezTo>
-                    <a:pt x="13460" y="24944"/>
-                    <a:pt x="11731" y="24944"/>
-                    <a:pt x="10743" y="23957"/>
-                  </a:cubicBezTo>
-                  <a:lnTo>
-                    <a:pt x="988" y="14325"/>
-                  </a:lnTo>
-                  <a:cubicBezTo>
-                    <a:pt x="0" y="13213"/>
-                    <a:pt x="0" y="11484"/>
-                    <a:pt x="988" y="10496"/>
-                  </a:cubicBezTo>
-                  <a:lnTo>
-                    <a:pt x="10743" y="741"/>
-                  </a:lnTo>
-                  <a:cubicBezTo>
-                    <a:pt x="11237" y="247"/>
-                    <a:pt x="11978" y="0"/>
-                    <a:pt x="12596" y="0"/>
-                  </a:cubicBezTo>
-                  <a:close/>
-                </a:path>
-              </a:pathLst>
-            </a:custGeom>
-            <a:solidFill>
-              <a:schemeClr val="accent2"/>
-            </a:solidFill>
-            <a:ln>
-              <a:noFill/>
-            </a:ln>
-          </p:spPr>
-          <p:txBody>
-            <a:bodyPr spcFirstLastPara="1" wrap="square" lIns="91425" tIns="91425" rIns="91425" bIns="91425" anchor="ctr" anchorCtr="0">
-              <a:noAutofit/>
-            </a:bodyPr>
-            <a:lstStyle/>
-            <a:p>
-              <a:pPr marL="0" lvl="0" indent="0" algn="l" rtl="0">
-                <a:spcBef>
-                  <a:spcPts val="0"/>
-                </a:spcBef>
-                <a:spcAft>
-                  <a:spcPts val="0"/>
-                </a:spcAft>
-                <a:buNone/>
-              </a:pPr>
-              <a:endParaRPr/>
-            </a:p>
-          </p:txBody>
-        </p:sp>
-        <p:sp>
-          <p:nvSpPr>
-            <p:cNvPr id="3219" name="Google Shape;3219;p44"/>
-            <p:cNvSpPr/>
-            <p:nvPr/>
-          </p:nvSpPr>
-          <p:spPr>
-            <a:xfrm>
-              <a:off x="4186625" y="2601250"/>
-              <a:ext cx="389000" cy="623625"/>
-            </a:xfrm>
-            <a:custGeom>
-              <a:avLst/>
-              <a:gdLst/>
-              <a:ahLst/>
-              <a:cxnLst/>
-              <a:rect l="l" t="t" r="r" b="b"/>
-              <a:pathLst>
-                <a:path w="15560" h="24945" extrusionOk="0">
-                  <a:moveTo>
-                    <a:pt x="12596" y="0"/>
-                  </a:moveTo>
-                  <a:cubicBezTo>
-                    <a:pt x="13337" y="0"/>
-                    <a:pt x="13955" y="247"/>
-                    <a:pt x="14572" y="741"/>
-                  </a:cubicBezTo>
-                  <a:cubicBezTo>
-                    <a:pt x="15560" y="1852"/>
-                    <a:pt x="15560" y="3581"/>
-                    <a:pt x="14572" y="4569"/>
-                  </a:cubicBezTo>
-                  <a:lnTo>
-                    <a:pt x="6792" y="12349"/>
-                  </a:lnTo>
-                  <a:lnTo>
-                    <a:pt x="14572" y="20128"/>
-                  </a:lnTo>
-                  <a:cubicBezTo>
-                    <a:pt x="15560" y="21240"/>
-                    <a:pt x="15560" y="22845"/>
-                    <a:pt x="14572" y="23957"/>
-                  </a:cubicBezTo>
-                  <a:cubicBezTo>
-                    <a:pt x="13461" y="24944"/>
-                    <a:pt x="11732" y="24944"/>
-                    <a:pt x="10744" y="23957"/>
-                  </a:cubicBezTo>
-                  <a:lnTo>
-                    <a:pt x="988" y="14325"/>
-                  </a:lnTo>
-                  <a:cubicBezTo>
-                    <a:pt x="0" y="13213"/>
-                    <a:pt x="0" y="11484"/>
-                    <a:pt x="988" y="10496"/>
-                  </a:cubicBezTo>
-                  <a:lnTo>
-                    <a:pt x="10744" y="741"/>
-                  </a:lnTo>
-                  <a:cubicBezTo>
-                    <a:pt x="11238" y="247"/>
-                    <a:pt x="11979" y="0"/>
-                    <a:pt x="12596" y="0"/>
-                  </a:cubicBezTo>
-                  <a:close/>
-                </a:path>
-              </a:pathLst>
-            </a:custGeom>
-            <a:solidFill>
-              <a:schemeClr val="accent2"/>
-            </a:solidFill>
-            <a:ln>
-              <a:noFill/>
-            </a:ln>
-          </p:spPr>
-          <p:txBody>
-            <a:bodyPr spcFirstLastPara="1" wrap="square" lIns="91425" tIns="91425" rIns="91425" bIns="91425" anchor="ctr" anchorCtr="0">
-              <a:noAutofit/>
-            </a:bodyPr>
-            <a:lstStyle/>
-            <a:p>
-              <a:pPr marL="0" lvl="0" indent="0" algn="l" rtl="0">
-                <a:spcBef>
-                  <a:spcPts val="0"/>
-                </a:spcBef>
-                <a:spcAft>
-                  <a:spcPts val="0"/>
-                </a:spcAft>
-                <a:buNone/>
-              </a:pPr>
-              <a:endParaRPr/>
-            </a:p>
-          </p:txBody>
-        </p:sp>
-      </p:grpSp>
-      <p:grpSp>
-        <p:nvGrpSpPr>
-          <p:cNvPr id="3220" name="Google Shape;3220;p44"/>
-          <p:cNvGrpSpPr/>
-          <p:nvPr/>
-        </p:nvGrpSpPr>
-        <p:grpSpPr>
-          <a:xfrm>
-            <a:off x="7672192" y="1903729"/>
-            <a:ext cx="1823016" cy="296643"/>
-            <a:chOff x="7857346" y="3902355"/>
-            <a:chExt cx="1823016" cy="296643"/>
-          </a:xfrm>
-        </p:grpSpPr>
-        <p:sp>
-          <p:nvSpPr>
-            <p:cNvPr id="3221" name="Google Shape;3221;p44"/>
-            <p:cNvSpPr/>
-            <p:nvPr/>
-          </p:nvSpPr>
-          <p:spPr>
-            <a:xfrm>
-              <a:off x="7956216" y="4048371"/>
-              <a:ext cx="1724145" cy="150627"/>
-            </a:xfrm>
-            <a:custGeom>
-              <a:avLst/>
-              <a:gdLst/>
-              <a:ahLst/>
-              <a:cxnLst/>
-              <a:rect l="l" t="t" r="r" b="b"/>
-              <a:pathLst>
-                <a:path w="55332" h="4834" fill="none" extrusionOk="0">
-                  <a:moveTo>
-                    <a:pt x="55331" y="4834"/>
-                  </a:moveTo>
-                  <a:lnTo>
-                    <a:pt x="28930" y="4834"/>
-                  </a:lnTo>
-                  <a:lnTo>
-                    <a:pt x="27294" y="3198"/>
-                  </a:lnTo>
-                  <a:lnTo>
-                    <a:pt x="24072" y="0"/>
-                  </a:lnTo>
-                  <a:lnTo>
-                    <a:pt x="1" y="0"/>
-                  </a:lnTo>
-                </a:path>
-              </a:pathLst>
-            </a:custGeom>
-            <a:noFill/>
-            <a:ln w="19050" cap="rnd" cmpd="sng">
-              <a:solidFill>
-                <a:schemeClr val="accent3"/>
-              </a:solidFill>
-              <a:prstDash val="solid"/>
-              <a:round/>
-              <a:headEnd type="none" w="sm" len="sm"/>
-              <a:tailEnd type="none" w="sm" len="sm"/>
-            </a:ln>
-          </p:spPr>
-          <p:txBody>
-            <a:bodyPr spcFirstLastPara="1" wrap="square" lIns="91425" tIns="91425" rIns="91425" bIns="91425" anchor="ctr" anchorCtr="0">
-              <a:noAutofit/>
-            </a:bodyPr>
-            <a:lstStyle/>
-            <a:p>
-              <a:pPr marL="0" lvl="0" indent="0" algn="l" rtl="0">
-                <a:spcBef>
-                  <a:spcPts val="0"/>
-                </a:spcBef>
-                <a:spcAft>
-                  <a:spcPts val="0"/>
-                </a:spcAft>
-                <a:buNone/>
-              </a:pPr>
-              <a:endParaRPr/>
-            </a:p>
-          </p:txBody>
-        </p:sp>
-        <p:sp>
-          <p:nvSpPr>
-            <p:cNvPr id="3222" name="Google Shape;3222;p44"/>
-            <p:cNvSpPr/>
-            <p:nvPr/>
-          </p:nvSpPr>
-          <p:spPr>
-            <a:xfrm>
-              <a:off x="8453686" y="3902355"/>
-              <a:ext cx="91953" cy="91953"/>
-            </a:xfrm>
-            <a:custGeom>
-              <a:avLst/>
-              <a:gdLst/>
-              <a:ahLst/>
-              <a:cxnLst/>
-              <a:rect l="l" t="t" r="r" b="b"/>
-              <a:pathLst>
-                <a:path w="2951" h="2951" fill="none" extrusionOk="0">
-                  <a:moveTo>
-                    <a:pt x="0" y="1488"/>
-                  </a:moveTo>
-                  <a:cubicBezTo>
-                    <a:pt x="0" y="670"/>
-                    <a:pt x="670" y="1"/>
-                    <a:pt x="1488" y="1"/>
-                  </a:cubicBezTo>
-                  <a:cubicBezTo>
-                    <a:pt x="2306" y="1"/>
-                    <a:pt x="2950" y="670"/>
-                    <a:pt x="2950" y="1488"/>
-                  </a:cubicBezTo>
-                  <a:cubicBezTo>
-                    <a:pt x="2950" y="2281"/>
-                    <a:pt x="2306" y="2951"/>
-                    <a:pt x="1488" y="2951"/>
-                  </a:cubicBezTo>
-                  <a:cubicBezTo>
-                    <a:pt x="670" y="2951"/>
-                    <a:pt x="0" y="2281"/>
-                    <a:pt x="0" y="1488"/>
-                  </a:cubicBezTo>
-                  <a:close/>
-                </a:path>
-              </a:pathLst>
-            </a:custGeom>
-            <a:noFill/>
-            <a:ln w="19050" cap="rnd" cmpd="sng">
-              <a:solidFill>
-                <a:schemeClr val="accent3"/>
-              </a:solidFill>
-              <a:prstDash val="solid"/>
-              <a:round/>
-              <a:headEnd type="none" w="sm" len="sm"/>
-              <a:tailEnd type="none" w="sm" len="sm"/>
-            </a:ln>
-          </p:spPr>
-          <p:txBody>
-            <a:bodyPr spcFirstLastPara="1" wrap="square" lIns="91425" tIns="91425" rIns="91425" bIns="91425" anchor="ctr" anchorCtr="0">
-              <a:noAutofit/>
-            </a:bodyPr>
-            <a:lstStyle/>
-            <a:p>
-              <a:pPr marL="0" lvl="0" indent="0" algn="l" rtl="0">
-                <a:spcBef>
-                  <a:spcPts val="0"/>
-                </a:spcBef>
-                <a:spcAft>
-                  <a:spcPts val="0"/>
-                </a:spcAft>
-                <a:buNone/>
-              </a:pPr>
-              <a:endParaRPr/>
-            </a:p>
-          </p:txBody>
-        </p:sp>
-        <p:sp>
-          <p:nvSpPr>
-            <p:cNvPr id="3223" name="Google Shape;3223;p44"/>
-            <p:cNvSpPr/>
-            <p:nvPr/>
-          </p:nvSpPr>
-          <p:spPr>
-            <a:xfrm>
-              <a:off x="8478396" y="3927096"/>
-              <a:ext cx="43281" cy="42502"/>
-            </a:xfrm>
-            <a:custGeom>
-              <a:avLst/>
-              <a:gdLst/>
-              <a:ahLst/>
-              <a:cxnLst/>
-              <a:rect l="l" t="t" r="r" b="b"/>
-              <a:pathLst>
-                <a:path w="1389" h="1364" extrusionOk="0">
-                  <a:moveTo>
-                    <a:pt x="695" y="0"/>
-                  </a:moveTo>
-                  <a:cubicBezTo>
-                    <a:pt x="298" y="0"/>
-                    <a:pt x="1" y="298"/>
-                    <a:pt x="1" y="694"/>
-                  </a:cubicBezTo>
-                  <a:cubicBezTo>
-                    <a:pt x="1" y="1066"/>
-                    <a:pt x="298" y="1363"/>
-                    <a:pt x="695" y="1363"/>
-                  </a:cubicBezTo>
-                  <a:cubicBezTo>
-                    <a:pt x="1067" y="1363"/>
-                    <a:pt x="1389" y="1066"/>
-                    <a:pt x="1389" y="694"/>
-                  </a:cubicBezTo>
-                  <a:cubicBezTo>
-                    <a:pt x="1389" y="298"/>
-                    <a:pt x="1067" y="0"/>
-                    <a:pt x="695" y="0"/>
-                  </a:cubicBezTo>
-                  <a:close/>
-                </a:path>
-              </a:pathLst>
-            </a:custGeom>
-            <a:solidFill>
-              <a:schemeClr val="accent3"/>
-            </a:solidFill>
-            <a:ln>
-              <a:noFill/>
-            </a:ln>
-          </p:spPr>
-          <p:txBody>
-            <a:bodyPr spcFirstLastPara="1" wrap="square" lIns="91425" tIns="91425" rIns="91425" bIns="91425" anchor="ctr" anchorCtr="0">
-              <a:noAutofit/>
-            </a:bodyPr>
-            <a:lstStyle/>
-            <a:p>
-              <a:pPr marL="0" lvl="0" indent="0" algn="l" rtl="0">
-                <a:spcBef>
-                  <a:spcPts val="0"/>
-                </a:spcBef>
-                <a:spcAft>
-                  <a:spcPts val="0"/>
-                </a:spcAft>
-                <a:buNone/>
-              </a:pPr>
-              <a:endParaRPr/>
-            </a:p>
-          </p:txBody>
-        </p:sp>
-        <p:sp>
-          <p:nvSpPr>
-            <p:cNvPr id="3224" name="Google Shape;3224;p44"/>
-            <p:cNvSpPr/>
-            <p:nvPr/>
-          </p:nvSpPr>
-          <p:spPr>
-            <a:xfrm>
-              <a:off x="7857346" y="4002005"/>
-              <a:ext cx="91953" cy="91953"/>
-            </a:xfrm>
-            <a:custGeom>
-              <a:avLst/>
-              <a:gdLst/>
-              <a:ahLst/>
-              <a:cxnLst/>
-              <a:rect l="l" t="t" r="r" b="b"/>
-              <a:pathLst>
-                <a:path w="2951" h="2951" fill="none" extrusionOk="0">
-                  <a:moveTo>
-                    <a:pt x="1" y="1463"/>
-                  </a:moveTo>
-                  <a:cubicBezTo>
-                    <a:pt x="1" y="670"/>
-                    <a:pt x="670" y="1"/>
-                    <a:pt x="1488" y="1"/>
-                  </a:cubicBezTo>
-                  <a:cubicBezTo>
-                    <a:pt x="2306" y="1"/>
-                    <a:pt x="2951" y="670"/>
-                    <a:pt x="2951" y="1463"/>
-                  </a:cubicBezTo>
-                  <a:cubicBezTo>
-                    <a:pt x="2951" y="2281"/>
-                    <a:pt x="2306" y="2951"/>
-                    <a:pt x="1488" y="2951"/>
-                  </a:cubicBezTo>
-                  <a:cubicBezTo>
-                    <a:pt x="670" y="2951"/>
-                    <a:pt x="1" y="2281"/>
-                    <a:pt x="1" y="1463"/>
-                  </a:cubicBezTo>
-                  <a:close/>
-                </a:path>
-              </a:pathLst>
-            </a:custGeom>
-            <a:noFill/>
-            <a:ln w="19050" cap="rnd" cmpd="sng">
-              <a:solidFill>
-                <a:schemeClr val="accent3"/>
-              </a:solidFill>
-              <a:prstDash val="solid"/>
-              <a:round/>
-              <a:headEnd type="none" w="sm" len="sm"/>
-              <a:tailEnd type="none" w="sm" len="sm"/>
-            </a:ln>
-          </p:spPr>
-          <p:txBody>
-            <a:bodyPr spcFirstLastPara="1" wrap="square" lIns="91425" tIns="91425" rIns="91425" bIns="91425" anchor="ctr" anchorCtr="0">
-              <a:noAutofit/>
-            </a:bodyPr>
-            <a:lstStyle/>
-            <a:p>
-              <a:pPr marL="0" lvl="0" indent="0" algn="l" rtl="0">
-                <a:spcBef>
-                  <a:spcPts val="0"/>
-                </a:spcBef>
-                <a:spcAft>
-                  <a:spcPts val="0"/>
-                </a:spcAft>
-                <a:buNone/>
-              </a:pPr>
-              <a:endParaRPr/>
-            </a:p>
-          </p:txBody>
-        </p:sp>
-        <p:sp>
-          <p:nvSpPr>
-            <p:cNvPr id="3225" name="Google Shape;3225;p44"/>
-            <p:cNvSpPr/>
-            <p:nvPr/>
-          </p:nvSpPr>
-          <p:spPr>
-            <a:xfrm>
-              <a:off x="7882087" y="4026715"/>
-              <a:ext cx="43281" cy="42533"/>
-            </a:xfrm>
-            <a:custGeom>
-              <a:avLst/>
-              <a:gdLst/>
-              <a:ahLst/>
-              <a:cxnLst/>
-              <a:rect l="l" t="t" r="r" b="b"/>
-              <a:pathLst>
-                <a:path w="1389" h="1365" extrusionOk="0">
-                  <a:moveTo>
-                    <a:pt x="694" y="1"/>
-                  </a:moveTo>
-                  <a:cubicBezTo>
-                    <a:pt x="298" y="1"/>
-                    <a:pt x="0" y="298"/>
-                    <a:pt x="0" y="670"/>
-                  </a:cubicBezTo>
-                  <a:cubicBezTo>
-                    <a:pt x="0" y="1067"/>
-                    <a:pt x="298" y="1364"/>
-                    <a:pt x="694" y="1364"/>
-                  </a:cubicBezTo>
-                  <a:cubicBezTo>
-                    <a:pt x="1066" y="1364"/>
-                    <a:pt x="1388" y="1067"/>
-                    <a:pt x="1388" y="670"/>
-                  </a:cubicBezTo>
-                  <a:cubicBezTo>
-                    <a:pt x="1388" y="298"/>
-                    <a:pt x="1066" y="1"/>
-                    <a:pt x="694" y="1"/>
-                  </a:cubicBezTo>
-                  <a:close/>
-                </a:path>
-              </a:pathLst>
-            </a:custGeom>
-            <a:solidFill>
-              <a:schemeClr val="accent3"/>
-            </a:solidFill>
-            <a:ln>
-              <a:noFill/>
-            </a:ln>
-          </p:spPr>
-          <p:txBody>
-            <a:bodyPr spcFirstLastPara="1" wrap="square" lIns="91425" tIns="91425" rIns="91425" bIns="91425" anchor="ctr" anchorCtr="0">
-              <a:noAutofit/>
-            </a:bodyPr>
-            <a:lstStyle/>
-            <a:p>
-              <a:pPr marL="0" lvl="0" indent="0" algn="l" rtl="0">
-                <a:spcBef>
-                  <a:spcPts val="0"/>
-                </a:spcBef>
-                <a:spcAft>
-                  <a:spcPts val="0"/>
-                </a:spcAft>
-                <a:buNone/>
-              </a:pPr>
-              <a:endParaRPr/>
-            </a:p>
-          </p:txBody>
-        </p:sp>
-        <p:sp>
-          <p:nvSpPr>
-            <p:cNvPr id="3226" name="Google Shape;3226;p44"/>
-            <p:cNvSpPr/>
-            <p:nvPr/>
-          </p:nvSpPr>
-          <p:spPr>
-            <a:xfrm>
-              <a:off x="8545608" y="3948721"/>
-              <a:ext cx="1134754" cy="175368"/>
-            </a:xfrm>
-            <a:custGeom>
-              <a:avLst/>
-              <a:gdLst/>
-              <a:ahLst/>
-              <a:cxnLst/>
-              <a:rect l="l" t="t" r="r" b="b"/>
-              <a:pathLst>
-                <a:path w="36417" h="5628" fill="none" extrusionOk="0">
-                  <a:moveTo>
-                    <a:pt x="0" y="0"/>
-                  </a:moveTo>
-                  <a:lnTo>
-                    <a:pt x="6049" y="0"/>
-                  </a:lnTo>
-                  <a:lnTo>
-                    <a:pt x="8379" y="2330"/>
-                  </a:lnTo>
-                  <a:lnTo>
-                    <a:pt x="11676" y="5627"/>
-                  </a:lnTo>
-                  <a:lnTo>
-                    <a:pt x="36416" y="5627"/>
-                  </a:lnTo>
-                </a:path>
-              </a:pathLst>
-            </a:custGeom>
-            <a:noFill/>
-            <a:ln w="19050" cap="rnd" cmpd="sng">
-              <a:solidFill>
-                <a:schemeClr val="accent3"/>
-              </a:solidFill>
-              <a:prstDash val="solid"/>
-              <a:round/>
-              <a:headEnd type="none" w="sm" len="sm"/>
-              <a:tailEnd type="none" w="sm" len="sm"/>
-            </a:ln>
-          </p:spPr>
-          <p:txBody>
-            <a:bodyPr spcFirstLastPara="1" wrap="square" lIns="91425" tIns="91425" rIns="91425" bIns="91425" anchor="ctr" anchorCtr="0">
-              <a:noAutofit/>
-            </a:bodyPr>
-            <a:lstStyle/>
-            <a:p>
-              <a:pPr marL="0" lvl="0" indent="0" algn="l" rtl="0">
-                <a:spcBef>
-                  <a:spcPts val="0"/>
-                </a:spcBef>
-                <a:spcAft>
-                  <a:spcPts val="0"/>
-                </a:spcAft>
-                <a:buNone/>
-              </a:pPr>
-              <a:endParaRPr/>
-            </a:p>
-          </p:txBody>
-        </p:sp>
-      </p:grpSp>
-      <p:grpSp>
-        <p:nvGrpSpPr>
-          <p:cNvPr id="3227" name="Google Shape;3227;p44"/>
-          <p:cNvGrpSpPr/>
-          <p:nvPr/>
-        </p:nvGrpSpPr>
-        <p:grpSpPr>
-          <a:xfrm rot="5400000">
-            <a:off x="3809575" y="1544225"/>
-            <a:ext cx="98902" cy="553090"/>
-            <a:chOff x="4898850" y="4820550"/>
-            <a:chExt cx="98902" cy="553090"/>
-          </a:xfrm>
-        </p:grpSpPr>
-        <p:sp>
-          <p:nvSpPr>
-            <p:cNvPr id="3228" name="Google Shape;3228;p44"/>
-            <p:cNvSpPr/>
-            <p:nvPr/>
-          </p:nvSpPr>
-          <p:spPr>
-            <a:xfrm>
-              <a:off x="4898850" y="4820550"/>
-              <a:ext cx="98902" cy="98902"/>
-            </a:xfrm>
-            <a:custGeom>
-              <a:avLst/>
-              <a:gdLst/>
-              <a:ahLst/>
-              <a:cxnLst/>
-              <a:rect l="l" t="t" r="r" b="b"/>
-              <a:pathLst>
-                <a:path w="3174" h="3174" fill="none" extrusionOk="0">
-                  <a:moveTo>
-                    <a:pt x="1810" y="124"/>
-                  </a:moveTo>
-                  <a:cubicBezTo>
-                    <a:pt x="2603" y="248"/>
-                    <a:pt x="3173" y="1017"/>
-                    <a:pt x="3024" y="1810"/>
-                  </a:cubicBezTo>
-                  <a:cubicBezTo>
-                    <a:pt x="2900" y="2603"/>
-                    <a:pt x="2157" y="3173"/>
-                    <a:pt x="1339" y="3025"/>
-                  </a:cubicBezTo>
-                  <a:cubicBezTo>
-                    <a:pt x="545" y="2901"/>
-                    <a:pt x="0" y="2157"/>
-                    <a:pt x="124" y="1339"/>
-                  </a:cubicBezTo>
-                  <a:cubicBezTo>
-                    <a:pt x="248" y="546"/>
-                    <a:pt x="992" y="0"/>
-                    <a:pt x="1810" y="124"/>
-                  </a:cubicBezTo>
-                  <a:close/>
-                </a:path>
-              </a:pathLst>
-            </a:custGeom>
-            <a:noFill/>
-            <a:ln w="19050" cap="rnd" cmpd="sng">
-              <a:solidFill>
-                <a:schemeClr val="accent3"/>
-              </a:solidFill>
-              <a:prstDash val="solid"/>
-              <a:round/>
-              <a:headEnd type="none" w="sm" len="sm"/>
-              <a:tailEnd type="none" w="sm" len="sm"/>
-            </a:ln>
-          </p:spPr>
-          <p:txBody>
-            <a:bodyPr spcFirstLastPara="1" wrap="square" lIns="91425" tIns="91425" rIns="91425" bIns="91425" anchor="ctr" anchorCtr="0">
-              <a:noAutofit/>
-            </a:bodyPr>
-            <a:lstStyle/>
-            <a:p>
-              <a:pPr marL="0" lvl="0" indent="0" algn="l" rtl="0">
-                <a:spcBef>
-                  <a:spcPts val="0"/>
-                </a:spcBef>
-                <a:spcAft>
-                  <a:spcPts val="0"/>
-                </a:spcAft>
-                <a:buNone/>
-              </a:pPr>
-              <a:endParaRPr/>
-            </a:p>
-          </p:txBody>
-        </p:sp>
-        <p:sp>
-          <p:nvSpPr>
-            <p:cNvPr id="3229" name="Google Shape;3229;p44"/>
-            <p:cNvSpPr/>
-            <p:nvPr/>
-          </p:nvSpPr>
-          <p:spPr>
-            <a:xfrm>
-              <a:off x="4924339" y="4847971"/>
-              <a:ext cx="46366" cy="43094"/>
-            </a:xfrm>
-            <a:custGeom>
-              <a:avLst/>
-              <a:gdLst/>
-              <a:ahLst/>
-              <a:cxnLst/>
-              <a:rect l="l" t="t" r="r" b="b"/>
-              <a:pathLst>
-                <a:path w="1488" h="1383" extrusionOk="0">
-                  <a:moveTo>
-                    <a:pt x="744" y="1"/>
-                  </a:moveTo>
-                  <a:cubicBezTo>
-                    <a:pt x="417" y="1"/>
-                    <a:pt x="119" y="253"/>
-                    <a:pt x="74" y="583"/>
-                  </a:cubicBezTo>
-                  <a:cubicBezTo>
-                    <a:pt x="0" y="955"/>
-                    <a:pt x="273" y="1327"/>
-                    <a:pt x="645" y="1376"/>
-                  </a:cubicBezTo>
-                  <a:cubicBezTo>
-                    <a:pt x="676" y="1380"/>
-                    <a:pt x="708" y="1383"/>
-                    <a:pt x="739" y="1383"/>
-                  </a:cubicBezTo>
-                  <a:cubicBezTo>
-                    <a:pt x="1074" y="1383"/>
-                    <a:pt x="1370" y="1146"/>
-                    <a:pt x="1438" y="806"/>
-                  </a:cubicBezTo>
-                  <a:cubicBezTo>
-                    <a:pt x="1487" y="434"/>
-                    <a:pt x="1240" y="62"/>
-                    <a:pt x="868" y="13"/>
-                  </a:cubicBezTo>
-                  <a:cubicBezTo>
-                    <a:pt x="826" y="4"/>
-                    <a:pt x="785" y="1"/>
-                    <a:pt x="744" y="1"/>
-                  </a:cubicBezTo>
-                  <a:close/>
-                </a:path>
-              </a:pathLst>
-            </a:custGeom>
-            <a:solidFill>
-              <a:schemeClr val="accent3"/>
-            </a:solidFill>
-            <a:ln>
-              <a:noFill/>
-            </a:ln>
-          </p:spPr>
-          <p:txBody>
-            <a:bodyPr spcFirstLastPara="1" wrap="square" lIns="91425" tIns="91425" rIns="91425" bIns="91425" anchor="ctr" anchorCtr="0">
-              <a:noAutofit/>
-            </a:bodyPr>
-            <a:lstStyle/>
-            <a:p>
-              <a:pPr marL="0" lvl="0" indent="0" algn="l" rtl="0">
-                <a:spcBef>
-                  <a:spcPts val="0"/>
-                </a:spcBef>
-                <a:spcAft>
-                  <a:spcPts val="0"/>
-                </a:spcAft>
-                <a:buNone/>
-              </a:pPr>
-              <a:endParaRPr/>
-            </a:p>
-          </p:txBody>
-        </p:sp>
-        <p:sp>
-          <p:nvSpPr>
-            <p:cNvPr id="3230" name="Google Shape;3230;p44"/>
-            <p:cNvSpPr/>
-            <p:nvPr/>
-          </p:nvSpPr>
-          <p:spPr>
-            <a:xfrm>
-              <a:off x="4901935" y="5281687"/>
-              <a:ext cx="91953" cy="91953"/>
-            </a:xfrm>
-            <a:custGeom>
-              <a:avLst/>
-              <a:gdLst/>
-              <a:ahLst/>
-              <a:cxnLst/>
-              <a:rect l="l" t="t" r="r" b="b"/>
-              <a:pathLst>
-                <a:path w="2951" h="2951" fill="none" extrusionOk="0">
-                  <a:moveTo>
-                    <a:pt x="1463" y="2951"/>
-                  </a:moveTo>
-                  <a:cubicBezTo>
-                    <a:pt x="645" y="2951"/>
-                    <a:pt x="0" y="2306"/>
-                    <a:pt x="0" y="1488"/>
-                  </a:cubicBezTo>
-                  <a:cubicBezTo>
-                    <a:pt x="0" y="670"/>
-                    <a:pt x="645" y="1"/>
-                    <a:pt x="1463" y="1"/>
-                  </a:cubicBezTo>
-                  <a:cubicBezTo>
-                    <a:pt x="2281" y="1"/>
-                    <a:pt x="2950" y="670"/>
-                    <a:pt x="2950" y="1488"/>
-                  </a:cubicBezTo>
-                  <a:cubicBezTo>
-                    <a:pt x="2950" y="2306"/>
-                    <a:pt x="2281" y="2951"/>
-                    <a:pt x="1463" y="2951"/>
-                  </a:cubicBezTo>
-                  <a:close/>
-                </a:path>
-              </a:pathLst>
-            </a:custGeom>
-            <a:noFill/>
-            <a:ln w="19050" cap="rnd" cmpd="sng">
-              <a:solidFill>
-                <a:schemeClr val="accent3"/>
-              </a:solidFill>
-              <a:prstDash val="solid"/>
-              <a:round/>
-              <a:headEnd type="none" w="sm" len="sm"/>
-              <a:tailEnd type="none" w="sm" len="sm"/>
-            </a:ln>
-          </p:spPr>
-          <p:txBody>
-            <a:bodyPr spcFirstLastPara="1" wrap="square" lIns="91425" tIns="91425" rIns="91425" bIns="91425" anchor="ctr" anchorCtr="0">
-              <a:noAutofit/>
-            </a:bodyPr>
-            <a:lstStyle/>
-            <a:p>
-              <a:pPr marL="0" lvl="0" indent="0" algn="l" rtl="0">
-                <a:spcBef>
-                  <a:spcPts val="0"/>
-                </a:spcBef>
-                <a:spcAft>
-                  <a:spcPts val="0"/>
-                </a:spcAft>
-                <a:buNone/>
-              </a:pPr>
-              <a:endParaRPr/>
-            </a:p>
-          </p:txBody>
-        </p:sp>
-        <p:sp>
-          <p:nvSpPr>
-            <p:cNvPr id="3231" name="Google Shape;3231;p44"/>
-            <p:cNvSpPr/>
-            <p:nvPr/>
-          </p:nvSpPr>
-          <p:spPr>
-            <a:xfrm>
-              <a:off x="4925866" y="5306428"/>
-              <a:ext cx="43281" cy="43281"/>
-            </a:xfrm>
-            <a:custGeom>
-              <a:avLst/>
-              <a:gdLst/>
-              <a:ahLst/>
-              <a:cxnLst/>
-              <a:rect l="l" t="t" r="r" b="b"/>
-              <a:pathLst>
-                <a:path w="1389" h="1389" extrusionOk="0">
-                  <a:moveTo>
-                    <a:pt x="695" y="0"/>
-                  </a:moveTo>
-                  <a:cubicBezTo>
-                    <a:pt x="323" y="0"/>
-                    <a:pt x="1" y="297"/>
-                    <a:pt x="1" y="694"/>
-                  </a:cubicBezTo>
-                  <a:cubicBezTo>
-                    <a:pt x="1" y="1066"/>
-                    <a:pt x="323" y="1388"/>
-                    <a:pt x="695" y="1388"/>
-                  </a:cubicBezTo>
-                  <a:cubicBezTo>
-                    <a:pt x="1091" y="1388"/>
-                    <a:pt x="1389" y="1066"/>
-                    <a:pt x="1389" y="694"/>
-                  </a:cubicBezTo>
-                  <a:cubicBezTo>
-                    <a:pt x="1389" y="297"/>
-                    <a:pt x="1091" y="0"/>
-                    <a:pt x="695" y="0"/>
-                  </a:cubicBezTo>
-                  <a:close/>
-                </a:path>
-              </a:pathLst>
-            </a:custGeom>
-            <a:solidFill>
-              <a:schemeClr val="accent3"/>
-            </a:solidFill>
-            <a:ln>
-              <a:noFill/>
-            </a:ln>
-          </p:spPr>
-          <p:txBody>
-            <a:bodyPr spcFirstLastPara="1" wrap="square" lIns="91425" tIns="91425" rIns="91425" bIns="91425" anchor="ctr" anchorCtr="0">
-              <a:noAutofit/>
-            </a:bodyPr>
-            <a:lstStyle/>
-            <a:p>
-              <a:pPr marL="0" lvl="0" indent="0" algn="l" rtl="0">
-                <a:spcBef>
-                  <a:spcPts val="0"/>
-                </a:spcBef>
-                <a:spcAft>
-                  <a:spcPts val="0"/>
-                </a:spcAft>
-                <a:buNone/>
-              </a:pPr>
-              <a:endParaRPr/>
-            </a:p>
-          </p:txBody>
-        </p:sp>
-        <p:sp>
-          <p:nvSpPr>
-            <p:cNvPr id="3232" name="Google Shape;3232;p44"/>
-            <p:cNvSpPr/>
-            <p:nvPr/>
-          </p:nvSpPr>
-          <p:spPr>
-            <a:xfrm>
-              <a:off x="4942100" y="4917862"/>
-              <a:ext cx="31" cy="358465"/>
-            </a:xfrm>
-            <a:custGeom>
-              <a:avLst/>
-              <a:gdLst/>
-              <a:ahLst/>
-              <a:cxnLst/>
-              <a:rect l="l" t="t" r="r" b="b"/>
-              <a:pathLst>
-                <a:path w="1" h="11504" fill="none" extrusionOk="0">
-                  <a:moveTo>
-                    <a:pt x="0" y="11503"/>
-                  </a:moveTo>
-                  <a:lnTo>
-                    <a:pt x="0" y="1"/>
-                  </a:lnTo>
-                </a:path>
-              </a:pathLst>
-            </a:custGeom>
-            <a:noFill/>
-            <a:ln w="19050" cap="rnd" cmpd="sng">
-              <a:solidFill>
-                <a:schemeClr val="accent3"/>
-              </a:solidFill>
-              <a:prstDash val="solid"/>
-              <a:round/>
-              <a:headEnd type="none" w="sm" len="sm"/>
-              <a:tailEnd type="none" w="sm" len="sm"/>
-            </a:ln>
-          </p:spPr>
-          <p:txBody>
-            <a:bodyPr spcFirstLastPara="1" wrap="square" lIns="91425" tIns="91425" rIns="91425" bIns="91425" anchor="ctr" anchorCtr="0">
-              <a:noAutofit/>
-            </a:bodyPr>
-            <a:lstStyle/>
-            <a:p>
-              <a:pPr marL="0" lvl="0" indent="0" algn="l" rtl="0">
-                <a:spcBef>
-                  <a:spcPts val="0"/>
-                </a:spcBef>
-                <a:spcAft>
-                  <a:spcPts val="0"/>
-                </a:spcAft>
-                <a:buNone/>
-              </a:pPr>
-              <a:endParaRPr/>
-            </a:p>
-          </p:txBody>
-        </p:sp>
-      </p:grpSp>
+          <a:prstGeom prst="rect">
+            <a:avLst/>
+          </a:prstGeom>
+        </p:spPr>
+      </p:pic>
     </p:spTree>
     <p:extLst>
       <p:ext uri="{BB962C8B-B14F-4D97-AF65-F5344CB8AC3E}">
-        <p14:creationId xmlns:p14="http://schemas.microsoft.com/office/powerpoint/2010/main" val="2486505655"/>
+        <p14:creationId xmlns:p14="http://schemas.microsoft.com/office/powerpoint/2010/main" val="1006884058"/>
       </p:ext>
     </p:extLst>
   </p:cSld>
